--- a/asset/Learn/ITA-version-up_en.pptx
+++ b/asset/Learn/ITA-version-up_en.pptx
@@ -316,7 +316,7 @@
               <a:rPr kumimoji="1" lang="ja-JP" altLang="en-US" smtClean="0">
                 <a:ea typeface="メイリオ" panose="020B0604030504040204" pitchFamily="50" charset="-128"/>
               </a:rPr>
-              <a:t>2021/6/7</a:t>
+              <a:t>2021/10/12</a:t>
             </a:fld>
             <a:endParaRPr kumimoji="1" lang="ja-JP" altLang="en-US" dirty="0">
               <a:ea typeface="メイリオ" panose="020B0604030504040204" pitchFamily="50" charset="-128"/>
@@ -462,7 +462,7 @@
             <a:fld id="{4B26993D-C081-44EB-B0F5-A9F467792B62}" type="datetimeFigureOut">
               <a:rPr lang="ja-JP" altLang="en-US" smtClean="0"/>
               <a:pPr/>
-              <a:t>2021/6/7</a:t>
+              <a:t>2021/10/12</a:t>
             </a:fld>
             <a:endParaRPr lang="ja-JP" altLang="en-US" dirty="0"/>
           </a:p>
@@ -1085,7 +1085,7 @@
           <a:p>
             <a:fld id="{56F9016B-CCA6-43BE-8BEE-59565A35F4F7}" type="datetimeFigureOut">
               <a:rPr kumimoji="1" lang="ja-JP" altLang="en-US" smtClean="0"/>
-              <a:t>2021/6/7</a:t>
+              <a:t>2021/10/12</a:t>
             </a:fld>
             <a:endParaRPr kumimoji="1" lang="ja-JP" altLang="en-US"/>
           </a:p>
@@ -1287,7 +1287,7 @@
           <a:p>
             <a:fld id="{56F9016B-CCA6-43BE-8BEE-59565A35F4F7}" type="datetimeFigureOut">
               <a:rPr kumimoji="1" lang="ja-JP" altLang="en-US" smtClean="0"/>
-              <a:t>2021/6/7</a:t>
+              <a:t>2021/10/12</a:t>
             </a:fld>
             <a:endParaRPr kumimoji="1" lang="ja-JP" altLang="en-US"/>
           </a:p>
@@ -1533,7 +1533,7 @@
           <a:p>
             <a:fld id="{56F9016B-CCA6-43BE-8BEE-59565A35F4F7}" type="datetimeFigureOut">
               <a:rPr kumimoji="1" lang="ja-JP" altLang="en-US" smtClean="0"/>
-              <a:t>2021/6/7</a:t>
+              <a:t>2021/10/12</a:t>
             </a:fld>
             <a:endParaRPr kumimoji="1" lang="ja-JP" altLang="en-US"/>
           </a:p>
@@ -1829,7 +1829,7 @@
           <a:p>
             <a:fld id="{56F9016B-CCA6-43BE-8BEE-59565A35F4F7}" type="datetimeFigureOut">
               <a:rPr kumimoji="1" lang="ja-JP" altLang="en-US" smtClean="0"/>
-              <a:t>2021/6/7</a:t>
+              <a:t>2021/10/12</a:t>
             </a:fld>
             <a:endParaRPr kumimoji="1" lang="ja-JP" altLang="en-US"/>
           </a:p>
@@ -2260,7 +2260,7 @@
           <a:p>
             <a:fld id="{56F9016B-CCA6-43BE-8BEE-59565A35F4F7}" type="datetimeFigureOut">
               <a:rPr kumimoji="1" lang="ja-JP" altLang="en-US" smtClean="0"/>
-              <a:t>2021/6/7</a:t>
+              <a:t>2021/10/12</a:t>
             </a:fld>
             <a:endParaRPr kumimoji="1" lang="ja-JP" altLang="en-US"/>
           </a:p>
@@ -2378,7 +2378,7 @@
           <a:p>
             <a:fld id="{56F9016B-CCA6-43BE-8BEE-59565A35F4F7}" type="datetimeFigureOut">
               <a:rPr kumimoji="1" lang="ja-JP" altLang="en-US" smtClean="0"/>
-              <a:t>2021/6/7</a:t>
+              <a:t>2021/10/12</a:t>
             </a:fld>
             <a:endParaRPr kumimoji="1" lang="ja-JP" altLang="en-US"/>
           </a:p>
@@ -2473,7 +2473,7 @@
           <a:p>
             <a:fld id="{56F9016B-CCA6-43BE-8BEE-59565A35F4F7}" type="datetimeFigureOut">
               <a:rPr kumimoji="1" lang="ja-JP" altLang="en-US" smtClean="0"/>
-              <a:t>2021/6/7</a:t>
+              <a:t>2021/10/12</a:t>
             </a:fld>
             <a:endParaRPr kumimoji="1" lang="ja-JP" altLang="en-US"/>
           </a:p>
@@ -2782,7 +2782,7 @@
           <a:p>
             <a:fld id="{56F9016B-CCA6-43BE-8BEE-59565A35F4F7}" type="datetimeFigureOut">
               <a:rPr kumimoji="1" lang="ja-JP" altLang="en-US" smtClean="0"/>
-              <a:t>2021/6/7</a:t>
+              <a:t>2021/10/12</a:t>
             </a:fld>
             <a:endParaRPr kumimoji="1" lang="ja-JP" altLang="en-US"/>
           </a:p>
@@ -3035,7 +3035,7 @@
           <a:p>
             <a:fld id="{56F9016B-CCA6-43BE-8BEE-59565A35F4F7}" type="datetimeFigureOut">
               <a:rPr kumimoji="1" lang="ja-JP" altLang="en-US" smtClean="0"/>
-              <a:t>2021/6/7</a:t>
+              <a:t>2021/10/12</a:t>
             </a:fld>
             <a:endParaRPr kumimoji="1" lang="ja-JP" altLang="en-US"/>
           </a:p>
@@ -3312,7 +3312,7 @@
           <a:p>
             <a:fld id="{56F9016B-CCA6-43BE-8BEE-59565A35F4F7}" type="datetimeFigureOut">
               <a:rPr kumimoji="1" lang="ja-JP" altLang="en-US" smtClean="0"/>
-              <a:t>2021/6/7</a:t>
+              <a:t>2021/10/12</a:t>
             </a:fld>
             <a:endParaRPr kumimoji="1" lang="ja-JP" altLang="en-US"/>
           </a:p>
@@ -3524,7 +3524,7 @@
           <a:p>
             <a:fld id="{56F9016B-CCA6-43BE-8BEE-59565A35F4F7}" type="datetimeFigureOut">
               <a:rPr kumimoji="1" lang="ja-JP" altLang="en-US" smtClean="0"/>
-              <a:t>2021/6/7</a:t>
+              <a:t>2021/10/12</a:t>
             </a:fld>
             <a:endParaRPr kumimoji="1" lang="ja-JP" altLang="en-US"/>
           </a:p>
@@ -6583,7 +6583,7 @@
           <a:p>
             <a:fld id="{56F9016B-CCA6-43BE-8BEE-59565A35F4F7}" type="datetimeFigureOut">
               <a:rPr kumimoji="1" lang="ja-JP" altLang="en-US" smtClean="0"/>
-              <a:t>2021/6/7</a:t>
+              <a:t>2021/10/12</a:t>
             </a:fld>
             <a:endParaRPr kumimoji="1" lang="ja-JP" altLang="en-US"/>
           </a:p>
@@ -7016,13 +7016,13 @@
           <a:lstStyle/>
           <a:p>
             <a:r>
+              <a:rPr lang="en-US" altLang="ja-JP" dirty="0"/>
+              <a:t>Exastro IT Automation Version 1.8.1 </a:t>
+            </a:r>
+          </a:p>
+          <a:p>
+            <a:r>
               <a:rPr lang="en-US" altLang="ja-JP" dirty="0" smtClean="0"/>
-              <a:t>Version 1.7</a:t>
-            </a:r>
-          </a:p>
-          <a:p>
-            <a:r>
-              <a:rPr lang="en-US" altLang="ja-JP" dirty="0" err="1" smtClean="0"/>
               <a:t>Exastro</a:t>
             </a:r>
             <a:r>
@@ -7397,10 +7397,10 @@
                 </a:solidFill>
                 <a:latin typeface="+mn-lt"/>
               </a:rPr>
-              <a:t>※ In this document, “</a:t>
-            </a:r>
-            <a:r>
-              <a:rPr lang="en-US" altLang="ja-JP" sz="1400" b="1" kern="0" dirty="0" err="1">
+              <a:t>※ In this document, </a:t>
+            </a:r>
+            <a:r>
+              <a:rPr lang="en-US" altLang="ja-JP" sz="1400" b="1" kern="0" dirty="0" smtClean="0">
                 <a:solidFill>
                   <a:schemeClr val="tx2">
                     <a:lumMod val="75000"/>
@@ -7409,7 +7409,7 @@
                 </a:solidFill>
                 <a:latin typeface="+mn-lt"/>
               </a:rPr>
-              <a:t>Exastro</a:t>
+              <a:t>“Exastro </a:t>
             </a:r>
             <a:r>
               <a:rPr lang="en-US" altLang="ja-JP" sz="1400" b="1" kern="0" dirty="0">
@@ -7421,7 +7421,7 @@
                 </a:solidFill>
                 <a:latin typeface="+mn-lt"/>
               </a:rPr>
-              <a:t> IT Automation” is described as “ITA".</a:t>
+              <a:t>IT Automation” is described as “ITA".</a:t>
             </a:r>
             <a:endParaRPr lang="ja-JP" altLang="en-US" sz="1400" b="1" kern="0" dirty="0">
               <a:solidFill>
@@ -7602,7 +7602,19 @@
             </a:pPr>
             <a:r>
               <a:rPr lang="en-US" altLang="ja-JP" dirty="0" smtClean="0"/>
-              <a:t>*Execute update as root user.</a:t>
+              <a:t>*</a:t>
+            </a:r>
+            <a:r>
+              <a:rPr lang="en-US" altLang="ja-JP" dirty="0" smtClean="0"/>
+              <a:t>Run the</a:t>
+            </a:r>
+            <a:r>
+              <a:rPr lang="en-US" altLang="ja-JP" dirty="0" smtClean="0"/>
+              <a:t> </a:t>
+            </a:r>
+            <a:r>
+              <a:rPr lang="en-US" altLang="ja-JP" dirty="0" smtClean="0"/>
+              <a:t>update as root user.</a:t>
             </a:r>
           </a:p>
           <a:p>
@@ -7970,7 +7982,7 @@
           <p:nvPr>
             <p:extLst>
               <p:ext uri="{D42A27DB-BD31-4B8C-83A1-F6EECF244321}">
-                <p14:modId xmlns:p14="http://schemas.microsoft.com/office/powerpoint/2010/main" val="2188649797"/>
+                <p14:modId xmlns:p14="http://schemas.microsoft.com/office/powerpoint/2010/main" val="1347319245"/>
               </p:ext>
             </p:extLst>
           </p:nvPr>
@@ -8693,21 +8705,36 @@
                     <a:bodyPr/>
                     <a:lstStyle/>
                     <a:p>
-                      <a:pPr algn="ctr">
+                      <a:pPr marL="0" marR="0" lvl="0" indent="0" algn="ctr" defTabSz="914400" rtl="0" eaLnBrk="1" fontAlgn="auto" latinLnBrk="0" hangingPunct="1">
                         <a:lnSpc>
                           <a:spcPct val="150000"/>
                         </a:lnSpc>
+                        <a:spcBef>
+                          <a:spcPts val="0"/>
+                        </a:spcBef>
                         <a:spcAft>
                           <a:spcPts val="0"/>
                         </a:spcAft>
+                        <a:buClrTx/>
+                        <a:buSzTx/>
+                        <a:buFontTx/>
+                        <a:buNone/>
+                        <a:tabLst/>
+                        <a:defRPr/>
                       </a:pPr>
                       <a:r>
-                        <a:rPr lang="ja-JP" sz="1000" kern="100" dirty="0">
+                        <a:rPr lang="en-US" altLang="ja-JP" sz="1000" kern="100" dirty="0" smtClean="0">
                           <a:effectLst/>
                         </a:rPr>
-                        <a:t>－</a:t>
+                        <a:t>/</a:t>
                       </a:r>
-                      <a:endParaRPr lang="ja-JP" sz="1000" kern="100" dirty="0">
+                      <a:r>
+                        <a:rPr lang="en-US" altLang="ja-JP" sz="1000" kern="100" dirty="0" err="1" smtClean="0">
+                          <a:effectLst/>
+                        </a:rPr>
+                        <a:t>exastro</a:t>
+                      </a:r>
+                      <a:endParaRPr lang="ja-JP" altLang="ja-JP" sz="1000" kern="100" dirty="0" smtClean="0">
                         <a:effectLst/>
                         <a:latin typeface="Century" panose="02040604050505020304" pitchFamily="18" charset="0"/>
                         <a:ea typeface="ＭＳ 明朝" panose="02020609040205080304" pitchFamily="17" charset="-128"/>
@@ -10006,6 +10033,50 @@
           </a:p>
         </p:txBody>
       </p:sp>
+      <p:sp>
+        <p:nvSpPr>
+          <p:cNvPr id="5" name="テキスト ボックス 4"/>
+          <p:cNvSpPr txBox="1"/>
+          <p:nvPr/>
+        </p:nvSpPr>
+        <p:spPr>
+          <a:xfrm>
+            <a:off x="321678" y="4773259"/>
+            <a:ext cx="8605830" cy="1686391"/>
+          </a:xfrm>
+          <a:prstGeom prst="rect">
+            <a:avLst/>
+          </a:prstGeom>
+          <a:solidFill>
+            <a:schemeClr val="bg1">
+              <a:lumMod val="65000"/>
+              <a:alpha val="66000"/>
+            </a:schemeClr>
+          </a:solidFill>
+        </p:spPr>
+        <p:txBody>
+          <a:bodyPr wrap="square" rtlCol="0" anchor="ctr">
+            <a:noAutofit/>
+          </a:bodyPr>
+          <a:lstStyle/>
+          <a:p>
+            <a:pPr algn="ctr"/>
+            <a:r>
+              <a:rPr lang="en-US" altLang="ja-JP" sz="2000" b="1" dirty="0" smtClean="0">
+                <a:solidFill>
+                  <a:srgbClr val="FF0000"/>
+                </a:solidFill>
+              </a:rPr>
+              <a:t>Not used when updating</a:t>
+            </a:r>
+            <a:endParaRPr kumimoji="1" lang="ja-JP" altLang="en-US" sz="2000" b="1" dirty="0">
+              <a:solidFill>
+                <a:srgbClr val="FF0000"/>
+              </a:solidFill>
+            </a:endParaRPr>
+          </a:p>
+        </p:txBody>
+      </p:sp>
     </p:spTree>
     <p:extLst>
       <p:ext uri="{BB962C8B-B14F-4D97-AF65-F5344CB8AC3E}">
@@ -10279,7 +10350,7 @@
           <a:p>
             <a:r>
               <a:rPr lang="en-US" altLang="ja-JP" dirty="0" smtClean="0"/>
-              <a:t>3.5</a:t>
+              <a:t>3.6</a:t>
             </a:r>
             <a:r>
               <a:rPr lang="ja-JP" altLang="en-US" dirty="0"/>
@@ -13676,7 +13747,7 @@
           <a:p>
             <a:r>
               <a:rPr lang="en-US" altLang="ja-JP" dirty="0" smtClean="0"/>
-              <a:t>3.6</a:t>
+              <a:t>3.7</a:t>
             </a:r>
             <a:r>
               <a:rPr lang="ja-JP" altLang="en-US" dirty="0"/>
@@ -13997,7 +14068,7 @@
           <a:p>
             <a:r>
               <a:rPr lang="en-US" altLang="ja-JP" dirty="0" smtClean="0"/>
-              <a:t>3.7</a:t>
+              <a:t>3.8</a:t>
             </a:r>
             <a:r>
               <a:rPr lang="ja-JP" altLang="en-US" dirty="0"/>
@@ -14013,7 +14084,7 @@
             </a:r>
             <a:r>
               <a:rPr lang="en-US" altLang="ja-JP" dirty="0" smtClean="0"/>
-              <a:t>5/5</a:t>
+              <a:t>6/6</a:t>
             </a:r>
             <a:r>
               <a:rPr lang="ja-JP" altLang="en-US" dirty="0" smtClean="0"/>
@@ -14152,14 +14223,14 @@
           <p:nvPr>
             <p:extLst>
               <p:ext uri="{D42A27DB-BD31-4B8C-83A1-F6EECF244321}">
-                <p14:modId xmlns:p14="http://schemas.microsoft.com/office/powerpoint/2010/main" val="478656158"/>
+                <p14:modId xmlns:p14="http://schemas.microsoft.com/office/powerpoint/2010/main" val="1066804328"/>
               </p:ext>
             </p:extLst>
           </p:nvPr>
         </p:nvGraphicFramePr>
         <p:xfrm>
-          <a:off x="107380" y="2256359"/>
-          <a:ext cx="8819131" cy="4285079"/>
+          <a:off x="122224" y="2077579"/>
+          <a:ext cx="8819131" cy="4387465"/>
         </p:xfrm>
         <a:graphic>
           <a:graphicData uri="http://schemas.openxmlformats.org/drawingml/2006/table">
@@ -14211,7 +14282,7 @@
                   </a:extLst>
                 </a:gridCol>
               </a:tblGrid>
-              <a:tr h="420653">
+              <a:tr h="404289">
                 <a:tc>
                   <a:txBody>
                     <a:bodyPr/>
@@ -14223,17 +14294,17 @@
                         </a:spcAft>
                       </a:pPr>
                       <a:r>
-                        <a:rPr lang="en-US" altLang="ja-JP" sz="1050" kern="100" dirty="0" smtClean="0">
+                        <a:rPr lang="en-US" altLang="ja-JP" sz="1000" kern="100" dirty="0" smtClean="0">
                           <a:effectLst/>
-                          <a:latin typeface="+mn-lt"/>
+                          <a:latin typeface="+mj-lt"/>
                           <a:ea typeface="+mn-ea"/>
                           <a:cs typeface="+mn-cs"/>
                         </a:rPr>
                         <a:t>Version</a:t>
                       </a:r>
-                      <a:endParaRPr lang="ja-JP" sz="1050" kern="100" dirty="0">
+                      <a:endParaRPr lang="ja-JP" sz="1000" kern="100" dirty="0">
                         <a:effectLst/>
-                        <a:latin typeface="Century" panose="02040604050505020304" pitchFamily="18" charset="0"/>
+                        <a:latin typeface="+mj-lt"/>
                         <a:ea typeface="ＭＳ 明朝" panose="02020609040205080304" pitchFamily="17" charset="-128"/>
                         <a:cs typeface="Times New Roman" panose="02020603050405020304" pitchFamily="18" charset="0"/>
                       </a:endParaRPr>
@@ -14256,20 +14327,22 @@
                         </a:spcAft>
                       </a:pPr>
                       <a:r>
-                        <a:rPr lang="en-US" altLang="ja-JP" sz="1050" kern="0" dirty="0" smtClean="0">
+                        <a:rPr lang="en-US" altLang="ja-JP" sz="1000" kern="0" dirty="0" smtClean="0">
                           <a:effectLst/>
+                          <a:latin typeface="+mj-lt"/>
                         </a:rPr>
                         <a:t>Installed</a:t>
                       </a:r>
                       <a:r>
-                        <a:rPr lang="en-US" altLang="ja-JP" sz="1050" kern="0" baseline="0" dirty="0" smtClean="0">
+                        <a:rPr lang="en-US" altLang="ja-JP" sz="1000" kern="0" baseline="0" dirty="0" smtClean="0">
                           <a:effectLst/>
+                          <a:latin typeface="+mj-lt"/>
                         </a:rPr>
                         <a:t> driver</a:t>
                       </a:r>
-                      <a:endParaRPr lang="ja-JP" sz="1050" kern="100" dirty="0">
+                      <a:endParaRPr lang="ja-JP" sz="1000" kern="100" dirty="0">
                         <a:effectLst/>
-                        <a:latin typeface="Century" panose="02040604050505020304" pitchFamily="18" charset="0"/>
+                        <a:latin typeface="+mj-lt"/>
                         <a:ea typeface="ＭＳ 明朝" panose="02020609040205080304" pitchFamily="17" charset="-128"/>
                         <a:cs typeface="Times New Roman" panose="02020603050405020304" pitchFamily="18" charset="0"/>
                       </a:endParaRPr>
@@ -14292,14 +14365,15 @@
                         </a:spcAft>
                       </a:pPr>
                       <a:r>
-                        <a:rPr lang="en-US" altLang="ja-JP" sz="1050" kern="0" dirty="0" smtClean="0">
+                        <a:rPr lang="en-US" altLang="ja-JP" sz="1000" kern="0" dirty="0" smtClean="0">
                           <a:effectLst/>
+                          <a:latin typeface="+mj-lt"/>
                         </a:rPr>
                         <a:t>Library name</a:t>
                       </a:r>
-                      <a:endParaRPr lang="ja-JP" sz="1050" kern="100" dirty="0">
+                      <a:endParaRPr lang="ja-JP" sz="1000" kern="100" dirty="0">
                         <a:effectLst/>
-                        <a:latin typeface="Century" panose="02040604050505020304" pitchFamily="18" charset="0"/>
+                        <a:latin typeface="+mj-lt"/>
                         <a:ea typeface="ＭＳ 明朝" panose="02020609040205080304" pitchFamily="17" charset="-128"/>
                         <a:cs typeface="Times New Roman" panose="02020603050405020304" pitchFamily="18" charset="0"/>
                       </a:endParaRPr>
@@ -14322,20 +14396,22 @@
                         </a:spcAft>
                       </a:pPr>
                       <a:r>
-                        <a:rPr lang="en-US" altLang="ja-JP" sz="1050" kern="100" dirty="0" smtClean="0">
+                        <a:rPr lang="en-US" altLang="ja-JP" sz="1000" kern="100" dirty="0" smtClean="0">
                           <a:effectLst/>
+                          <a:latin typeface="+mj-lt"/>
                         </a:rPr>
                         <a:t>Install</a:t>
                       </a:r>
                       <a:r>
-                        <a:rPr lang="en-US" altLang="ja-JP" sz="1050" kern="100" baseline="0" dirty="0" smtClean="0">
+                        <a:rPr lang="en-US" altLang="ja-JP" sz="1000" kern="100" baseline="0" dirty="0" smtClean="0">
                           <a:effectLst/>
+                          <a:latin typeface="+mj-lt"/>
                         </a:rPr>
                         <a:t> command</a:t>
                       </a:r>
-                      <a:endParaRPr lang="ja-JP" sz="1050" kern="100" dirty="0">
+                      <a:endParaRPr lang="ja-JP" sz="1000" kern="100" dirty="0">
                         <a:effectLst/>
-                        <a:latin typeface="Century" panose="02040604050505020304" pitchFamily="18" charset="0"/>
+                        <a:latin typeface="+mj-lt"/>
                         <a:ea typeface="ＭＳ 明朝" panose="02020609040205080304" pitchFamily="17" charset="-128"/>
                         <a:cs typeface="Times New Roman" panose="02020603050405020304" pitchFamily="18" charset="0"/>
                       </a:endParaRPr>
@@ -14358,12 +14434,12 @@
                         </a:spcAft>
                       </a:pPr>
                       <a:r>
-                        <a:rPr kumimoji="1" lang="en-US" altLang="ja-JP" sz="800" b="1" kern="100" dirty="0" smtClean="0">
+                        <a:rPr kumimoji="1" lang="en-US" altLang="ja-JP" sz="700" b="1" kern="100" dirty="0" smtClean="0">
                           <a:solidFill>
                             <a:schemeClr val="lt1"/>
                           </a:solidFill>
                           <a:effectLst/>
-                          <a:latin typeface="+mn-lt"/>
+                          <a:latin typeface="+mj-lt"/>
                           <a:ea typeface="+mn-ea"/>
                           <a:cs typeface="+mn-cs"/>
                         </a:rPr>
@@ -14388,17 +14464,17 @@
                         </a:spcAft>
                       </a:pPr>
                       <a:r>
-                        <a:rPr lang="en-US" altLang="ja-JP" sz="1050" kern="100" dirty="0" smtClean="0">
+                        <a:rPr lang="en-US" altLang="ja-JP" sz="1000" kern="100" dirty="0" smtClean="0">
                           <a:effectLst/>
-                          <a:latin typeface="+mn-lt"/>
+                          <a:latin typeface="+mj-lt"/>
                           <a:ea typeface="+mn-ea"/>
                           <a:cs typeface="+mn-cs"/>
                         </a:rPr>
                         <a:t>Usage</a:t>
                       </a:r>
-                      <a:endParaRPr lang="ja-JP" altLang="ja-JP" sz="1050" kern="100" dirty="0">
+                      <a:endParaRPr lang="ja-JP" altLang="ja-JP" sz="1000" kern="100" dirty="0">
                         <a:effectLst/>
-                        <a:latin typeface="Century" panose="02040604050505020304" pitchFamily="18" charset="0"/>
+                        <a:latin typeface="+mj-lt"/>
                         <a:ea typeface="ＭＳ 明朝" panose="02020609040205080304" pitchFamily="17" charset="-128"/>
                         <a:cs typeface="Times New Roman" panose="02020603050405020304" pitchFamily="18" charset="0"/>
                       </a:endParaRPr>
@@ -14416,7 +14492,7 @@
                   </a:ext>
                 </a:extLst>
               </a:tr>
-              <a:tr h="172462">
+              <a:tr h="165753">
                 <a:tc rowSpan="7">
                   <a:txBody>
                     <a:bodyPr/>
@@ -14428,14 +14504,15 @@
                         </a:spcAft>
                       </a:pPr>
                       <a:r>
-                        <a:rPr lang="en-US" sz="1000" kern="0" dirty="0" smtClean="0">
+                        <a:rPr lang="en-US" sz="900" kern="0" dirty="0" smtClean="0">
                           <a:effectLst/>
+                          <a:latin typeface="+mj-lt"/>
                         </a:rPr>
                         <a:t>1.5.0</a:t>
                       </a:r>
-                      <a:endParaRPr lang="ja-JP" sz="1000" kern="100" dirty="0">
+                      <a:endParaRPr lang="ja-JP" sz="900" kern="100" dirty="0">
                         <a:effectLst/>
-                        <a:latin typeface="Century" panose="02040604050505020304" pitchFamily="18" charset="0"/>
+                        <a:latin typeface="+mj-lt"/>
                         <a:ea typeface="ＭＳ 明朝" panose="02020609040205080304" pitchFamily="17" charset="-128"/>
                         <a:cs typeface="Times New Roman" panose="02020603050405020304" pitchFamily="18" charset="0"/>
                       </a:endParaRPr>
@@ -14458,14 +14535,15 @@
                         </a:spcAft>
                       </a:pPr>
                       <a:r>
-                        <a:rPr lang="en-US" altLang="ja-JP" sz="1050" kern="100" dirty="0" err="1" smtClean="0">
+                        <a:rPr lang="en-US" altLang="ja-JP" sz="1000" kern="100" dirty="0" err="1" smtClean="0">
                           <a:effectLst/>
+                          <a:latin typeface="+mj-lt"/>
                         </a:rPr>
                         <a:t>ita_base</a:t>
                       </a:r>
-                      <a:endParaRPr lang="ja-JP" sz="1050" kern="100" dirty="0">
+                      <a:endParaRPr lang="ja-JP" sz="1000" kern="100" dirty="0">
                         <a:effectLst/>
-                        <a:latin typeface="Century" panose="02040604050505020304" pitchFamily="18" charset="0"/>
+                        <a:latin typeface="+mj-lt"/>
                         <a:ea typeface="ＭＳ 明朝" panose="02020609040205080304" pitchFamily="17" charset="-128"/>
                         <a:cs typeface="Times New Roman" panose="02020603050405020304" pitchFamily="18" charset="0"/>
                       </a:endParaRPr>
@@ -14488,14 +14566,15 @@
                         </a:spcAft>
                       </a:pPr>
                       <a:r>
-                        <a:rPr lang="en-US" altLang="ja-JP" sz="1050" kern="100" dirty="0" err="1" smtClean="0">
+                        <a:rPr lang="en-US" altLang="ja-JP" sz="1000" kern="100" dirty="0" err="1" smtClean="0">
                           <a:effectLst/>
+                          <a:latin typeface="+mj-lt"/>
                         </a:rPr>
                         <a:t>php-devel</a:t>
                       </a:r>
-                      <a:endParaRPr lang="ja-JP" sz="1050" kern="100" dirty="0">
+                      <a:endParaRPr lang="ja-JP" sz="1000" kern="100" dirty="0">
                         <a:effectLst/>
-                        <a:latin typeface="Century" panose="02040604050505020304" pitchFamily="18" charset="0"/>
+                        <a:latin typeface="+mj-lt"/>
                         <a:ea typeface="ＭＳ 明朝" panose="02020609040205080304" pitchFamily="17" charset="-128"/>
                         <a:cs typeface="Times New Roman" panose="02020603050405020304" pitchFamily="18" charset="0"/>
                       </a:endParaRPr>
@@ -14518,26 +14597,26 @@
                         </a:spcAft>
                       </a:pPr>
                       <a:r>
-                        <a:rPr lang="en-US" sz="1050" kern="100" dirty="0" smtClean="0">
+                        <a:rPr lang="en-US" sz="1000" kern="100" dirty="0" smtClean="0">
                           <a:effectLst/>
-                          <a:latin typeface="Segoe UI" panose="020B0502040204020203" pitchFamily="34" charset="0"/>
+                          <a:latin typeface="+mj-lt"/>
                           <a:ea typeface="Segoe UI" panose="020B0502040204020203" pitchFamily="34" charset="0"/>
                           <a:cs typeface="Segoe UI" panose="020B0502040204020203" pitchFamily="34" charset="0"/>
                         </a:rPr>
                         <a:t>yum install –y </a:t>
                       </a:r>
                       <a:r>
-                        <a:rPr lang="en-US" sz="1050" kern="100" dirty="0" err="1" smtClean="0">
+                        <a:rPr lang="en-US" sz="1000" kern="100" dirty="0" err="1" smtClean="0">
                           <a:effectLst/>
-                          <a:latin typeface="Segoe UI" panose="020B0502040204020203" pitchFamily="34" charset="0"/>
+                          <a:latin typeface="+mj-lt"/>
                           <a:ea typeface="Segoe UI" panose="020B0502040204020203" pitchFamily="34" charset="0"/>
                           <a:cs typeface="Segoe UI" panose="020B0502040204020203" pitchFamily="34" charset="0"/>
                         </a:rPr>
                         <a:t>php-devel</a:t>
                       </a:r>
-                      <a:endParaRPr lang="ja-JP" sz="1050" kern="100" dirty="0">
+                      <a:endParaRPr lang="ja-JP" sz="1000" kern="100" dirty="0">
                         <a:effectLst/>
-                        <a:latin typeface="Segoe UI" panose="020B0502040204020203" pitchFamily="34" charset="0"/>
+                        <a:latin typeface="+mj-lt"/>
                         <a:ea typeface="ＭＳ 明朝" panose="02020609040205080304" pitchFamily="17" charset="-128"/>
                         <a:cs typeface="Segoe UI" panose="020B0502040204020203" pitchFamily="34" charset="0"/>
                       </a:endParaRPr>
@@ -14560,17 +14639,17 @@
                         </a:spcAft>
                       </a:pPr>
                       <a:r>
-                        <a:rPr lang="ja-JP" altLang="en-US" sz="1050" kern="100" dirty="0" smtClean="0">
+                        <a:rPr lang="ja-JP" altLang="en-US" sz="1000" kern="100" dirty="0" smtClean="0">
                           <a:effectLst/>
-                          <a:latin typeface="+mn-lt"/>
+                          <a:latin typeface="+mj-lt"/>
                           <a:ea typeface="ＭＳ 明朝" panose="02020609040205080304" pitchFamily="17" charset="-128"/>
                           <a:cs typeface="Segoe UI" panose="020B0502040204020203" pitchFamily="34" charset="0"/>
                         </a:rPr>
                         <a:t>〇</a:t>
                       </a:r>
-                      <a:endParaRPr lang="ja-JP" sz="1050" kern="100" dirty="0">
+                      <a:endParaRPr lang="ja-JP" sz="1000" kern="100" dirty="0">
                         <a:effectLst/>
-                        <a:latin typeface="+mn-lt"/>
+                        <a:latin typeface="+mj-lt"/>
                         <a:ea typeface="ＭＳ 明朝" panose="02020609040205080304" pitchFamily="17" charset="-128"/>
                         <a:cs typeface="Segoe UI" panose="020B0502040204020203" pitchFamily="34" charset="0"/>
                       </a:endParaRPr>
@@ -14593,17 +14672,17 @@
                         </a:spcAft>
                       </a:pPr>
                       <a:r>
-                        <a:rPr lang="en-US" altLang="ja-JP" sz="1050" kern="100" smtClean="0">
+                        <a:rPr lang="en-US" altLang="ja-JP" sz="1000" kern="100" smtClean="0">
                           <a:effectLst/>
-                          <a:latin typeface="+mn-lt"/>
+                          <a:latin typeface="+mj-lt"/>
                           <a:ea typeface="ＭＳ 明朝" panose="02020609040205080304" pitchFamily="17" charset="-128"/>
                           <a:cs typeface="Segoe UI" panose="020B0502040204020203" pitchFamily="34" charset="0"/>
                         </a:rPr>
                         <a:t>Used for YAML analysis library (yaml)</a:t>
                       </a:r>
-                      <a:endParaRPr lang="ja-JP" sz="1050" kern="100" dirty="0">
+                      <a:endParaRPr lang="ja-JP" sz="1000" kern="100" dirty="0">
                         <a:effectLst/>
-                        <a:latin typeface="+mn-lt"/>
+                        <a:latin typeface="+mj-lt"/>
                         <a:ea typeface="ＭＳ 明朝" panose="02020609040205080304" pitchFamily="17" charset="-128"/>
                         <a:cs typeface="Segoe UI" panose="020B0502040204020203" pitchFamily="34" charset="0"/>
                       </a:endParaRPr>
@@ -14621,7 +14700,7 @@
                   </a:ext>
                 </a:extLst>
               </a:tr>
-              <a:tr h="172462">
+              <a:tr h="165753">
                 <a:tc vMerge="1">
                   <a:txBody>
                     <a:bodyPr/>
@@ -14681,17 +14760,17 @@
                         </a:spcAft>
                       </a:pPr>
                       <a:r>
-                        <a:rPr lang="en-US" altLang="ja-JP" sz="1050" kern="100" dirty="0" err="1" smtClean="0">
+                        <a:rPr lang="en-US" altLang="ja-JP" sz="1000" kern="100" dirty="0" err="1" smtClean="0">
                           <a:effectLst/>
-                          <a:latin typeface="+mn-lt"/>
+                          <a:latin typeface="+mj-lt"/>
                           <a:ea typeface="+mn-ea"/>
                           <a:cs typeface="+mn-cs"/>
                         </a:rPr>
                         <a:t>libyaml</a:t>
                       </a:r>
-                      <a:endParaRPr lang="ja-JP" sz="1050" kern="100" dirty="0">
+                      <a:endParaRPr lang="ja-JP" sz="1000" kern="100" dirty="0">
                         <a:effectLst/>
-                        <a:latin typeface="Century" panose="02040604050505020304" pitchFamily="18" charset="0"/>
+                        <a:latin typeface="+mj-lt"/>
                         <a:ea typeface="ＭＳ 明朝" panose="02020609040205080304" pitchFamily="17" charset="-128"/>
                         <a:cs typeface="Times New Roman" panose="02020603050405020304" pitchFamily="18" charset="0"/>
                       </a:endParaRPr>
@@ -14714,26 +14793,26 @@
                         </a:spcAft>
                       </a:pPr>
                       <a:r>
-                        <a:rPr lang="en-US" altLang="ja-JP" sz="1050" kern="100" dirty="0" smtClean="0">
+                        <a:rPr lang="en-US" altLang="ja-JP" sz="1000" kern="100" dirty="0" smtClean="0">
                           <a:effectLst/>
-                          <a:latin typeface="Segoe UI" panose="020B0502040204020203" pitchFamily="34" charset="0"/>
+                          <a:latin typeface="+mj-lt"/>
                           <a:ea typeface="Segoe UI" panose="020B0502040204020203" pitchFamily="34" charset="0"/>
                           <a:cs typeface="Segoe UI" panose="020B0502040204020203" pitchFamily="34" charset="0"/>
                         </a:rPr>
                         <a:t>yum install –y </a:t>
                       </a:r>
                       <a:r>
-                        <a:rPr lang="en-US" altLang="ja-JP" sz="1050" kern="100" dirty="0" err="1" smtClean="0">
+                        <a:rPr lang="en-US" altLang="ja-JP" sz="1000" kern="100" dirty="0" err="1" smtClean="0">
                           <a:effectLst/>
-                          <a:latin typeface="Segoe UI" panose="020B0502040204020203" pitchFamily="34" charset="0"/>
+                          <a:latin typeface="+mj-lt"/>
                           <a:ea typeface="Segoe UI" panose="020B0502040204020203" pitchFamily="34" charset="0"/>
                           <a:cs typeface="Segoe UI" panose="020B0502040204020203" pitchFamily="34" charset="0"/>
                         </a:rPr>
                         <a:t>libyaml</a:t>
                       </a:r>
-                      <a:endParaRPr lang="ja-JP" altLang="ja-JP" sz="1050" kern="100" dirty="0">
+                      <a:endParaRPr lang="ja-JP" altLang="ja-JP" sz="1000" kern="100" dirty="0">
                         <a:effectLst/>
-                        <a:latin typeface="Segoe UI" panose="020B0502040204020203" pitchFamily="34" charset="0"/>
+                        <a:latin typeface="+mj-lt"/>
                         <a:ea typeface="ＭＳ 明朝" panose="02020609040205080304" pitchFamily="17" charset="-128"/>
                         <a:cs typeface="Segoe UI" panose="020B0502040204020203" pitchFamily="34" charset="0"/>
                       </a:endParaRPr>
@@ -14768,7 +14847,7 @@
                         <a:defRPr/>
                       </a:pPr>
                       <a:r>
-                        <a:rPr kumimoji="1" lang="ja-JP" altLang="en-US" sz="1050" b="0" i="0" u="none" strike="noStrike" kern="100" cap="none" spc="0" normalizeH="0" baseline="0" noProof="0" smtClean="0">
+                        <a:rPr kumimoji="1" lang="ja-JP" altLang="en-US" sz="1000" b="0" i="0" u="none" strike="noStrike" kern="100" cap="none" spc="0" normalizeH="0" baseline="0" noProof="0" smtClean="0">
                           <a:ln>
                             <a:noFill/>
                           </a:ln>
@@ -14778,13 +14857,13 @@
                           <a:effectLst/>
                           <a:uLnTx/>
                           <a:uFillTx/>
-                          <a:latin typeface="メイリオ"/>
+                          <a:latin typeface="+mj-lt"/>
                           <a:ea typeface="ＭＳ 明朝" panose="02020609040205080304" pitchFamily="17" charset="-128"/>
                           <a:cs typeface="Segoe UI" panose="020B0502040204020203" pitchFamily="34" charset="0"/>
                         </a:rPr>
                         <a:t>〇</a:t>
                       </a:r>
-                      <a:endParaRPr kumimoji="1" lang="ja-JP" altLang="ja-JP" sz="1050" b="0" i="0" u="none" strike="noStrike" kern="100" cap="none" spc="0" normalizeH="0" baseline="0" noProof="0" dirty="0">
+                      <a:endParaRPr kumimoji="1" lang="ja-JP" altLang="ja-JP" sz="1000" b="0" i="0" u="none" strike="noStrike" kern="100" cap="none" spc="0" normalizeH="0" baseline="0" noProof="0" dirty="0">
                         <a:ln>
                           <a:noFill/>
                         </a:ln>
@@ -14794,7 +14873,7 @@
                         <a:effectLst/>
                         <a:uLnTx/>
                         <a:uFillTx/>
-                        <a:latin typeface="+mn-lt"/>
+                        <a:latin typeface="+mj-lt"/>
                         <a:ea typeface="ＭＳ 明朝" panose="02020609040205080304" pitchFamily="17" charset="-128"/>
                         <a:cs typeface="Segoe UI" panose="020B0502040204020203" pitchFamily="34" charset="0"/>
                       </a:endParaRPr>
@@ -14829,7 +14908,7 @@
                         <a:defRPr/>
                       </a:pPr>
                       <a:r>
-                        <a:rPr kumimoji="1" lang="en-US" altLang="ja-JP" sz="1050" b="0" i="0" u="none" strike="noStrike" kern="100" cap="none" spc="0" normalizeH="0" baseline="0" noProof="0" smtClean="0">
+                        <a:rPr kumimoji="1" lang="en-US" altLang="ja-JP" sz="1000" b="0" i="0" u="none" strike="noStrike" kern="100" cap="none" spc="0" normalizeH="0" baseline="0" noProof="0" smtClean="0">
                           <a:ln>
                             <a:noFill/>
                           </a:ln>
@@ -14839,13 +14918,13 @@
                           <a:effectLst/>
                           <a:uLnTx/>
                           <a:uFillTx/>
-                          <a:latin typeface="メイリオ"/>
+                          <a:latin typeface="+mj-lt"/>
                           <a:ea typeface="ＭＳ 明朝" panose="02020609040205080304" pitchFamily="17" charset="-128"/>
                           <a:cs typeface="Segoe UI" panose="020B0502040204020203" pitchFamily="34" charset="0"/>
                         </a:rPr>
                         <a:t>Used for YAML analysis library (yaml)</a:t>
                       </a:r>
-                      <a:endParaRPr kumimoji="1" lang="ja-JP" altLang="ja-JP" sz="1050" b="0" i="0" u="none" strike="noStrike" kern="100" cap="none" spc="0" normalizeH="0" baseline="0" noProof="0" dirty="0">
+                      <a:endParaRPr kumimoji="1" lang="ja-JP" altLang="ja-JP" sz="1000" b="0" i="0" u="none" strike="noStrike" kern="100" cap="none" spc="0" normalizeH="0" baseline="0" noProof="0" dirty="0">
                         <a:ln>
                           <a:noFill/>
                         </a:ln>
@@ -14855,7 +14934,7 @@
                         <a:effectLst/>
                         <a:uLnTx/>
                         <a:uFillTx/>
-                        <a:latin typeface="+mn-lt"/>
+                        <a:latin typeface="+mj-lt"/>
                         <a:ea typeface="ＭＳ 明朝" panose="02020609040205080304" pitchFamily="17" charset="-128"/>
                         <a:cs typeface="Segoe UI" panose="020B0502040204020203" pitchFamily="34" charset="0"/>
                       </a:endParaRPr>
@@ -14873,7 +14952,7 @@
                   </a:ext>
                 </a:extLst>
               </a:tr>
-              <a:tr h="222314">
+              <a:tr h="292943">
                 <a:tc vMerge="1">
                   <a:txBody>
                     <a:bodyPr/>
@@ -14936,20 +15015,21 @@
                         </a:spcAft>
                       </a:pPr>
                       <a:r>
-                        <a:rPr lang="en-US" sz="1050" kern="100" dirty="0" err="1" smtClean="0">
+                        <a:rPr lang="en-US" sz="1000" kern="100" dirty="0" err="1" smtClean="0">
                           <a:solidFill>
                             <a:schemeClr val="tx1"/>
                           </a:solidFill>
                           <a:effectLst/>
+                          <a:latin typeface="+mj-lt"/>
                         </a:rPr>
                         <a:t>libyaml-devel</a:t>
                       </a:r>
-                      <a:endParaRPr lang="ja-JP" sz="1050" kern="100" dirty="0">
+                      <a:endParaRPr lang="ja-JP" sz="1000" kern="100" dirty="0">
                         <a:solidFill>
                           <a:schemeClr val="tx1"/>
                         </a:solidFill>
                         <a:effectLst/>
-                        <a:latin typeface="Century" panose="02040604050505020304" pitchFamily="18" charset="0"/>
+                        <a:latin typeface="+mj-lt"/>
                         <a:ea typeface="ＭＳ 明朝" panose="02020609040205080304" pitchFamily="17" charset="-128"/>
                         <a:cs typeface="Times New Roman" panose="02020603050405020304" pitchFamily="18" charset="0"/>
                       </a:endParaRPr>
@@ -14972,26 +15052,26 @@
                         </a:spcAft>
                       </a:pPr>
                       <a:r>
-                        <a:rPr lang="en-US" altLang="ja-JP" sz="1050" kern="100" dirty="0" smtClean="0">
+                        <a:rPr lang="en-US" altLang="ja-JP" sz="1000" kern="100" dirty="0" smtClean="0">
                           <a:effectLst/>
-                          <a:latin typeface="Segoe UI" panose="020B0502040204020203" pitchFamily="34" charset="0"/>
+                          <a:latin typeface="+mj-lt"/>
                           <a:ea typeface="Segoe UI" panose="020B0502040204020203" pitchFamily="34" charset="0"/>
                           <a:cs typeface="Segoe UI" panose="020B0502040204020203" pitchFamily="34" charset="0"/>
                         </a:rPr>
                         <a:t>yum install –y </a:t>
                       </a:r>
                       <a:r>
-                        <a:rPr lang="en-US" altLang="ja-JP" sz="1050" kern="100" dirty="0" err="1" smtClean="0">
+                        <a:rPr lang="en-US" altLang="ja-JP" sz="1000" kern="100" dirty="0" err="1" smtClean="0">
                           <a:effectLst/>
-                          <a:latin typeface="Segoe UI" panose="020B0502040204020203" pitchFamily="34" charset="0"/>
+                          <a:latin typeface="+mj-lt"/>
                           <a:ea typeface="Segoe UI" panose="020B0502040204020203" pitchFamily="34" charset="0"/>
                           <a:cs typeface="Segoe UI" panose="020B0502040204020203" pitchFamily="34" charset="0"/>
                         </a:rPr>
                         <a:t>libyaml-devel</a:t>
                       </a:r>
-                      <a:endParaRPr lang="ja-JP" altLang="ja-JP" sz="1050" kern="100" dirty="0">
+                      <a:endParaRPr lang="ja-JP" altLang="ja-JP" sz="1000" kern="100" dirty="0">
                         <a:effectLst/>
-                        <a:latin typeface="Segoe UI" panose="020B0502040204020203" pitchFamily="34" charset="0"/>
+                        <a:latin typeface="+mj-lt"/>
                         <a:ea typeface="ＭＳ 明朝" panose="02020609040205080304" pitchFamily="17" charset="-128"/>
                         <a:cs typeface="Segoe UI" panose="020B0502040204020203" pitchFamily="34" charset="0"/>
                       </a:endParaRPr>
@@ -15026,7 +15106,7 @@
                         <a:defRPr/>
                       </a:pPr>
                       <a:r>
-                        <a:rPr kumimoji="1" lang="ja-JP" altLang="en-US" sz="1050" b="0" i="0" u="none" strike="noStrike" kern="100" cap="none" spc="0" normalizeH="0" baseline="0" noProof="0" smtClean="0">
+                        <a:rPr kumimoji="1" lang="ja-JP" altLang="en-US" sz="1000" b="0" i="0" u="none" strike="noStrike" kern="100" cap="none" spc="0" normalizeH="0" baseline="0" noProof="0" smtClean="0">
                           <a:ln>
                             <a:noFill/>
                           </a:ln>
@@ -15036,13 +15116,13 @@
                           <a:effectLst/>
                           <a:uLnTx/>
                           <a:uFillTx/>
-                          <a:latin typeface="メイリオ"/>
+                          <a:latin typeface="+mj-lt"/>
                           <a:ea typeface="ＭＳ 明朝" panose="02020609040205080304" pitchFamily="17" charset="-128"/>
                           <a:cs typeface="Segoe UI" panose="020B0502040204020203" pitchFamily="34" charset="0"/>
                         </a:rPr>
                         <a:t>〇</a:t>
                       </a:r>
-                      <a:endParaRPr kumimoji="1" lang="ja-JP" altLang="ja-JP" sz="1050" b="0" i="0" u="none" strike="noStrike" kern="100" cap="none" spc="0" normalizeH="0" baseline="0" noProof="0" dirty="0">
+                      <a:endParaRPr kumimoji="1" lang="ja-JP" altLang="ja-JP" sz="1000" b="0" i="0" u="none" strike="noStrike" kern="100" cap="none" spc="0" normalizeH="0" baseline="0" noProof="0" dirty="0">
                         <a:ln>
                           <a:noFill/>
                         </a:ln>
@@ -15052,7 +15132,7 @@
                         <a:effectLst/>
                         <a:uLnTx/>
                         <a:uFillTx/>
-                        <a:latin typeface="+mn-lt"/>
+                        <a:latin typeface="+mj-lt"/>
                         <a:ea typeface="ＭＳ 明朝" panose="02020609040205080304" pitchFamily="17" charset="-128"/>
                         <a:cs typeface="Segoe UI" panose="020B0502040204020203" pitchFamily="34" charset="0"/>
                       </a:endParaRPr>
@@ -15087,7 +15167,7 @@
                         <a:defRPr/>
                       </a:pPr>
                       <a:r>
-                        <a:rPr kumimoji="1" lang="en-US" altLang="ja-JP" sz="1050" b="0" i="0" u="none" strike="noStrike" kern="100" cap="none" spc="0" normalizeH="0" baseline="0" noProof="0" smtClean="0">
+                        <a:rPr kumimoji="1" lang="en-US" altLang="ja-JP" sz="1000" b="0" i="0" u="none" strike="noStrike" kern="100" cap="none" spc="0" normalizeH="0" baseline="0" noProof="0" smtClean="0">
                           <a:ln>
                             <a:noFill/>
                           </a:ln>
@@ -15097,13 +15177,13 @@
                           <a:effectLst/>
                           <a:uLnTx/>
                           <a:uFillTx/>
-                          <a:latin typeface="メイリオ"/>
+                          <a:latin typeface="+mj-lt"/>
                           <a:ea typeface="ＭＳ 明朝" panose="02020609040205080304" pitchFamily="17" charset="-128"/>
                           <a:cs typeface="Segoe UI" panose="020B0502040204020203" pitchFamily="34" charset="0"/>
                         </a:rPr>
                         <a:t>Used for YAML analysis library (yaml)</a:t>
                       </a:r>
-                      <a:endParaRPr kumimoji="1" lang="ja-JP" altLang="ja-JP" sz="1050" b="0" i="0" u="none" strike="noStrike" kern="100" cap="none" spc="0" normalizeH="0" baseline="0" noProof="0" dirty="0">
+                      <a:endParaRPr kumimoji="1" lang="ja-JP" altLang="ja-JP" sz="1000" b="0" i="0" u="none" strike="noStrike" kern="100" cap="none" spc="0" normalizeH="0" baseline="0" noProof="0" dirty="0">
                         <a:ln>
                           <a:noFill/>
                         </a:ln>
@@ -15113,7 +15193,7 @@
                         <a:effectLst/>
                         <a:uLnTx/>
                         <a:uFillTx/>
-                        <a:latin typeface="+mn-lt"/>
+                        <a:latin typeface="+mj-lt"/>
                         <a:ea typeface="ＭＳ 明朝" panose="02020609040205080304" pitchFamily="17" charset="-128"/>
                         <a:cs typeface="Segoe UI" panose="020B0502040204020203" pitchFamily="34" charset="0"/>
                       </a:endParaRPr>
@@ -15131,7 +15211,7 @@
                   </a:ext>
                 </a:extLst>
               </a:tr>
-              <a:tr h="172462">
+              <a:tr h="165753">
                 <a:tc vMerge="1">
                   <a:txBody>
                     <a:bodyPr/>
@@ -15191,14 +15271,15 @@
                         </a:spcAft>
                       </a:pPr>
                       <a:r>
-                        <a:rPr lang="en-US" sz="1050" kern="100" dirty="0" smtClean="0">
+                        <a:rPr lang="en-US" sz="1000" kern="100" dirty="0" smtClean="0">
                           <a:effectLst/>
+                          <a:latin typeface="+mj-lt"/>
                         </a:rPr>
                         <a:t>make</a:t>
                       </a:r>
-                      <a:endParaRPr lang="ja-JP" sz="1050" kern="100" dirty="0">
+                      <a:endParaRPr lang="ja-JP" sz="1000" kern="100" dirty="0">
                         <a:effectLst/>
-                        <a:latin typeface="Century" panose="02040604050505020304" pitchFamily="18" charset="0"/>
+                        <a:latin typeface="+mj-lt"/>
                         <a:ea typeface="ＭＳ 明朝" panose="02020609040205080304" pitchFamily="17" charset="-128"/>
                         <a:cs typeface="Times New Roman" panose="02020603050405020304" pitchFamily="18" charset="0"/>
                       </a:endParaRPr>
@@ -15221,17 +15302,17 @@
                         </a:spcAft>
                       </a:pPr>
                       <a:r>
-                        <a:rPr lang="en-US" altLang="ja-JP" sz="1050" kern="100" dirty="0" smtClean="0">
+                        <a:rPr lang="en-US" altLang="ja-JP" sz="1000" kern="100" dirty="0" smtClean="0">
                           <a:effectLst/>
-                          <a:latin typeface="Segoe UI" panose="020B0502040204020203" pitchFamily="34" charset="0"/>
+                          <a:latin typeface="+mj-lt"/>
                           <a:ea typeface="Segoe UI" panose="020B0502040204020203" pitchFamily="34" charset="0"/>
                           <a:cs typeface="Segoe UI" panose="020B0502040204020203" pitchFamily="34" charset="0"/>
                         </a:rPr>
                         <a:t>yum install –y make</a:t>
                       </a:r>
-                      <a:endParaRPr lang="ja-JP" sz="1050" kern="100" dirty="0">
+                      <a:endParaRPr lang="ja-JP" sz="1000" kern="100" dirty="0">
                         <a:effectLst/>
-                        <a:latin typeface="Segoe UI" panose="020B0502040204020203" pitchFamily="34" charset="0"/>
+                        <a:latin typeface="+mj-lt"/>
                         <a:ea typeface="ＭＳ 明朝" panose="02020609040205080304" pitchFamily="17" charset="-128"/>
                         <a:cs typeface="Segoe UI" panose="020B0502040204020203" pitchFamily="34" charset="0"/>
                       </a:endParaRPr>
@@ -15266,7 +15347,7 @@
                         <a:defRPr/>
                       </a:pPr>
                       <a:r>
-                        <a:rPr kumimoji="1" lang="ja-JP" altLang="en-US" sz="1050" b="0" i="0" u="none" strike="noStrike" kern="100" cap="none" spc="0" normalizeH="0" baseline="0" noProof="0" smtClean="0">
+                        <a:rPr kumimoji="1" lang="ja-JP" altLang="en-US" sz="1000" b="0" i="0" u="none" strike="noStrike" kern="100" cap="none" spc="0" normalizeH="0" baseline="0" noProof="0" smtClean="0">
                           <a:ln>
                             <a:noFill/>
                           </a:ln>
@@ -15276,13 +15357,13 @@
                           <a:effectLst/>
                           <a:uLnTx/>
                           <a:uFillTx/>
-                          <a:latin typeface="メイリオ"/>
+                          <a:latin typeface="+mj-lt"/>
                           <a:ea typeface="ＭＳ 明朝" panose="02020609040205080304" pitchFamily="17" charset="-128"/>
                           <a:cs typeface="Segoe UI" panose="020B0502040204020203" pitchFamily="34" charset="0"/>
                         </a:rPr>
                         <a:t>〇</a:t>
                       </a:r>
-                      <a:endParaRPr kumimoji="1" lang="ja-JP" altLang="ja-JP" sz="1050" b="0" i="0" u="none" strike="noStrike" kern="100" cap="none" spc="0" normalizeH="0" baseline="0" noProof="0" dirty="0">
+                      <a:endParaRPr kumimoji="1" lang="ja-JP" altLang="ja-JP" sz="1000" b="0" i="0" u="none" strike="noStrike" kern="100" cap="none" spc="0" normalizeH="0" baseline="0" noProof="0" dirty="0">
                         <a:ln>
                           <a:noFill/>
                         </a:ln>
@@ -15292,7 +15373,7 @@
                         <a:effectLst/>
                         <a:uLnTx/>
                         <a:uFillTx/>
-                        <a:latin typeface="+mn-lt"/>
+                        <a:latin typeface="+mj-lt"/>
                         <a:ea typeface="ＭＳ 明朝" panose="02020609040205080304" pitchFamily="17" charset="-128"/>
                         <a:cs typeface="Segoe UI" panose="020B0502040204020203" pitchFamily="34" charset="0"/>
                       </a:endParaRPr>
@@ -15327,7 +15408,7 @@
                         <a:defRPr/>
                       </a:pPr>
                       <a:r>
-                        <a:rPr kumimoji="1" lang="en-US" altLang="ja-JP" sz="1050" b="0" i="0" u="none" strike="noStrike" kern="100" cap="none" spc="0" normalizeH="0" baseline="0" noProof="0" smtClean="0">
+                        <a:rPr kumimoji="1" lang="en-US" altLang="ja-JP" sz="1000" b="0" i="0" u="none" strike="noStrike" kern="100" cap="none" spc="0" normalizeH="0" baseline="0" noProof="0" smtClean="0">
                           <a:ln>
                             <a:noFill/>
                           </a:ln>
@@ -15337,13 +15418,13 @@
                           <a:effectLst/>
                           <a:uLnTx/>
                           <a:uFillTx/>
-                          <a:latin typeface="メイリオ"/>
+                          <a:latin typeface="+mj-lt"/>
                           <a:ea typeface="ＭＳ 明朝" panose="02020609040205080304" pitchFamily="17" charset="-128"/>
                           <a:cs typeface="Segoe UI" panose="020B0502040204020203" pitchFamily="34" charset="0"/>
                         </a:rPr>
                         <a:t>Used for YAML analysis library (yaml)</a:t>
                       </a:r>
-                      <a:endParaRPr kumimoji="1" lang="ja-JP" altLang="ja-JP" sz="1050" b="0" i="0" u="none" strike="noStrike" kern="100" cap="none" spc="0" normalizeH="0" baseline="0" noProof="0" dirty="0">
+                      <a:endParaRPr kumimoji="1" lang="ja-JP" altLang="ja-JP" sz="1000" b="0" i="0" u="none" strike="noStrike" kern="100" cap="none" spc="0" normalizeH="0" baseline="0" noProof="0" dirty="0">
                         <a:ln>
                           <a:noFill/>
                         </a:ln>
@@ -15353,7 +15434,7 @@
                         <a:effectLst/>
                         <a:uLnTx/>
                         <a:uFillTx/>
-                        <a:latin typeface="+mn-lt"/>
+                        <a:latin typeface="+mj-lt"/>
                         <a:ea typeface="ＭＳ 明朝" panose="02020609040205080304" pitchFamily="17" charset="-128"/>
                         <a:cs typeface="Segoe UI" panose="020B0502040204020203" pitchFamily="34" charset="0"/>
                       </a:endParaRPr>
@@ -15371,7 +15452,7 @@
                   </a:ext>
                 </a:extLst>
               </a:tr>
-              <a:tr h="172462">
+              <a:tr h="165753">
                 <a:tc vMerge="1">
                   <a:txBody>
                     <a:bodyPr/>
@@ -15431,14 +15512,15 @@
                         </a:spcAft>
                       </a:pPr>
                       <a:r>
-                        <a:rPr lang="en-US" sz="1050" kern="100" dirty="0" err="1" smtClean="0">
+                        <a:rPr lang="en-US" sz="1000" kern="100" dirty="0" err="1" smtClean="0">
                           <a:effectLst/>
+                          <a:latin typeface="+mj-lt"/>
                         </a:rPr>
                         <a:t>yaml</a:t>
                       </a:r>
-                      <a:endParaRPr lang="ja-JP" sz="1050" kern="100" dirty="0">
+                      <a:endParaRPr lang="ja-JP" sz="1000" kern="100" dirty="0">
                         <a:effectLst/>
-                        <a:latin typeface="Century" panose="02040604050505020304" pitchFamily="18" charset="0"/>
+                        <a:latin typeface="+mj-lt"/>
                         <a:ea typeface="ＭＳ 明朝" panose="02020609040205080304" pitchFamily="17" charset="-128"/>
                         <a:cs typeface="Times New Roman" panose="02020603050405020304" pitchFamily="18" charset="0"/>
                       </a:endParaRPr>
@@ -15464,35 +15546,35 @@
                         </a:tabLst>
                       </a:pPr>
                       <a:r>
-                        <a:rPr lang="en-US" altLang="ja-JP" sz="1050" kern="100" dirty="0" err="1" smtClean="0">
+                        <a:rPr lang="en-US" altLang="ja-JP" sz="1000" kern="100" dirty="0" err="1" smtClean="0">
                           <a:effectLst/>
-                          <a:latin typeface="Segoe UI" panose="020B0502040204020203" pitchFamily="34" charset="0"/>
+                          <a:latin typeface="+mj-lt"/>
                           <a:ea typeface="Segoe UI" panose="020B0502040204020203" pitchFamily="34" charset="0"/>
                           <a:cs typeface="Segoe UI" panose="020B0502040204020203" pitchFamily="34" charset="0"/>
                         </a:rPr>
                         <a:t>pecl</a:t>
                       </a:r>
                       <a:r>
-                        <a:rPr lang="en-US" altLang="ja-JP" sz="1050" kern="100" dirty="0" smtClean="0">
+                        <a:rPr lang="en-US" altLang="ja-JP" sz="1000" kern="100" dirty="0" smtClean="0">
                           <a:effectLst/>
-                          <a:latin typeface="Segoe UI" panose="020B0502040204020203" pitchFamily="34" charset="0"/>
+                          <a:latin typeface="+mj-lt"/>
                           <a:ea typeface="Segoe UI" panose="020B0502040204020203" pitchFamily="34" charset="0"/>
                           <a:cs typeface="Segoe UI" panose="020B0502040204020203" pitchFamily="34" charset="0"/>
                         </a:rPr>
                         <a:t> install </a:t>
                       </a:r>
                       <a:r>
-                        <a:rPr lang="en-US" altLang="ja-JP" sz="1050" kern="100" dirty="0" err="1" smtClean="0">
+                        <a:rPr lang="en-US" altLang="ja-JP" sz="1000" kern="100" dirty="0" err="1" smtClean="0">
                           <a:effectLst/>
-                          <a:latin typeface="Segoe UI" panose="020B0502040204020203" pitchFamily="34" charset="0"/>
+                          <a:latin typeface="+mj-lt"/>
                           <a:ea typeface="Segoe UI" panose="020B0502040204020203" pitchFamily="34" charset="0"/>
                           <a:cs typeface="Segoe UI" panose="020B0502040204020203" pitchFamily="34" charset="0"/>
                         </a:rPr>
                         <a:t>yaml</a:t>
                       </a:r>
-                      <a:endParaRPr lang="ja-JP" sz="1050" kern="100" dirty="0">
+                      <a:endParaRPr lang="ja-JP" sz="1000" kern="100" dirty="0">
                         <a:effectLst/>
-                        <a:latin typeface="Segoe UI" panose="020B0502040204020203" pitchFamily="34" charset="0"/>
+                        <a:latin typeface="+mj-lt"/>
                         <a:ea typeface="ＭＳ 明朝" panose="02020609040205080304" pitchFamily="17" charset="-128"/>
                         <a:cs typeface="Segoe UI" panose="020B0502040204020203" pitchFamily="34" charset="0"/>
                       </a:endParaRPr>
@@ -15527,7 +15609,7 @@
                         <a:defRPr/>
                       </a:pPr>
                       <a:r>
-                        <a:rPr kumimoji="1" lang="ja-JP" altLang="en-US" sz="1050" b="0" i="0" u="none" strike="noStrike" kern="100" cap="none" spc="0" normalizeH="0" baseline="0" noProof="0" dirty="0" smtClean="0">
+                        <a:rPr kumimoji="1" lang="ja-JP" altLang="en-US" sz="1000" b="0" i="0" u="none" strike="noStrike" kern="100" cap="none" spc="0" normalizeH="0" baseline="0" noProof="0" dirty="0" smtClean="0">
                           <a:ln>
                             <a:noFill/>
                           </a:ln>
@@ -15537,13 +15619,13 @@
                           <a:effectLst/>
                           <a:uLnTx/>
                           <a:uFillTx/>
-                          <a:latin typeface="メイリオ"/>
+                          <a:latin typeface="+mj-lt"/>
                           <a:ea typeface="ＭＳ 明朝" panose="02020609040205080304" pitchFamily="17" charset="-128"/>
                           <a:cs typeface="Segoe UI" panose="020B0502040204020203" pitchFamily="34" charset="0"/>
                         </a:rPr>
                         <a:t>〇</a:t>
                       </a:r>
-                      <a:endParaRPr kumimoji="1" lang="ja-JP" altLang="ja-JP" sz="1050" b="0" i="0" u="none" strike="noStrike" kern="100" cap="none" spc="0" normalizeH="0" baseline="0" noProof="0" dirty="0">
+                      <a:endParaRPr kumimoji="1" lang="ja-JP" altLang="ja-JP" sz="1000" b="0" i="0" u="none" strike="noStrike" kern="100" cap="none" spc="0" normalizeH="0" baseline="0" noProof="0" dirty="0">
                         <a:ln>
                           <a:noFill/>
                         </a:ln>
@@ -15553,7 +15635,7 @@
                         <a:effectLst/>
                         <a:uLnTx/>
                         <a:uFillTx/>
-                        <a:latin typeface="+mn-lt"/>
+                        <a:latin typeface="+mj-lt"/>
                         <a:ea typeface="ＭＳ 明朝" panose="02020609040205080304" pitchFamily="17" charset="-128"/>
                         <a:cs typeface="Segoe UI" panose="020B0502040204020203" pitchFamily="34" charset="0"/>
                       </a:endParaRPr>
@@ -15588,7 +15670,7 @@
                         <a:defRPr/>
                       </a:pPr>
                       <a:r>
-                        <a:rPr kumimoji="1" lang="en-US" altLang="ja-JP" sz="1050" b="0" i="0" u="none" strike="noStrike" kern="100" cap="none" spc="0" normalizeH="0" baseline="0" noProof="0" dirty="0" smtClean="0">
+                        <a:rPr kumimoji="1" lang="en-US" altLang="ja-JP" sz="1000" b="0" i="0" u="none" strike="noStrike" kern="100" cap="none" spc="0" normalizeH="0" baseline="0" noProof="0" dirty="0" smtClean="0">
                           <a:ln>
                             <a:noFill/>
                           </a:ln>
@@ -15598,14 +15680,14 @@
                           <a:effectLst/>
                           <a:uLnTx/>
                           <a:uFillTx/>
-                          <a:latin typeface="メイリオ"/>
+                          <a:latin typeface="+mj-lt"/>
                           <a:ea typeface="ＭＳ 明朝" panose="02020609040205080304" pitchFamily="17" charset="-128"/>
                           <a:cs typeface="Segoe UI" panose="020B0502040204020203" pitchFamily="34" charset="0"/>
                         </a:rPr>
                         <a:t>Used for YAML analysis library (</a:t>
                       </a:r>
                       <a:r>
-                        <a:rPr kumimoji="1" lang="en-US" altLang="ja-JP" sz="1050" b="0" i="0" u="none" strike="noStrike" kern="100" cap="none" spc="0" normalizeH="0" baseline="0" noProof="0" dirty="0" err="1" smtClean="0">
+                        <a:rPr kumimoji="1" lang="en-US" altLang="ja-JP" sz="1000" b="0" i="0" u="none" strike="noStrike" kern="100" cap="none" spc="0" normalizeH="0" baseline="0" noProof="0" dirty="0" err="1" smtClean="0">
                           <a:ln>
                             <a:noFill/>
                           </a:ln>
@@ -15615,14 +15697,14 @@
                           <a:effectLst/>
                           <a:uLnTx/>
                           <a:uFillTx/>
-                          <a:latin typeface="メイリオ"/>
+                          <a:latin typeface="+mj-lt"/>
                           <a:ea typeface="ＭＳ 明朝" panose="02020609040205080304" pitchFamily="17" charset="-128"/>
                           <a:cs typeface="Segoe UI" panose="020B0502040204020203" pitchFamily="34" charset="0"/>
                         </a:rPr>
                         <a:t>yaml</a:t>
                       </a:r>
                       <a:r>
-                        <a:rPr kumimoji="1" lang="en-US" altLang="ja-JP" sz="1050" b="0" i="0" u="none" strike="noStrike" kern="100" cap="none" spc="0" normalizeH="0" baseline="0" noProof="0" dirty="0" smtClean="0">
+                        <a:rPr kumimoji="1" lang="en-US" altLang="ja-JP" sz="1000" b="0" i="0" u="none" strike="noStrike" kern="100" cap="none" spc="0" normalizeH="0" baseline="0" noProof="0" dirty="0" smtClean="0">
                           <a:ln>
                             <a:noFill/>
                           </a:ln>
@@ -15632,13 +15714,13 @@
                           <a:effectLst/>
                           <a:uLnTx/>
                           <a:uFillTx/>
-                          <a:latin typeface="メイリオ"/>
+                          <a:latin typeface="+mj-lt"/>
                           <a:ea typeface="ＭＳ 明朝" panose="02020609040205080304" pitchFamily="17" charset="-128"/>
                           <a:cs typeface="Segoe UI" panose="020B0502040204020203" pitchFamily="34" charset="0"/>
                         </a:rPr>
                         <a:t>)</a:t>
                       </a:r>
-                      <a:endParaRPr kumimoji="1" lang="ja-JP" altLang="ja-JP" sz="1050" b="0" i="0" u="none" strike="noStrike" kern="100" cap="none" spc="0" normalizeH="0" baseline="0" noProof="0" dirty="0">
+                      <a:endParaRPr kumimoji="1" lang="ja-JP" altLang="ja-JP" sz="1000" b="0" i="0" u="none" strike="noStrike" kern="100" cap="none" spc="0" normalizeH="0" baseline="0" noProof="0" dirty="0">
                         <a:ln>
                           <a:noFill/>
                         </a:ln>
@@ -15648,7 +15730,7 @@
                         <a:effectLst/>
                         <a:uLnTx/>
                         <a:uFillTx/>
-                        <a:latin typeface="+mn-lt"/>
+                        <a:latin typeface="+mj-lt"/>
                         <a:ea typeface="ＭＳ 明朝" panose="02020609040205080304" pitchFamily="17" charset="-128"/>
                         <a:cs typeface="Segoe UI" panose="020B0502040204020203" pitchFamily="34" charset="0"/>
                       </a:endParaRPr>
@@ -15666,7 +15748,7 @@
                   </a:ext>
                 </a:extLst>
               </a:tr>
-              <a:tr h="689848">
+              <a:tr h="663012">
                 <a:tc vMerge="1">
                   <a:txBody>
                     <a:bodyPr/>
@@ -15702,20 +15784,22 @@
                         </a:spcAft>
                       </a:pPr>
                       <a:r>
-                        <a:rPr lang="en-US" sz="1050" kern="100" dirty="0" err="1" smtClean="0">
+                        <a:rPr lang="en-US" sz="1000" kern="100" dirty="0" err="1" smtClean="0">
                           <a:effectLst/>
+                          <a:latin typeface="+mj-lt"/>
                         </a:rPr>
                         <a:t>ansible</a:t>
                       </a:r>
                       <a:r>
-                        <a:rPr lang="en-US" sz="1050" kern="100" dirty="0" smtClean="0">
+                        <a:rPr lang="en-US" sz="1000" kern="100" dirty="0" smtClean="0">
                           <a:effectLst/>
+                          <a:latin typeface="+mj-lt"/>
                         </a:rPr>
                         <a:t>-driver</a:t>
                       </a:r>
-                      <a:endParaRPr lang="ja-JP" sz="1050" kern="100" dirty="0">
+                      <a:endParaRPr lang="ja-JP" sz="1000" kern="100" dirty="0">
                         <a:effectLst/>
-                        <a:latin typeface="Century" panose="02040604050505020304" pitchFamily="18" charset="0"/>
+                        <a:latin typeface="+mj-lt"/>
                         <a:ea typeface="ＭＳ 明朝" panose="02020609040205080304" pitchFamily="17" charset="-128"/>
                         <a:cs typeface="Times New Roman" panose="02020603050405020304" pitchFamily="18" charset="0"/>
                       </a:endParaRPr>
@@ -15738,14 +15822,15 @@
                         </a:spcAft>
                       </a:pPr>
                       <a:r>
-                        <a:rPr lang="en-US" sz="1050" kern="100" dirty="0" err="1" smtClean="0">
+                        <a:rPr lang="en-US" sz="1000" kern="100" dirty="0" err="1" smtClean="0">
                           <a:effectLst/>
+                          <a:latin typeface="+mj-lt"/>
                         </a:rPr>
                         <a:t>nc</a:t>
                       </a:r>
-                      <a:endParaRPr lang="ja-JP" sz="1050" kern="100" dirty="0">
+                      <a:endParaRPr lang="ja-JP" sz="1000" kern="100" dirty="0">
                         <a:effectLst/>
-                        <a:latin typeface="Century" panose="02040604050505020304" pitchFamily="18" charset="0"/>
+                        <a:latin typeface="+mj-lt"/>
                         <a:ea typeface="ＭＳ 明朝" panose="02020609040205080304" pitchFamily="17" charset="-128"/>
                         <a:cs typeface="Times New Roman" panose="02020603050405020304" pitchFamily="18" charset="0"/>
                       </a:endParaRPr>
@@ -15768,26 +15853,26 @@
                         </a:spcAft>
                       </a:pPr>
                       <a:r>
-                        <a:rPr lang="en-US" altLang="ja-JP" sz="1050" kern="100" dirty="0" smtClean="0">
+                        <a:rPr lang="en-US" altLang="ja-JP" sz="1000" kern="100" dirty="0" smtClean="0">
                           <a:effectLst/>
-                          <a:latin typeface="Segoe UI" panose="020B0502040204020203" pitchFamily="34" charset="0"/>
+                          <a:latin typeface="+mj-lt"/>
                           <a:ea typeface="Segoe UI" panose="020B0502040204020203" pitchFamily="34" charset="0"/>
                           <a:cs typeface="Segoe UI" panose="020B0502040204020203" pitchFamily="34" charset="0"/>
                         </a:rPr>
                         <a:t>yum install –y </a:t>
                       </a:r>
                       <a:r>
-                        <a:rPr lang="en-US" altLang="ja-JP" sz="1050" kern="100" dirty="0" err="1" smtClean="0">
+                        <a:rPr lang="en-US" altLang="ja-JP" sz="1000" kern="100" dirty="0" err="1" smtClean="0">
                           <a:effectLst/>
-                          <a:latin typeface="Segoe UI" panose="020B0502040204020203" pitchFamily="34" charset="0"/>
+                          <a:latin typeface="+mj-lt"/>
                           <a:ea typeface="Segoe UI" panose="020B0502040204020203" pitchFamily="34" charset="0"/>
                           <a:cs typeface="Segoe UI" panose="020B0502040204020203" pitchFamily="34" charset="0"/>
                         </a:rPr>
                         <a:t>nc</a:t>
                       </a:r>
-                      <a:endParaRPr lang="ja-JP" altLang="ja-JP" sz="1050" kern="100" dirty="0">
+                      <a:endParaRPr lang="ja-JP" altLang="ja-JP" sz="1000" kern="100" dirty="0">
                         <a:effectLst/>
-                        <a:latin typeface="Segoe UI" panose="020B0502040204020203" pitchFamily="34" charset="0"/>
+                        <a:latin typeface="+mj-lt"/>
                         <a:ea typeface="ＭＳ 明朝" panose="02020609040205080304" pitchFamily="17" charset="-128"/>
                         <a:cs typeface="Segoe UI" panose="020B0502040204020203" pitchFamily="34" charset="0"/>
                       </a:endParaRPr>
@@ -15810,17 +15895,17 @@
                         </a:spcAft>
                       </a:pPr>
                       <a:r>
-                        <a:rPr lang="en-US" altLang="ja-JP" sz="1050" kern="100" dirty="0" smtClean="0">
+                        <a:rPr lang="en-US" altLang="ja-JP" sz="1000" kern="100" dirty="0" smtClean="0">
                           <a:effectLst/>
-                          <a:latin typeface="+mn-lt"/>
+                          <a:latin typeface="+mj-lt"/>
                           <a:ea typeface="ＭＳ 明朝" panose="02020609040205080304" pitchFamily="17" charset="-128"/>
                           <a:cs typeface="Segoe UI" panose="020B0502040204020203" pitchFamily="34" charset="0"/>
                         </a:rPr>
                         <a:t>-</a:t>
                       </a:r>
-                      <a:endParaRPr lang="ja-JP" altLang="ja-JP" sz="1050" kern="100" dirty="0">
+                      <a:endParaRPr lang="ja-JP" altLang="ja-JP" sz="1000" kern="100" dirty="0">
                         <a:effectLst/>
-                        <a:latin typeface="+mn-lt"/>
+                        <a:latin typeface="+mj-lt"/>
                         <a:ea typeface="ＭＳ 明朝" panose="02020609040205080304" pitchFamily="17" charset="-128"/>
                         <a:cs typeface="Segoe UI" panose="020B0502040204020203" pitchFamily="34" charset="0"/>
                       </a:endParaRPr>
@@ -15843,35 +15928,35 @@
                         </a:spcAft>
                       </a:pPr>
                       <a:r>
-                        <a:rPr lang="en-US" altLang="ja-JP" sz="1050" kern="100" dirty="0" smtClean="0">
+                        <a:rPr lang="en-US" altLang="ja-JP" sz="1000" kern="100" dirty="0" smtClean="0">
                           <a:effectLst/>
-                          <a:latin typeface="+mn-lt"/>
+                          <a:latin typeface="+mj-lt"/>
                           <a:ea typeface="ＭＳ 明朝" panose="02020609040205080304" pitchFamily="17" charset="-128"/>
                           <a:cs typeface="Segoe UI" panose="020B0502040204020203" pitchFamily="34" charset="0"/>
                         </a:rPr>
                         <a:t>Used for SSH command option when executing </a:t>
                       </a:r>
                       <a:r>
-                        <a:rPr lang="en-US" altLang="ja-JP" sz="1050" kern="100" dirty="0" err="1" smtClean="0">
+                        <a:rPr lang="en-US" altLang="ja-JP" sz="1000" kern="100" dirty="0" err="1" smtClean="0">
                           <a:effectLst/>
-                          <a:latin typeface="+mn-lt"/>
+                          <a:latin typeface="+mj-lt"/>
                           <a:ea typeface="ＭＳ 明朝" panose="02020609040205080304" pitchFamily="17" charset="-128"/>
                           <a:cs typeface="Segoe UI" panose="020B0502040204020203" pitchFamily="34" charset="0"/>
                         </a:rPr>
                         <a:t>Ansible</a:t>
                       </a:r>
                       <a:r>
-                        <a:rPr lang="en-US" altLang="ja-JP" sz="1050" kern="100" dirty="0" smtClean="0">
+                        <a:rPr lang="en-US" altLang="ja-JP" sz="1000" kern="100" dirty="0" smtClean="0">
                           <a:effectLst/>
-                          <a:latin typeface="+mn-lt"/>
+                          <a:latin typeface="+mj-lt"/>
                           <a:ea typeface="ＭＳ 明朝" panose="02020609040205080304" pitchFamily="17" charset="-128"/>
                           <a:cs typeface="Segoe UI" panose="020B0502040204020203" pitchFamily="34" charset="0"/>
                         </a:rPr>
                         <a:t> Playbook by connecting SSH from ITA under proxy environment to external server such as AWS via proxy server.</a:t>
                       </a:r>
-                      <a:endParaRPr lang="ja-JP" altLang="ja-JP" sz="1050" kern="100" dirty="0">
+                      <a:endParaRPr lang="ja-JP" altLang="ja-JP" sz="1000" kern="100" dirty="0">
                         <a:effectLst/>
-                        <a:latin typeface="+mn-lt"/>
+                        <a:latin typeface="+mj-lt"/>
                         <a:ea typeface="ＭＳ 明朝" panose="02020609040205080304" pitchFamily="17" charset="-128"/>
                         <a:cs typeface="Segoe UI" panose="020B0502040204020203" pitchFamily="34" charset="0"/>
                       </a:endParaRPr>
@@ -15889,7 +15974,7 @@
                   </a:ext>
                 </a:extLst>
               </a:tr>
-              <a:tr h="344925">
+              <a:tr h="331507">
                 <a:tc vMerge="1">
                   <a:txBody>
                     <a:bodyPr/>
@@ -15921,14 +16006,15 @@
                         </a:spcAft>
                       </a:pPr>
                       <a:r>
-                        <a:rPr lang="en-US" sz="1050" kern="100" dirty="0" err="1" smtClean="0">
+                        <a:rPr lang="en-US" sz="1000" kern="100" dirty="0" err="1" smtClean="0">
                           <a:effectLst/>
+                          <a:latin typeface="+mj-lt"/>
                         </a:rPr>
                         <a:t>paramiko</a:t>
                       </a:r>
-                      <a:endParaRPr lang="ja-JP" sz="1050" kern="100" dirty="0">
+                      <a:endParaRPr lang="ja-JP" sz="1000" kern="100" dirty="0">
                         <a:effectLst/>
-                        <a:latin typeface="Century" panose="02040604050505020304" pitchFamily="18" charset="0"/>
+                        <a:latin typeface="+mj-lt"/>
                         <a:ea typeface="ＭＳ 明朝" panose="02020609040205080304" pitchFamily="17" charset="-128"/>
                         <a:cs typeface="Times New Roman" panose="02020603050405020304" pitchFamily="18" charset="0"/>
                       </a:endParaRPr>
@@ -15951,26 +16037,26 @@
                         </a:spcAft>
                       </a:pPr>
                       <a:r>
-                        <a:rPr lang="en-US" sz="1050" kern="100" dirty="0" smtClean="0">
+                        <a:rPr lang="en-US" sz="1000" kern="100" dirty="0" smtClean="0">
                           <a:effectLst/>
-                          <a:latin typeface="Segoe UI" panose="020B0502040204020203" pitchFamily="34" charset="0"/>
+                          <a:latin typeface="+mj-lt"/>
                           <a:ea typeface="Segoe UI" panose="020B0502040204020203" pitchFamily="34" charset="0"/>
                           <a:cs typeface="Segoe UI" panose="020B0502040204020203" pitchFamily="34" charset="0"/>
                         </a:rPr>
                         <a:t>pip3 install </a:t>
                       </a:r>
                       <a:r>
-                        <a:rPr lang="en-US" sz="1050" kern="100" dirty="0" err="1" smtClean="0">
+                        <a:rPr lang="en-US" sz="1000" kern="100" dirty="0" err="1" smtClean="0">
                           <a:effectLst/>
-                          <a:latin typeface="Segoe UI" panose="020B0502040204020203" pitchFamily="34" charset="0"/>
+                          <a:latin typeface="+mj-lt"/>
                           <a:ea typeface="Segoe UI" panose="020B0502040204020203" pitchFamily="34" charset="0"/>
                           <a:cs typeface="Segoe UI" panose="020B0502040204020203" pitchFamily="34" charset="0"/>
                         </a:rPr>
                         <a:t>paramiko</a:t>
                       </a:r>
-                      <a:endParaRPr lang="ja-JP" sz="1050" kern="100" dirty="0">
+                      <a:endParaRPr lang="ja-JP" sz="1000" kern="100" dirty="0">
                         <a:effectLst/>
-                        <a:latin typeface="Segoe UI" panose="020B0502040204020203" pitchFamily="34" charset="0"/>
+                        <a:latin typeface="+mj-lt"/>
                         <a:ea typeface="ＭＳ 明朝" panose="02020609040205080304" pitchFamily="17" charset="-128"/>
                         <a:cs typeface="Segoe UI" panose="020B0502040204020203" pitchFamily="34" charset="0"/>
                       </a:endParaRPr>
@@ -15993,17 +16079,17 @@
                         </a:spcAft>
                       </a:pPr>
                       <a:r>
-                        <a:rPr lang="en-US" altLang="ja-JP" sz="1050" kern="100" dirty="0" smtClean="0">
+                        <a:rPr lang="en-US" altLang="ja-JP" sz="1000" kern="100" dirty="0" smtClean="0">
                           <a:effectLst/>
-                          <a:latin typeface="+mn-lt"/>
+                          <a:latin typeface="+mj-lt"/>
                           <a:ea typeface="ＭＳ 明朝" panose="02020609040205080304" pitchFamily="17" charset="-128"/>
                           <a:cs typeface="Segoe UI" panose="020B0502040204020203" pitchFamily="34" charset="0"/>
                         </a:rPr>
                         <a:t>-</a:t>
                       </a:r>
-                      <a:endParaRPr lang="ja-JP" sz="1050" kern="100" dirty="0">
+                      <a:endParaRPr lang="ja-JP" sz="1000" kern="100" dirty="0">
                         <a:effectLst/>
-                        <a:latin typeface="+mn-lt"/>
+                        <a:latin typeface="+mj-lt"/>
                         <a:ea typeface="ＭＳ 明朝" panose="02020609040205080304" pitchFamily="17" charset="-128"/>
                         <a:cs typeface="Segoe UI" panose="020B0502040204020203" pitchFamily="34" charset="0"/>
                       </a:endParaRPr>
@@ -16026,53 +16112,53 @@
                         </a:spcAft>
                       </a:pPr>
                       <a:r>
-                        <a:rPr lang="en-US" altLang="ja-JP" sz="1050" kern="100" dirty="0" smtClean="0">
+                        <a:rPr lang="en-US" altLang="ja-JP" sz="1000" kern="100" dirty="0" smtClean="0">
                           <a:effectLst/>
-                          <a:latin typeface="+mn-lt"/>
+                          <a:latin typeface="+mj-lt"/>
                           <a:ea typeface="ＭＳ 明朝" panose="02020609040205080304" pitchFamily="17" charset="-128"/>
                           <a:cs typeface="Segoe UI" panose="020B0502040204020203" pitchFamily="34" charset="0"/>
                         </a:rPr>
                         <a:t>Required to connect to a network device by specifying </a:t>
                       </a:r>
                       <a:r>
-                        <a:rPr lang="en-US" altLang="ja-JP" sz="1050" kern="100" dirty="0" err="1" smtClean="0">
+                        <a:rPr lang="en-US" altLang="ja-JP" sz="1000" kern="100" dirty="0" err="1" smtClean="0">
                           <a:effectLst/>
-                          <a:latin typeface="+mn-lt"/>
+                          <a:latin typeface="+mj-lt"/>
                           <a:ea typeface="ＭＳ 明朝" panose="02020609040205080304" pitchFamily="17" charset="-128"/>
                           <a:cs typeface="Segoe UI" panose="020B0502040204020203" pitchFamily="34" charset="0"/>
                         </a:rPr>
                         <a:t>network_cli</a:t>
                       </a:r>
                       <a:r>
-                        <a:rPr lang="en-US" altLang="ja-JP" sz="1050" kern="100" dirty="0" smtClean="0">
+                        <a:rPr lang="en-US" altLang="ja-JP" sz="1000" kern="100" dirty="0" smtClean="0">
                           <a:effectLst/>
-                          <a:latin typeface="+mn-lt"/>
+                          <a:latin typeface="+mj-lt"/>
                           <a:ea typeface="ＭＳ 明朝" panose="02020609040205080304" pitchFamily="17" charset="-128"/>
                           <a:cs typeface="Segoe UI" panose="020B0502040204020203" pitchFamily="34" charset="0"/>
                         </a:rPr>
                         <a:t> for </a:t>
                       </a:r>
                       <a:r>
-                        <a:rPr lang="en-US" altLang="ja-JP" sz="1050" kern="100" dirty="0" err="1" smtClean="0">
+                        <a:rPr lang="en-US" altLang="ja-JP" sz="1000" kern="100" dirty="0" err="1" smtClean="0">
                           <a:effectLst/>
-                          <a:latin typeface="+mn-lt"/>
+                          <a:latin typeface="+mj-lt"/>
                           <a:ea typeface="ＭＳ 明朝" panose="02020609040205080304" pitchFamily="17" charset="-128"/>
                           <a:cs typeface="Segoe UI" panose="020B0502040204020203" pitchFamily="34" charset="0"/>
                         </a:rPr>
                         <a:t>ansible_connection</a:t>
                       </a:r>
                       <a:r>
-                        <a:rPr lang="en-US" altLang="ja-JP" sz="1050" kern="100" dirty="0" smtClean="0">
+                        <a:rPr lang="en-US" altLang="ja-JP" sz="1000" kern="100" dirty="0" smtClean="0">
                           <a:effectLst/>
-                          <a:latin typeface="+mn-lt"/>
+                          <a:latin typeface="+mj-lt"/>
                           <a:ea typeface="ＭＳ 明朝" panose="02020609040205080304" pitchFamily="17" charset="-128"/>
                           <a:cs typeface="Segoe UI" panose="020B0502040204020203" pitchFamily="34" charset="0"/>
                         </a:rPr>
                         <a:t>.</a:t>
                       </a:r>
-                      <a:endParaRPr lang="ja-JP" sz="1050" kern="100" dirty="0">
+                      <a:endParaRPr lang="ja-JP" sz="1000" kern="100" dirty="0">
                         <a:effectLst/>
-                        <a:latin typeface="+mn-lt"/>
+                        <a:latin typeface="+mj-lt"/>
                         <a:ea typeface="ＭＳ 明朝" panose="02020609040205080304" pitchFamily="17" charset="-128"/>
                         <a:cs typeface="Segoe UI" panose="020B0502040204020203" pitchFamily="34" charset="0"/>
                       </a:endParaRPr>
@@ -16090,7 +16176,7 @@
                   </a:ext>
                 </a:extLst>
               </a:tr>
-              <a:tr h="239542">
+              <a:tr h="230224">
                 <a:tc>
                   <a:txBody>
                     <a:bodyPr/>
@@ -16102,17 +16188,17 @@
                         </a:spcAft>
                       </a:pPr>
                       <a:r>
-                        <a:rPr lang="en-US" altLang="ja-JP" sz="1000" kern="100" dirty="0" smtClean="0">
+                        <a:rPr lang="en-US" altLang="ja-JP" sz="900" kern="100" dirty="0" smtClean="0">
                           <a:effectLst/>
-                          <a:latin typeface="Century" panose="02040604050505020304" pitchFamily="18" charset="0"/>
+                          <a:latin typeface="+mj-lt"/>
                           <a:ea typeface="ＭＳ 明朝" panose="02020609040205080304" pitchFamily="17" charset="-128"/>
                           <a:cs typeface="Times New Roman" panose="02020603050405020304" pitchFamily="18" charset="0"/>
                         </a:rPr>
                         <a:t>1.6.0</a:t>
                       </a:r>
-                      <a:endParaRPr lang="ja-JP" sz="1000" kern="100" dirty="0">
+                      <a:endParaRPr lang="ja-JP" sz="900" kern="100" dirty="0">
                         <a:effectLst/>
-                        <a:latin typeface="Century" panose="02040604050505020304" pitchFamily="18" charset="0"/>
+                        <a:latin typeface="+mj-lt"/>
                         <a:ea typeface="ＭＳ 明朝" panose="02020609040205080304" pitchFamily="17" charset="-128"/>
                         <a:cs typeface="Times New Roman" panose="02020603050405020304" pitchFamily="18" charset="0"/>
                       </a:endParaRPr>
@@ -16135,17 +16221,17 @@
                         </a:spcAft>
                       </a:pPr>
                       <a:r>
-                        <a:rPr lang="en-US" altLang="ja-JP" sz="1050" kern="100" dirty="0" smtClean="0">
+                        <a:rPr lang="en-US" altLang="ja-JP" sz="1000" kern="100" dirty="0" smtClean="0">
                           <a:effectLst/>
-                          <a:latin typeface="+mn-lt"/>
+                          <a:latin typeface="+mj-lt"/>
                           <a:ea typeface="ＭＳ 明朝" panose="02020609040205080304" pitchFamily="17" charset="-128"/>
                           <a:cs typeface="Times New Roman" panose="02020603050405020304" pitchFamily="18" charset="0"/>
                         </a:rPr>
                         <a:t>There are no libraries added in 1.6.0</a:t>
                       </a:r>
-                      <a:endParaRPr lang="ja-JP" sz="1050" kern="100" dirty="0">
+                      <a:endParaRPr lang="ja-JP" sz="1000" kern="100" dirty="0">
                         <a:effectLst/>
-                        <a:latin typeface="+mn-lt"/>
+                        <a:latin typeface="+mj-lt"/>
                         <a:ea typeface="ＭＳ 明朝" panose="02020609040205080304" pitchFamily="17" charset="-128"/>
                         <a:cs typeface="Times New Roman" panose="02020603050405020304" pitchFamily="18" charset="0"/>
                       </a:endParaRPr>
@@ -16259,7 +16345,7 @@
                   </a:ext>
                 </a:extLst>
               </a:tr>
-              <a:tr h="221741">
+              <a:tr h="213115">
                 <a:tc>
                   <a:txBody>
                     <a:bodyPr/>
@@ -16271,17 +16357,17 @@
                         </a:spcAft>
                       </a:pPr>
                       <a:r>
-                        <a:rPr lang="en-US" altLang="ja-JP" sz="1000" kern="100" dirty="0" smtClean="0">
+                        <a:rPr lang="en-US" altLang="ja-JP" sz="900" kern="100" dirty="0" smtClean="0">
                           <a:effectLst/>
-                          <a:latin typeface="Century" panose="02040604050505020304" pitchFamily="18" charset="0"/>
+                          <a:latin typeface="+mj-lt"/>
                           <a:ea typeface="ＭＳ 明朝" panose="02020609040205080304" pitchFamily="17" charset="-128"/>
                           <a:cs typeface="Times New Roman" panose="02020603050405020304" pitchFamily="18" charset="0"/>
                         </a:rPr>
                         <a:t>1.6.1</a:t>
                       </a:r>
-                      <a:endParaRPr lang="ja-JP" sz="1000" kern="100" dirty="0">
+                      <a:endParaRPr lang="ja-JP" sz="900" kern="100" dirty="0">
                         <a:effectLst/>
-                        <a:latin typeface="Century" panose="02040604050505020304" pitchFamily="18" charset="0"/>
+                        <a:latin typeface="+mj-lt"/>
                         <a:ea typeface="ＭＳ 明朝" panose="02020609040205080304" pitchFamily="17" charset="-128"/>
                         <a:cs typeface="Times New Roman" panose="02020603050405020304" pitchFamily="18" charset="0"/>
                       </a:endParaRPr>
@@ -16316,17 +16402,17 @@
                         <a:defRPr/>
                       </a:pPr>
                       <a:r>
-                        <a:rPr lang="en-US" altLang="ja-JP" sz="1050" kern="100" dirty="0" smtClean="0">
+                        <a:rPr lang="en-US" altLang="ja-JP" sz="1000" kern="100" dirty="0" smtClean="0">
                           <a:effectLst/>
-                          <a:latin typeface="+mn-lt"/>
+                          <a:latin typeface="+mj-lt"/>
                           <a:ea typeface="ＭＳ 明朝" panose="02020609040205080304" pitchFamily="17" charset="-128"/>
                           <a:cs typeface="Times New Roman" panose="02020603050405020304" pitchFamily="18" charset="0"/>
                         </a:rPr>
                         <a:t>There are no libraries added in 1.6.1</a:t>
                       </a:r>
-                      <a:endParaRPr lang="ja-JP" altLang="ja-JP" sz="1050" kern="100" dirty="0" smtClean="0">
+                      <a:endParaRPr lang="ja-JP" altLang="ja-JP" sz="1000" kern="100" dirty="0" smtClean="0">
                         <a:effectLst/>
-                        <a:latin typeface="+mn-lt"/>
+                        <a:latin typeface="+mj-lt"/>
                         <a:ea typeface="ＭＳ 明朝" panose="02020609040205080304" pitchFamily="17" charset="-128"/>
                         <a:cs typeface="Times New Roman" panose="02020603050405020304" pitchFamily="18" charset="0"/>
                       </a:endParaRPr>
@@ -16440,7 +16526,7 @@
                   </a:ext>
                 </a:extLst>
               </a:tr>
-              <a:tr h="230113">
+              <a:tr h="221161">
                 <a:tc>
                   <a:txBody>
                     <a:bodyPr/>
@@ -16452,9 +16538,9 @@
                         </a:spcAft>
                       </a:pPr>
                       <a:r>
-                        <a:rPr lang="en-US" altLang="ja-JP" sz="1000" kern="100" dirty="0" smtClean="0">
+                        <a:rPr lang="en-US" altLang="ja-JP" sz="900" kern="100" dirty="0" smtClean="0">
                           <a:effectLst/>
-                          <a:latin typeface="Century" panose="02040604050505020304" pitchFamily="18" charset="0"/>
+                          <a:latin typeface="+mj-lt"/>
                           <a:ea typeface="ＭＳ 明朝" panose="02020609040205080304" pitchFamily="17" charset="-128"/>
                           <a:cs typeface="Times New Roman" panose="02020603050405020304" pitchFamily="18" charset="0"/>
                         </a:rPr>
@@ -16491,17 +16577,17 @@
                         <a:defRPr/>
                       </a:pPr>
                       <a:r>
-                        <a:rPr lang="en-US" altLang="ja-JP" sz="1050" kern="100" dirty="0" smtClean="0">
+                        <a:rPr lang="en-US" altLang="ja-JP" sz="1000" kern="100" dirty="0" smtClean="0">
                           <a:effectLst/>
-                          <a:latin typeface="+mn-lt"/>
+                          <a:latin typeface="+mj-lt"/>
                           <a:ea typeface="ＭＳ 明朝" panose="02020609040205080304" pitchFamily="17" charset="-128"/>
                           <a:cs typeface="Times New Roman" panose="02020603050405020304" pitchFamily="18" charset="0"/>
                         </a:rPr>
                         <a:t>There are no libraries added in 1.6.2</a:t>
                       </a:r>
-                      <a:endParaRPr lang="ja-JP" altLang="ja-JP" sz="1050" kern="100" dirty="0" smtClean="0">
+                      <a:endParaRPr lang="ja-JP" altLang="ja-JP" sz="1000" kern="100" dirty="0" smtClean="0">
                         <a:effectLst/>
-                        <a:latin typeface="+mn-lt"/>
+                        <a:latin typeface="+mj-lt"/>
                         <a:ea typeface="ＭＳ 明朝" panose="02020609040205080304" pitchFamily="17" charset="-128"/>
                         <a:cs typeface="Times New Roman" panose="02020603050405020304" pitchFamily="18" charset="0"/>
                       </a:endParaRPr>
@@ -16559,7 +16645,7 @@
                   </a:ext>
                 </a:extLst>
               </a:tr>
-              <a:tr h="258873">
+              <a:tr h="248803">
                 <a:tc>
                   <a:txBody>
                     <a:bodyPr/>
@@ -16571,17 +16657,17 @@
                         </a:spcAft>
                       </a:pPr>
                       <a:r>
-                        <a:rPr lang="en-US" altLang="ja-JP" sz="1000" kern="100" dirty="0" smtClean="0">
+                        <a:rPr lang="en-US" altLang="ja-JP" sz="900" kern="100" dirty="0" smtClean="0">
                           <a:effectLst/>
-                          <a:latin typeface="Century" panose="02040604050505020304" pitchFamily="18" charset="0"/>
+                          <a:latin typeface="+mj-lt"/>
                           <a:ea typeface="ＭＳ 明朝" panose="02020609040205080304" pitchFamily="17" charset="-128"/>
                           <a:cs typeface="Times New Roman" panose="02020603050405020304" pitchFamily="18" charset="0"/>
                         </a:rPr>
                         <a:t>1.6.3</a:t>
                       </a:r>
-                      <a:endParaRPr lang="ja-JP" sz="1000" kern="100" dirty="0">
+                      <a:endParaRPr lang="ja-JP" sz="900" kern="100" dirty="0">
                         <a:effectLst/>
-                        <a:latin typeface="Century" panose="02040604050505020304" pitchFamily="18" charset="0"/>
+                        <a:latin typeface="+mj-lt"/>
                         <a:ea typeface="ＭＳ 明朝" panose="02020609040205080304" pitchFamily="17" charset="-128"/>
                         <a:cs typeface="Times New Roman" panose="02020603050405020304" pitchFamily="18" charset="0"/>
                       </a:endParaRPr>
@@ -16616,17 +16702,17 @@
                         <a:defRPr/>
                       </a:pPr>
                       <a:r>
-                        <a:rPr lang="en-US" altLang="ja-JP" sz="1050" kern="100" dirty="0" smtClean="0">
+                        <a:rPr lang="en-US" altLang="ja-JP" sz="1000" kern="100" dirty="0" smtClean="0">
                           <a:effectLst/>
-                          <a:latin typeface="+mn-lt"/>
+                          <a:latin typeface="+mj-lt"/>
                           <a:ea typeface="ＭＳ 明朝" panose="02020609040205080304" pitchFamily="17" charset="-128"/>
                           <a:cs typeface="Times New Roman" panose="02020603050405020304" pitchFamily="18" charset="0"/>
                         </a:rPr>
                         <a:t>There are no libraries added in 1.6.3</a:t>
                       </a:r>
-                      <a:endParaRPr lang="ja-JP" altLang="ja-JP" sz="1050" kern="100" dirty="0" smtClean="0">
+                      <a:endParaRPr lang="ja-JP" altLang="ja-JP" sz="1000" kern="100" dirty="0" smtClean="0">
                         <a:effectLst/>
-                        <a:latin typeface="+mn-lt"/>
+                        <a:latin typeface="+mj-lt"/>
                         <a:ea typeface="ＭＳ 明朝" panose="02020609040205080304" pitchFamily="17" charset="-128"/>
                         <a:cs typeface="Times New Roman" panose="02020603050405020304" pitchFamily="18" charset="0"/>
                       </a:endParaRPr>
@@ -16684,7 +16770,7 @@
                   </a:ext>
                 </a:extLst>
               </a:tr>
-              <a:tr h="258873">
+              <a:tr h="248803">
                 <a:tc>
                   <a:txBody>
                     <a:bodyPr/>
@@ -16696,17 +16782,17 @@
                         </a:spcAft>
                       </a:pPr>
                       <a:r>
-                        <a:rPr lang="en-US" altLang="ja-JP" sz="1000" kern="100" dirty="0" smtClean="0">
+                        <a:rPr lang="en-US" altLang="ja-JP" sz="900" kern="100" dirty="0" smtClean="0">
                           <a:effectLst/>
-                          <a:latin typeface="Century" panose="02040604050505020304" pitchFamily="18" charset="0"/>
+                          <a:latin typeface="+mj-lt"/>
                           <a:ea typeface="ＭＳ 明朝" panose="02020609040205080304" pitchFamily="17" charset="-128"/>
                           <a:cs typeface="Times New Roman" panose="02020603050405020304" pitchFamily="18" charset="0"/>
                         </a:rPr>
                         <a:t>1.7.0</a:t>
                       </a:r>
-                      <a:endParaRPr lang="ja-JP" sz="1000" kern="100" dirty="0">
+                      <a:endParaRPr lang="ja-JP" sz="900" kern="100" dirty="0">
                         <a:effectLst/>
-                        <a:latin typeface="Century" panose="02040604050505020304" pitchFamily="18" charset="0"/>
+                        <a:latin typeface="+mj-lt"/>
                         <a:ea typeface="ＭＳ 明朝" panose="02020609040205080304" pitchFamily="17" charset="-128"/>
                         <a:cs typeface="Times New Roman" panose="02020603050405020304" pitchFamily="18" charset="0"/>
                       </a:endParaRPr>
@@ -16729,20 +16815,22 @@
                         </a:spcAft>
                       </a:pPr>
                       <a:r>
-                        <a:rPr lang="en-US" altLang="ja-JP" sz="1050" kern="100" dirty="0" err="1" smtClean="0">
+                        <a:rPr lang="en-US" altLang="ja-JP" sz="1000" kern="100" dirty="0" err="1" smtClean="0">
                           <a:effectLst/>
+                          <a:latin typeface="+mj-lt"/>
                         </a:rPr>
                         <a:t>ansible</a:t>
                       </a:r>
                       <a:r>
-                        <a:rPr lang="en-US" altLang="ja-JP" sz="1050" kern="100" dirty="0" smtClean="0">
+                        <a:rPr lang="en-US" altLang="ja-JP" sz="1000" kern="100" dirty="0" smtClean="0">
                           <a:effectLst/>
+                          <a:latin typeface="+mj-lt"/>
                         </a:rPr>
                         <a:t>-driver</a:t>
                       </a:r>
-                      <a:endParaRPr lang="ja-JP" sz="1050" kern="100" dirty="0">
+                      <a:endParaRPr lang="ja-JP" sz="1000" kern="100" dirty="0">
                         <a:effectLst/>
-                        <a:latin typeface="Century" panose="02040604050505020304" pitchFamily="18" charset="0"/>
+                        <a:latin typeface="+mj-lt"/>
                         <a:ea typeface="ＭＳ 明朝" panose="02020609040205080304" pitchFamily="17" charset="-128"/>
                         <a:cs typeface="Times New Roman" panose="02020603050405020304" pitchFamily="18" charset="0"/>
                       </a:endParaRPr>
@@ -16765,17 +16853,17 @@
                         </a:spcAft>
                       </a:pPr>
                       <a:r>
-                        <a:rPr lang="en-US" altLang="ja-JP" sz="1050" kern="100" dirty="0" err="1" smtClean="0">
+                        <a:rPr lang="en-US" altLang="ja-JP" sz="1000" kern="100" dirty="0" err="1" smtClean="0">
                           <a:effectLst/>
-                          <a:latin typeface="+mn-lt"/>
+                          <a:latin typeface="+mj-lt"/>
                           <a:ea typeface="+mn-ea"/>
                           <a:cs typeface="+mn-cs"/>
                         </a:rPr>
                         <a:t>boto</a:t>
                       </a:r>
-                      <a:endParaRPr lang="ja-JP" sz="1050" kern="100" dirty="0">
+                      <a:endParaRPr lang="ja-JP" sz="1000" kern="100" dirty="0">
                         <a:effectLst/>
-                        <a:latin typeface="Century" panose="02040604050505020304" pitchFamily="18" charset="0"/>
+                        <a:latin typeface="+mj-lt"/>
                         <a:ea typeface="ＭＳ 明朝" panose="02020609040205080304" pitchFamily="17" charset="-128"/>
                         <a:cs typeface="Times New Roman" panose="02020603050405020304" pitchFamily="18" charset="0"/>
                       </a:endParaRPr>
@@ -16798,20 +16886,22 @@
                         </a:spcAft>
                       </a:pPr>
                       <a:r>
-                        <a:rPr lang="en-US" sz="1050" kern="100" dirty="0" smtClean="0">
+                        <a:rPr lang="en-US" sz="1000" kern="100" dirty="0" smtClean="0">
                           <a:effectLst/>
+                          <a:latin typeface="+mj-lt"/>
                         </a:rPr>
                         <a:t>Pip3 install </a:t>
                       </a:r>
                       <a:r>
-                        <a:rPr lang="en-US" sz="1050" kern="100" dirty="0" err="1" smtClean="0">
+                        <a:rPr lang="en-US" sz="1000" kern="100" dirty="0" err="1" smtClean="0">
                           <a:effectLst/>
+                          <a:latin typeface="+mj-lt"/>
                         </a:rPr>
                         <a:t>boto</a:t>
                       </a:r>
-                      <a:endParaRPr lang="ja-JP" sz="1050" kern="100" dirty="0">
+                      <a:endParaRPr lang="ja-JP" sz="1000" kern="100" dirty="0">
                         <a:effectLst/>
-                        <a:latin typeface="Segoe UI" panose="020B0502040204020203" pitchFamily="34" charset="0"/>
+                        <a:latin typeface="+mj-lt"/>
                         <a:ea typeface="ＭＳ 明朝" panose="02020609040205080304" pitchFamily="17" charset="-128"/>
                         <a:cs typeface="Segoe UI" panose="020B0502040204020203" pitchFamily="34" charset="0"/>
                       </a:endParaRPr>
@@ -16834,14 +16924,15 @@
                         </a:spcAft>
                       </a:pPr>
                       <a:r>
-                        <a:rPr lang="en-US" altLang="ja-JP" sz="1050" kern="100" dirty="0" smtClean="0">
+                        <a:rPr lang="en-US" altLang="ja-JP" sz="1000" kern="100" dirty="0" smtClean="0">
                           <a:effectLst/>
+                          <a:latin typeface="+mj-lt"/>
                         </a:rPr>
                         <a:t>-</a:t>
                       </a:r>
-                      <a:endParaRPr lang="ja-JP" sz="1050" kern="100" dirty="0">
+                      <a:endParaRPr lang="ja-JP" sz="1000" kern="100" dirty="0">
                         <a:effectLst/>
-                        <a:latin typeface="+mn-lt"/>
+                        <a:latin typeface="+mj-lt"/>
                         <a:ea typeface="ＭＳ 明朝" panose="02020609040205080304" pitchFamily="17" charset="-128"/>
                         <a:cs typeface="Segoe UI" panose="020B0502040204020203" pitchFamily="34" charset="0"/>
                       </a:endParaRPr>
@@ -16864,38 +16955,43 @@
                         </a:spcAft>
                       </a:pPr>
                       <a:r>
-                        <a:rPr lang="en-US" altLang="ja-JP" sz="1050" kern="100" dirty="0" smtClean="0">
+                        <a:rPr lang="en-US" altLang="ja-JP" sz="1000" kern="100" dirty="0" smtClean="0">
                           <a:effectLst/>
+                          <a:latin typeface="+mj-lt"/>
                         </a:rPr>
                         <a:t>Used for Ansible</a:t>
                       </a:r>
                       <a:r>
-                        <a:rPr lang="ja-JP" altLang="en-US" sz="1050" kern="100" dirty="0" smtClean="0">
+                        <a:rPr lang="ja-JP" altLang="en-US" sz="1000" kern="100" dirty="0" smtClean="0">
                           <a:effectLst/>
+                          <a:latin typeface="+mj-lt"/>
                         </a:rPr>
                         <a:t> </a:t>
                       </a:r>
                       <a:r>
-                        <a:rPr lang="en-US" altLang="ja-JP" sz="1050" kern="100" dirty="0" smtClean="0">
+                        <a:rPr lang="en-US" altLang="ja-JP" sz="1000" kern="100" dirty="0" smtClean="0">
                           <a:effectLst/>
+                          <a:latin typeface="+mj-lt"/>
                         </a:rPr>
                         <a:t>module’s </a:t>
                       </a:r>
                       <a:r>
-                        <a:rPr lang="en-US" altLang="ja-JP" sz="1050" kern="100" dirty="0" err="1" smtClean="0">
+                        <a:rPr lang="en-US" altLang="ja-JP" sz="1000" kern="100" dirty="0" err="1" smtClean="0">
                           <a:effectLst/>
+                          <a:latin typeface="+mj-lt"/>
                         </a:rPr>
                         <a:t>community.aws.iam</a:t>
                       </a:r>
                       <a:r>
-                        <a:rPr lang="ja-JP" altLang="en-US" sz="1050" kern="100" baseline="0" dirty="0" smtClean="0">
+                        <a:rPr lang="ja-JP" altLang="en-US" sz="1000" kern="100" baseline="0" dirty="0" smtClean="0">
                           <a:effectLst/>
+                          <a:latin typeface="+mj-lt"/>
                         </a:rPr>
                         <a:t> </a:t>
                       </a:r>
-                      <a:endParaRPr lang="ja-JP" sz="1050" kern="100" dirty="0">
+                      <a:endParaRPr lang="ja-JP" sz="1000" kern="100" dirty="0">
                         <a:effectLst/>
-                        <a:latin typeface="+mn-ea"/>
+                        <a:latin typeface="+mj-lt"/>
                         <a:ea typeface="+mn-ea"/>
                         <a:cs typeface="Segoe UI" panose="020B0502040204020203" pitchFamily="34" charset="0"/>
                       </a:endParaRPr>
@@ -16913,7 +17009,7 @@
                   </a:ext>
                 </a:extLst>
               </a:tr>
-              <a:tr h="323591">
+              <a:tr h="235861">
                 <a:tc>
                   <a:txBody>
                     <a:bodyPr/>
@@ -16925,17 +17021,17 @@
                         </a:spcAft>
                       </a:pPr>
                       <a:r>
-                        <a:rPr lang="en-US" altLang="ja-JP" sz="1000" kern="100" dirty="0" smtClean="0">
+                        <a:rPr lang="en-US" altLang="ja-JP" sz="900" kern="100" dirty="0" smtClean="0">
                           <a:effectLst/>
-                          <a:latin typeface="Century" panose="02040604050505020304" pitchFamily="18" charset="0"/>
+                          <a:latin typeface="+mj-lt"/>
                           <a:ea typeface="ＭＳ 明朝" panose="02020609040205080304" pitchFamily="17" charset="-128"/>
                           <a:cs typeface="Times New Roman" panose="02020603050405020304" pitchFamily="18" charset="0"/>
                         </a:rPr>
                         <a:t>1.7.1</a:t>
                       </a:r>
-                      <a:endParaRPr lang="ja-JP" sz="1000" kern="100" dirty="0">
+                      <a:endParaRPr lang="ja-JP" sz="900" kern="100" dirty="0">
                         <a:effectLst/>
-                        <a:latin typeface="Century" panose="02040604050505020304" pitchFamily="18" charset="0"/>
+                        <a:latin typeface="+mj-lt"/>
                         <a:ea typeface="ＭＳ 明朝" panose="02020609040205080304" pitchFamily="17" charset="-128"/>
                         <a:cs typeface="Times New Roman" panose="02020603050405020304" pitchFamily="18" charset="0"/>
                       </a:endParaRPr>
@@ -16970,17 +17066,17 @@
                         <a:defRPr/>
                       </a:pPr>
                       <a:r>
-                        <a:rPr lang="en-US" altLang="ja-JP" sz="1050" kern="100" dirty="0" smtClean="0">
+                        <a:rPr lang="en-US" altLang="ja-JP" sz="1000" kern="100" dirty="0" smtClean="0">
                           <a:effectLst/>
-                          <a:latin typeface="+mn-lt"/>
+                          <a:latin typeface="+mj-lt"/>
                           <a:ea typeface="ＭＳ 明朝" panose="02020609040205080304" pitchFamily="17" charset="-128"/>
                           <a:cs typeface="Times New Roman" panose="02020603050405020304" pitchFamily="18" charset="0"/>
                         </a:rPr>
                         <a:t>There are no libraries added in 1.7.1</a:t>
                       </a:r>
-                      <a:endParaRPr lang="ja-JP" altLang="ja-JP" sz="1050" kern="100" dirty="0" smtClean="0">
+                      <a:endParaRPr lang="ja-JP" altLang="ja-JP" sz="1000" kern="100" dirty="0" smtClean="0">
                         <a:effectLst/>
-                        <a:latin typeface="+mn-lt"/>
+                        <a:latin typeface="+mj-lt"/>
                         <a:ea typeface="ＭＳ 明朝" panose="02020609040205080304" pitchFamily="17" charset="-128"/>
                         <a:cs typeface="Times New Roman" panose="02020603050405020304" pitchFamily="18" charset="0"/>
                       </a:endParaRPr>
@@ -17038,7 +17134,7 @@
                   </a:ext>
                 </a:extLst>
               </a:tr>
-              <a:tr h="323591">
+              <a:tr h="207626">
                 <a:tc>
                   <a:txBody>
                     <a:bodyPr/>
@@ -17050,17 +17146,17 @@
                         </a:spcAft>
                       </a:pPr>
                       <a:r>
-                        <a:rPr lang="en-US" altLang="ja-JP" sz="1000" kern="100" dirty="0" smtClean="0">
+                        <a:rPr lang="en-US" altLang="ja-JP" sz="900" kern="100" dirty="0" smtClean="0">
                           <a:effectLst/>
-                          <a:latin typeface="Century" panose="02040604050505020304" pitchFamily="18" charset="0"/>
+                          <a:latin typeface="+mj-lt"/>
                           <a:ea typeface="ＭＳ 明朝" panose="02020609040205080304" pitchFamily="17" charset="-128"/>
                           <a:cs typeface="Times New Roman" panose="02020603050405020304" pitchFamily="18" charset="0"/>
                         </a:rPr>
                         <a:t>1.7.2</a:t>
                       </a:r>
-                      <a:endParaRPr lang="ja-JP" sz="1000" kern="100" dirty="0">
+                      <a:endParaRPr lang="ja-JP" sz="900" kern="100" dirty="0">
                         <a:effectLst/>
-                        <a:latin typeface="Century" panose="02040604050505020304" pitchFamily="18" charset="0"/>
+                        <a:latin typeface="+mj-lt"/>
                         <a:ea typeface="ＭＳ 明朝" panose="02020609040205080304" pitchFamily="17" charset="-128"/>
                         <a:cs typeface="Times New Roman" panose="02020603050405020304" pitchFamily="18" charset="0"/>
                       </a:endParaRPr>
@@ -17095,17 +17191,26 @@
                         <a:defRPr/>
                       </a:pPr>
                       <a:r>
-                        <a:rPr lang="en-US" altLang="ja-JP" sz="1050" kern="100" dirty="0" smtClean="0">
+                        <a:rPr lang="en-US" altLang="ja-JP" sz="1000" kern="100" dirty="0" smtClean="0">
                           <a:effectLst/>
-                          <a:latin typeface="+mn-lt"/>
+                          <a:latin typeface="+mj-lt"/>
                           <a:ea typeface="ＭＳ 明朝" panose="02020609040205080304" pitchFamily="17" charset="-128"/>
                           <a:cs typeface="Times New Roman" panose="02020603050405020304" pitchFamily="18" charset="0"/>
                         </a:rPr>
-                        <a:t>There are no libraries added in 1.7.1</a:t>
+                        <a:t>There are no libraries added in </a:t>
                       </a:r>
-                      <a:endParaRPr lang="ja-JP" altLang="ja-JP" sz="1050" kern="100" dirty="0" smtClean="0">
+                      <a:r>
+                        <a:rPr lang="en-US" altLang="ja-JP" sz="1000" kern="100" dirty="0" smtClean="0">
+                          <a:effectLst/>
+                          <a:latin typeface="+mj-lt"/>
+                          <a:ea typeface="ＭＳ 明朝" panose="02020609040205080304" pitchFamily="17" charset="-128"/>
+                          <a:cs typeface="Times New Roman" panose="02020603050405020304" pitchFamily="18" charset="0"/>
+                        </a:rPr>
+                        <a:t>1.7.2</a:t>
+                      </a:r>
+                      <a:endParaRPr lang="ja-JP" altLang="ja-JP" sz="1000" kern="100" dirty="0" smtClean="0">
                         <a:effectLst/>
-                        <a:latin typeface="+mn-lt"/>
+                        <a:latin typeface="+mj-lt"/>
                         <a:ea typeface="ＭＳ 明朝" panose="02020609040205080304" pitchFamily="17" charset="-128"/>
                         <a:cs typeface="Times New Roman" panose="02020603050405020304" pitchFamily="18" charset="0"/>
                       </a:endParaRPr>
@@ -17160,6 +17265,268 @@
                 <a:extLst>
                   <a:ext uri="{0D108BD9-81ED-4DB2-BD59-A6C34878D82A}">
                     <a16:rowId xmlns:a16="http://schemas.microsoft.com/office/drawing/2014/main" val="511279434"/>
+                  </a:ext>
+                </a:extLst>
+              </a:tr>
+              <a:tr h="207626">
+                <a:tc>
+                  <a:txBody>
+                    <a:bodyPr/>
+                    <a:lstStyle/>
+                    <a:p>
+                      <a:pPr algn="just">
+                        <a:spcAft>
+                          <a:spcPts val="0"/>
+                        </a:spcAft>
+                      </a:pPr>
+                      <a:r>
+                        <a:rPr lang="en-US" altLang="ja-JP" sz="900" kern="100" dirty="0" smtClean="0">
+                          <a:effectLst/>
+                          <a:latin typeface="+mj-lt"/>
+                          <a:ea typeface="ＭＳ 明朝" panose="02020609040205080304" pitchFamily="17" charset="-128"/>
+                          <a:cs typeface="Times New Roman" panose="02020603050405020304" pitchFamily="18" charset="0"/>
+                        </a:rPr>
+                        <a:t>1.8.0</a:t>
+                      </a:r>
+                    </a:p>
+                  </a:txBody>
+                  <a:tcPr marL="68580" marR="68580" marT="0" marB="0" anchor="ctr">
+                    <a:solidFill>
+                      <a:srgbClr val="002B62"/>
+                    </a:solidFill>
+                  </a:tcPr>
+                </a:tc>
+                <a:tc gridSpan="5">
+                  <a:txBody>
+                    <a:bodyPr/>
+                    <a:lstStyle/>
+                    <a:p>
+                      <a:pPr marL="0" marR="0" lvl="0" indent="0" algn="ctr" defTabSz="914400" rtl="0" eaLnBrk="1" fontAlgn="auto" latinLnBrk="0" hangingPunct="1">
+                        <a:lnSpc>
+                          <a:spcPct val="100000"/>
+                        </a:lnSpc>
+                        <a:spcBef>
+                          <a:spcPts val="0"/>
+                        </a:spcBef>
+                        <a:spcAft>
+                          <a:spcPts val="0"/>
+                        </a:spcAft>
+                        <a:buClrTx/>
+                        <a:buSzTx/>
+                        <a:buFontTx/>
+                        <a:buNone/>
+                        <a:tabLst/>
+                        <a:defRPr/>
+                      </a:pPr>
+                      <a:r>
+                        <a:rPr lang="en-US" altLang="ja-JP" sz="1000" kern="100" dirty="0" smtClean="0">
+                          <a:effectLst/>
+                          <a:latin typeface="+mj-lt"/>
+                          <a:ea typeface="ＭＳ 明朝" panose="02020609040205080304" pitchFamily="17" charset="-128"/>
+                          <a:cs typeface="Times New Roman" panose="02020603050405020304" pitchFamily="18" charset="0"/>
+                        </a:rPr>
+                        <a:t>There are no libraries added in </a:t>
+                      </a:r>
+                      <a:r>
+                        <a:rPr lang="en-US" altLang="ja-JP" sz="1000" kern="100" dirty="0" smtClean="0">
+                          <a:effectLst/>
+                          <a:latin typeface="+mj-lt"/>
+                          <a:ea typeface="ＭＳ 明朝" panose="02020609040205080304" pitchFamily="17" charset="-128"/>
+                          <a:cs typeface="Times New Roman" panose="02020603050405020304" pitchFamily="18" charset="0"/>
+                        </a:rPr>
+                        <a:t>1.8.0</a:t>
+                      </a:r>
+                      <a:endParaRPr lang="ja-JP" altLang="ja-JP" sz="1000" kern="100" dirty="0" smtClean="0">
+                        <a:effectLst/>
+                        <a:latin typeface="+mj-lt"/>
+                        <a:ea typeface="ＭＳ 明朝" panose="02020609040205080304" pitchFamily="17" charset="-128"/>
+                        <a:cs typeface="Times New Roman" panose="02020603050405020304" pitchFamily="18" charset="0"/>
+                      </a:endParaRPr>
+                    </a:p>
+                  </a:txBody>
+                  <a:tcPr marL="68580" marR="68580" marT="0" marB="0" anchor="ctr">
+                    <a:solidFill>
+                      <a:srgbClr val="CBCDD3"/>
+                    </a:solidFill>
+                  </a:tcPr>
+                </a:tc>
+                <a:tc hMerge="1">
+                  <a:txBody>
+                    <a:bodyPr/>
+                    <a:lstStyle/>
+                    <a:p>
+                      <a:endParaRPr kumimoji="1" lang="ja-JP" altLang="en-US"/>
+                    </a:p>
+                  </a:txBody>
+                  <a:tcPr/>
+                </a:tc>
+                <a:tc hMerge="1">
+                  <a:txBody>
+                    <a:bodyPr/>
+                    <a:lstStyle/>
+                    <a:p>
+                      <a:endParaRPr kumimoji="1" lang="ja-JP" altLang="en-US"/>
+                    </a:p>
+                  </a:txBody>
+                  <a:tcPr/>
+                </a:tc>
+                <a:tc hMerge="1">
+                  <a:txBody>
+                    <a:bodyPr/>
+                    <a:lstStyle/>
+                    <a:p>
+                      <a:endParaRPr kumimoji="1" lang="ja-JP" altLang="en-US"/>
+                    </a:p>
+                  </a:txBody>
+                  <a:tcPr/>
+                </a:tc>
+                <a:tc hMerge="1">
+                  <a:txBody>
+                    <a:bodyPr/>
+                    <a:lstStyle/>
+                    <a:p>
+                      <a:endParaRPr kumimoji="1" lang="ja-JP" altLang="en-US"/>
+                    </a:p>
+                  </a:txBody>
+                  <a:tcPr/>
+                </a:tc>
+                <a:extLst>
+                  <a:ext uri="{0D108BD9-81ED-4DB2-BD59-A6C34878D82A}">
+                    <a16:rowId xmlns:a16="http://schemas.microsoft.com/office/drawing/2014/main" val="2508850259"/>
+                  </a:ext>
+                </a:extLst>
+              </a:tr>
+              <a:tr h="207626">
+                <a:tc>
+                  <a:txBody>
+                    <a:bodyPr/>
+                    <a:lstStyle/>
+                    <a:p>
+                      <a:pPr algn="just">
+                        <a:spcAft>
+                          <a:spcPts val="0"/>
+                        </a:spcAft>
+                      </a:pPr>
+                      <a:r>
+                        <a:rPr lang="en-US" altLang="ja-JP" sz="900" kern="100" dirty="0" smtClean="0">
+                          <a:effectLst/>
+                          <a:latin typeface="+mj-lt"/>
+                          <a:ea typeface="ＭＳ 明朝" panose="02020609040205080304" pitchFamily="17" charset="-128"/>
+                          <a:cs typeface="Times New Roman" panose="02020603050405020304" pitchFamily="18" charset="0"/>
+                        </a:rPr>
+                        <a:t>1.8.1</a:t>
+                      </a:r>
+                      <a:endParaRPr lang="ja-JP" sz="900" kern="100" dirty="0">
+                        <a:effectLst/>
+                        <a:latin typeface="+mj-lt"/>
+                        <a:ea typeface="ＭＳ 明朝" panose="02020609040205080304" pitchFamily="17" charset="-128"/>
+                        <a:cs typeface="Times New Roman" panose="02020603050405020304" pitchFamily="18" charset="0"/>
+                      </a:endParaRPr>
+                    </a:p>
+                  </a:txBody>
+                  <a:tcPr marL="68580" marR="68580" marT="0" marB="0" anchor="ctr">
+                    <a:solidFill>
+                      <a:srgbClr val="002B62"/>
+                    </a:solidFill>
+                  </a:tcPr>
+                </a:tc>
+                <a:tc gridSpan="5">
+                  <a:txBody>
+                    <a:bodyPr/>
+                    <a:lstStyle/>
+                    <a:p>
+                      <a:pPr marL="0" marR="0" lvl="0" indent="0" algn="ctr" defTabSz="914400" rtl="0" eaLnBrk="1" fontAlgn="auto" latinLnBrk="0" hangingPunct="1">
+                        <a:lnSpc>
+                          <a:spcPct val="100000"/>
+                        </a:lnSpc>
+                        <a:spcBef>
+                          <a:spcPts val="0"/>
+                        </a:spcBef>
+                        <a:spcAft>
+                          <a:spcPts val="0"/>
+                        </a:spcAft>
+                        <a:buClrTx/>
+                        <a:buSzTx/>
+                        <a:buFontTx/>
+                        <a:buNone/>
+                        <a:tabLst/>
+                        <a:defRPr/>
+                      </a:pPr>
+                      <a:r>
+                        <a:rPr lang="en-US" altLang="ja-JP" sz="1000" kern="100" dirty="0" smtClean="0">
+                          <a:effectLst/>
+                          <a:latin typeface="+mj-lt"/>
+                          <a:ea typeface="ＭＳ 明朝" panose="02020609040205080304" pitchFamily="17" charset="-128"/>
+                          <a:cs typeface="Times New Roman" panose="02020603050405020304" pitchFamily="18" charset="0"/>
+                        </a:rPr>
+                        <a:t>There are no libraries added in </a:t>
+                      </a:r>
+                      <a:r>
+                        <a:rPr lang="en-US" altLang="ja-JP" sz="1000" kern="100" dirty="0" smtClean="0">
+                          <a:effectLst/>
+                          <a:latin typeface="+mj-lt"/>
+                          <a:ea typeface="ＭＳ 明朝" panose="02020609040205080304" pitchFamily="17" charset="-128"/>
+                          <a:cs typeface="Times New Roman" panose="02020603050405020304" pitchFamily="18" charset="0"/>
+                        </a:rPr>
+                        <a:t>1.8.1</a:t>
+                      </a:r>
+                      <a:endParaRPr lang="ja-JP" altLang="ja-JP" sz="1000" kern="100" dirty="0" smtClean="0">
+                        <a:effectLst/>
+                        <a:latin typeface="+mj-lt"/>
+                        <a:ea typeface="ＭＳ 明朝" panose="02020609040205080304" pitchFamily="17" charset="-128"/>
+                        <a:cs typeface="Times New Roman" panose="02020603050405020304" pitchFamily="18" charset="0"/>
+                      </a:endParaRPr>
+                    </a:p>
+                  </a:txBody>
+                  <a:tcPr marL="68580" marR="68580" marT="0" marB="0" anchor="ctr">
+                    <a:solidFill>
+                      <a:srgbClr val="CBCDD3"/>
+                    </a:solidFill>
+                  </a:tcPr>
+                </a:tc>
+                <a:tc hMerge="1">
+                  <a:txBody>
+                    <a:bodyPr/>
+                    <a:lstStyle/>
+                    <a:p>
+                      <a:endParaRPr kumimoji="1" lang="ja-JP" altLang="en-US"/>
+                    </a:p>
+                  </a:txBody>
+                  <a:tcPr/>
+                </a:tc>
+                <a:tc hMerge="1">
+                  <a:txBody>
+                    <a:bodyPr/>
+                    <a:lstStyle/>
+                    <a:p>
+                      <a:endParaRPr kumimoji="1" lang="ja-JP" altLang="en-US"/>
+                    </a:p>
+                  </a:txBody>
+                  <a:tcPr/>
+                </a:tc>
+                <a:tc hMerge="1">
+                  <a:txBody>
+                    <a:bodyPr/>
+                    <a:lstStyle/>
+                    <a:p>
+                      <a:endParaRPr kumimoji="1" lang="ja-JP" altLang="en-US"/>
+                    </a:p>
+                  </a:txBody>
+                  <a:tcPr/>
+                </a:tc>
+                <a:tc hMerge="1">
+                  <a:txBody>
+                    <a:bodyPr/>
+                    <a:lstStyle/>
+                    <a:p>
+                      <a:endParaRPr kumimoji="1" lang="ja-JP" altLang="en-US"/>
+                    </a:p>
+                  </a:txBody>
+                  <a:tcPr/>
+                </a:tc>
+                <a:extLst>
+                  <a:ext uri="{0D108BD9-81ED-4DB2-BD59-A6C34878D82A}">
+                    <a16:rowId xmlns:a16="http://schemas.microsoft.com/office/drawing/2014/main" val="4183350099"/>
                   </a:ext>
                 </a:extLst>
               </a:tr>
@@ -17283,7 +17650,7 @@
       </p:grpSpPr>
       <p:pic>
         <p:nvPicPr>
-          <p:cNvPr id="8" name="図 7"/>
+          <p:cNvPr id="4" name="図 3"/>
           <p:cNvPicPr>
             <a:picLocks noChangeAspect="1"/>
           </p:cNvPicPr>
@@ -17297,8 +17664,8 @@
         </p:blipFill>
         <p:spPr>
           <a:xfrm>
-            <a:off x="899919" y="1759742"/>
-            <a:ext cx="5688361" cy="4295751"/>
+            <a:off x="899919" y="1763542"/>
+            <a:ext cx="4911348" cy="4185808"/>
           </a:xfrm>
           <a:prstGeom prst="rect">
             <a:avLst/>

--- a/asset/Learn/ITA-version-up_en.pptx
+++ b/asset/Learn/ITA-version-up_en.pptx
@@ -6,10 +6,10 @@
     <p:sldMasterId id="2147483703" r:id="rId2"/>
   </p:sldMasterIdLst>
   <p:notesMasterIdLst>
-    <p:notesMasterId r:id="rId21"/>
+    <p:notesMasterId r:id="rId23"/>
   </p:notesMasterIdLst>
   <p:handoutMasterIdLst>
-    <p:handoutMasterId r:id="rId22"/>
+    <p:handoutMasterId r:id="rId24"/>
   </p:handoutMasterIdLst>
   <p:sldIdLst>
     <p:sldId id="262" r:id="rId3"/>
@@ -27,9 +27,11 @@
     <p:sldId id="521" r:id="rId15"/>
     <p:sldId id="522" r:id="rId16"/>
     <p:sldId id="523" r:id="rId17"/>
-    <p:sldId id="524" r:id="rId18"/>
-    <p:sldId id="527" r:id="rId19"/>
-    <p:sldId id="318" r:id="rId20"/>
+    <p:sldId id="538" r:id="rId18"/>
+    <p:sldId id="524" r:id="rId19"/>
+    <p:sldId id="527" r:id="rId20"/>
+    <p:sldId id="539" r:id="rId21"/>
+    <p:sldId id="318" r:id="rId22"/>
   </p:sldIdLst>
   <p:sldSz cx="9144000" cy="6858000" type="screen4x3"/>
   <p:notesSz cx="6807200" cy="9939338"/>
@@ -161,12 +163,14 @@
             <p14:sldId id="521"/>
             <p14:sldId id="522"/>
             <p14:sldId id="523"/>
+            <p14:sldId id="538"/>
           </p14:sldIdLst>
         </p14:section>
         <p14:section name="4.　ITA operation check" id="{997E25C5-536A-441F-84BA-3CB1FBC6F6F3}">
           <p14:sldIdLst>
             <p14:sldId id="524"/>
             <p14:sldId id="527"/>
+            <p14:sldId id="539"/>
             <p14:sldId id="318"/>
           </p14:sldIdLst>
         </p14:section>
@@ -316,7 +320,7 @@
               <a:rPr kumimoji="1" lang="ja-JP" altLang="en-US" smtClean="0">
                 <a:ea typeface="メイリオ" panose="020B0604030504040204" pitchFamily="50" charset="-128"/>
               </a:rPr>
-              <a:t>2021/10/12</a:t>
+              <a:t>2022/1/4</a:t>
             </a:fld>
             <a:endParaRPr kumimoji="1" lang="ja-JP" altLang="en-US" dirty="0">
               <a:ea typeface="メイリオ" panose="020B0604030504040204" pitchFamily="50" charset="-128"/>
@@ -462,7 +466,7 @@
             <a:fld id="{4B26993D-C081-44EB-B0F5-A9F467792B62}" type="datetimeFigureOut">
               <a:rPr lang="ja-JP" altLang="en-US" smtClean="0"/>
               <a:pPr/>
-              <a:t>2021/10/12</a:t>
+              <a:t>2022/1/4</a:t>
             </a:fld>
             <a:endParaRPr lang="ja-JP" altLang="en-US" dirty="0"/>
           </a:p>
@@ -1085,7 +1089,7 @@
           <a:p>
             <a:fld id="{56F9016B-CCA6-43BE-8BEE-59565A35F4F7}" type="datetimeFigureOut">
               <a:rPr kumimoji="1" lang="ja-JP" altLang="en-US" smtClean="0"/>
-              <a:t>2021/10/12</a:t>
+              <a:t>2022/1/4</a:t>
             </a:fld>
             <a:endParaRPr kumimoji="1" lang="ja-JP" altLang="en-US"/>
           </a:p>
@@ -1287,7 +1291,7 @@
           <a:p>
             <a:fld id="{56F9016B-CCA6-43BE-8BEE-59565A35F4F7}" type="datetimeFigureOut">
               <a:rPr kumimoji="1" lang="ja-JP" altLang="en-US" smtClean="0"/>
-              <a:t>2021/10/12</a:t>
+              <a:t>2022/1/4</a:t>
             </a:fld>
             <a:endParaRPr kumimoji="1" lang="ja-JP" altLang="en-US"/>
           </a:p>
@@ -1533,7 +1537,7 @@
           <a:p>
             <a:fld id="{56F9016B-CCA6-43BE-8BEE-59565A35F4F7}" type="datetimeFigureOut">
               <a:rPr kumimoji="1" lang="ja-JP" altLang="en-US" smtClean="0"/>
-              <a:t>2021/10/12</a:t>
+              <a:t>2022/1/4</a:t>
             </a:fld>
             <a:endParaRPr kumimoji="1" lang="ja-JP" altLang="en-US"/>
           </a:p>
@@ -1829,7 +1833,7 @@
           <a:p>
             <a:fld id="{56F9016B-CCA6-43BE-8BEE-59565A35F4F7}" type="datetimeFigureOut">
               <a:rPr kumimoji="1" lang="ja-JP" altLang="en-US" smtClean="0"/>
-              <a:t>2021/10/12</a:t>
+              <a:t>2022/1/4</a:t>
             </a:fld>
             <a:endParaRPr kumimoji="1" lang="ja-JP" altLang="en-US"/>
           </a:p>
@@ -2260,7 +2264,7 @@
           <a:p>
             <a:fld id="{56F9016B-CCA6-43BE-8BEE-59565A35F4F7}" type="datetimeFigureOut">
               <a:rPr kumimoji="1" lang="ja-JP" altLang="en-US" smtClean="0"/>
-              <a:t>2021/10/12</a:t>
+              <a:t>2022/1/4</a:t>
             </a:fld>
             <a:endParaRPr kumimoji="1" lang="ja-JP" altLang="en-US"/>
           </a:p>
@@ -2378,7 +2382,7 @@
           <a:p>
             <a:fld id="{56F9016B-CCA6-43BE-8BEE-59565A35F4F7}" type="datetimeFigureOut">
               <a:rPr kumimoji="1" lang="ja-JP" altLang="en-US" smtClean="0"/>
-              <a:t>2021/10/12</a:t>
+              <a:t>2022/1/4</a:t>
             </a:fld>
             <a:endParaRPr kumimoji="1" lang="ja-JP" altLang="en-US"/>
           </a:p>
@@ -2473,7 +2477,7 @@
           <a:p>
             <a:fld id="{56F9016B-CCA6-43BE-8BEE-59565A35F4F7}" type="datetimeFigureOut">
               <a:rPr kumimoji="1" lang="ja-JP" altLang="en-US" smtClean="0"/>
-              <a:t>2021/10/12</a:t>
+              <a:t>2022/1/4</a:t>
             </a:fld>
             <a:endParaRPr kumimoji="1" lang="ja-JP" altLang="en-US"/>
           </a:p>
@@ -2782,7 +2786,7 @@
           <a:p>
             <a:fld id="{56F9016B-CCA6-43BE-8BEE-59565A35F4F7}" type="datetimeFigureOut">
               <a:rPr kumimoji="1" lang="ja-JP" altLang="en-US" smtClean="0"/>
-              <a:t>2021/10/12</a:t>
+              <a:t>2022/1/4</a:t>
             </a:fld>
             <a:endParaRPr kumimoji="1" lang="ja-JP" altLang="en-US"/>
           </a:p>
@@ -3035,7 +3039,7 @@
           <a:p>
             <a:fld id="{56F9016B-CCA6-43BE-8BEE-59565A35F4F7}" type="datetimeFigureOut">
               <a:rPr kumimoji="1" lang="ja-JP" altLang="en-US" smtClean="0"/>
-              <a:t>2021/10/12</a:t>
+              <a:t>2022/1/4</a:t>
             </a:fld>
             <a:endParaRPr kumimoji="1" lang="ja-JP" altLang="en-US"/>
           </a:p>
@@ -3312,7 +3316,7 @@
           <a:p>
             <a:fld id="{56F9016B-CCA6-43BE-8BEE-59565A35F4F7}" type="datetimeFigureOut">
               <a:rPr kumimoji="1" lang="ja-JP" altLang="en-US" smtClean="0"/>
-              <a:t>2021/10/12</a:t>
+              <a:t>2022/1/4</a:t>
             </a:fld>
             <a:endParaRPr kumimoji="1" lang="ja-JP" altLang="en-US"/>
           </a:p>
@@ -3524,7 +3528,7 @@
           <a:p>
             <a:fld id="{56F9016B-CCA6-43BE-8BEE-59565A35F4F7}" type="datetimeFigureOut">
               <a:rPr kumimoji="1" lang="ja-JP" altLang="en-US" smtClean="0"/>
-              <a:t>2021/10/12</a:t>
+              <a:t>2022/1/4</a:t>
             </a:fld>
             <a:endParaRPr kumimoji="1" lang="ja-JP" altLang="en-US"/>
           </a:p>
@@ -6583,7 +6587,7 @@
           <a:p>
             <a:fld id="{56F9016B-CCA6-43BE-8BEE-59565A35F4F7}" type="datetimeFigureOut">
               <a:rPr kumimoji="1" lang="ja-JP" altLang="en-US" smtClean="0"/>
-              <a:t>2021/10/12</a:t>
+              <a:t>2022/1/4</a:t>
             </a:fld>
             <a:endParaRPr kumimoji="1" lang="ja-JP" altLang="en-US"/>
           </a:p>
@@ -7017,8 +7021,13 @@
           <a:p>
             <a:r>
               <a:rPr lang="en-US" altLang="ja-JP" dirty="0"/>
-              <a:t>Exastro IT Automation Version 1.8.1 </a:t>
-            </a:r>
+              <a:t>Exastro IT Automation Version </a:t>
+            </a:r>
+            <a:r>
+              <a:rPr lang="en-US" altLang="ja-JP" dirty="0" smtClean="0"/>
+              <a:t>1.9 </a:t>
+            </a:r>
+            <a:endParaRPr lang="en-US" altLang="ja-JP" dirty="0"/>
           </a:p>
           <a:p>
             <a:r>
@@ -7565,7 +7574,7 @@
             </a:r>
             <a:r>
               <a:rPr lang="en-US" altLang="ja-JP" dirty="0" smtClean="0"/>
-              <a:t>1/6</a:t>
+              <a:t>1/7</a:t>
             </a:r>
             <a:r>
               <a:rPr lang="ja-JP" altLang="en-US" dirty="0" smtClean="0"/>
@@ -7602,19 +7611,7 @@
             </a:pPr>
             <a:r>
               <a:rPr lang="en-US" altLang="ja-JP" dirty="0" smtClean="0"/>
-              <a:t>*</a:t>
-            </a:r>
-            <a:r>
-              <a:rPr lang="en-US" altLang="ja-JP" dirty="0" smtClean="0"/>
-              <a:t>Run the</a:t>
-            </a:r>
-            <a:r>
-              <a:rPr lang="en-US" altLang="ja-JP" dirty="0" smtClean="0"/>
-              <a:t> </a:t>
-            </a:r>
-            <a:r>
-              <a:rPr lang="en-US" altLang="ja-JP" dirty="0" smtClean="0"/>
-              <a:t>update as root user.</a:t>
+              <a:t>*Run the update as root user.</a:t>
             </a:r>
           </a:p>
           <a:p>
@@ -7653,8 +7650,8 @@
               <a:t>Download file from </a:t>
             </a:r>
             <a:r>
-              <a:rPr lang="en-US" altLang="ja-JP" dirty="0" err="1" smtClean="0"/>
-              <a:t>Github</a:t>
+              <a:rPr lang="en-US" altLang="ja-JP" dirty="0" smtClean="0"/>
+              <a:t>GitHub</a:t>
             </a:r>
             <a:endParaRPr lang="en-US" altLang="ja-JP" dirty="0"/>
           </a:p>
@@ -9896,7 +9893,7 @@
             </a:r>
             <a:r>
               <a:rPr lang="en-US" altLang="ja-JP" dirty="0" smtClean="0"/>
-              <a:t>2/6</a:t>
+              <a:t>2/7</a:t>
             </a:r>
             <a:r>
               <a:rPr lang="ja-JP" altLang="en-US" dirty="0" smtClean="0"/>
@@ -10147,7 +10144,7 @@
             </a:r>
             <a:r>
               <a:rPr lang="en-US" altLang="ja-JP" dirty="0" smtClean="0"/>
-              <a:t>3/6</a:t>
+              <a:t>3/7</a:t>
             </a:r>
             <a:r>
               <a:rPr lang="ja-JP" altLang="en-US" dirty="0" smtClean="0"/>
@@ -10365,12 +10362,8 @@
               <a:t>（</a:t>
             </a:r>
             <a:r>
-              <a:rPr lang="en-US" altLang="ja-JP" dirty="0"/>
-              <a:t>4</a:t>
-            </a:r>
-            <a:r>
               <a:rPr lang="en-US" altLang="ja-JP" dirty="0" smtClean="0"/>
-              <a:t>/6</a:t>
+              <a:t>4/7</a:t>
             </a:r>
             <a:r>
               <a:rPr lang="ja-JP" altLang="en-US" dirty="0" smtClean="0"/>
@@ -13762,12 +13755,8 @@
               <a:t>（</a:t>
             </a:r>
             <a:r>
-              <a:rPr lang="en-US" altLang="ja-JP" dirty="0"/>
-              <a:t>5</a:t>
-            </a:r>
-            <a:r>
               <a:rPr lang="en-US" altLang="ja-JP" dirty="0" smtClean="0"/>
-              <a:t>/6</a:t>
+              <a:t>5/7</a:t>
             </a:r>
             <a:r>
               <a:rPr lang="ja-JP" altLang="en-US" dirty="0" smtClean="0"/>
@@ -14084,7 +14073,7 @@
             </a:r>
             <a:r>
               <a:rPr lang="en-US" altLang="ja-JP" dirty="0" smtClean="0"/>
-              <a:t>6/6</a:t>
+              <a:t>6/7</a:t>
             </a:r>
             <a:r>
               <a:rPr lang="ja-JP" altLang="en-US" dirty="0" smtClean="0"/>
@@ -14223,14 +14212,14 @@
           <p:nvPr>
             <p:extLst>
               <p:ext uri="{D42A27DB-BD31-4B8C-83A1-F6EECF244321}">
-                <p14:modId xmlns:p14="http://schemas.microsoft.com/office/powerpoint/2010/main" val="1066804328"/>
+                <p14:modId xmlns:p14="http://schemas.microsoft.com/office/powerpoint/2010/main" val="2332206686"/>
               </p:ext>
             </p:extLst>
           </p:nvPr>
         </p:nvGraphicFramePr>
         <p:xfrm>
           <a:off x="122224" y="2077579"/>
-          <a:ext cx="8819131" cy="4387465"/>
+          <a:ext cx="8819131" cy="3972213"/>
         </p:xfrm>
         <a:graphic>
           <a:graphicData uri="http://schemas.openxmlformats.org/drawingml/2006/table">
@@ -17197,16 +17186,7 @@
                           <a:ea typeface="ＭＳ 明朝" panose="02020609040205080304" pitchFamily="17" charset="-128"/>
                           <a:cs typeface="Times New Roman" panose="02020603050405020304" pitchFamily="18" charset="0"/>
                         </a:rPr>
-                        <a:t>There are no libraries added in </a:t>
-                      </a:r>
-                      <a:r>
-                        <a:rPr lang="en-US" altLang="ja-JP" sz="1000" kern="100" dirty="0" smtClean="0">
-                          <a:effectLst/>
-                          <a:latin typeface="+mj-lt"/>
-                          <a:ea typeface="ＭＳ 明朝" panose="02020609040205080304" pitchFamily="17" charset="-128"/>
-                          <a:cs typeface="Times New Roman" panose="02020603050405020304" pitchFamily="18" charset="0"/>
-                        </a:rPr>
-                        <a:t>1.7.2</a:t>
+                        <a:t>There are no libraries added in 1.7.2</a:t>
                       </a:r>
                       <a:endParaRPr lang="ja-JP" altLang="ja-JP" sz="1000" kern="100" dirty="0" smtClean="0">
                         <a:effectLst/>
@@ -17268,268 +17248,6 @@
                   </a:ext>
                 </a:extLst>
               </a:tr>
-              <a:tr h="207626">
-                <a:tc>
-                  <a:txBody>
-                    <a:bodyPr/>
-                    <a:lstStyle/>
-                    <a:p>
-                      <a:pPr algn="just">
-                        <a:spcAft>
-                          <a:spcPts val="0"/>
-                        </a:spcAft>
-                      </a:pPr>
-                      <a:r>
-                        <a:rPr lang="en-US" altLang="ja-JP" sz="900" kern="100" dirty="0" smtClean="0">
-                          <a:effectLst/>
-                          <a:latin typeface="+mj-lt"/>
-                          <a:ea typeface="ＭＳ 明朝" panose="02020609040205080304" pitchFamily="17" charset="-128"/>
-                          <a:cs typeface="Times New Roman" panose="02020603050405020304" pitchFamily="18" charset="0"/>
-                        </a:rPr>
-                        <a:t>1.8.0</a:t>
-                      </a:r>
-                    </a:p>
-                  </a:txBody>
-                  <a:tcPr marL="68580" marR="68580" marT="0" marB="0" anchor="ctr">
-                    <a:solidFill>
-                      <a:srgbClr val="002B62"/>
-                    </a:solidFill>
-                  </a:tcPr>
-                </a:tc>
-                <a:tc gridSpan="5">
-                  <a:txBody>
-                    <a:bodyPr/>
-                    <a:lstStyle/>
-                    <a:p>
-                      <a:pPr marL="0" marR="0" lvl="0" indent="0" algn="ctr" defTabSz="914400" rtl="0" eaLnBrk="1" fontAlgn="auto" latinLnBrk="0" hangingPunct="1">
-                        <a:lnSpc>
-                          <a:spcPct val="100000"/>
-                        </a:lnSpc>
-                        <a:spcBef>
-                          <a:spcPts val="0"/>
-                        </a:spcBef>
-                        <a:spcAft>
-                          <a:spcPts val="0"/>
-                        </a:spcAft>
-                        <a:buClrTx/>
-                        <a:buSzTx/>
-                        <a:buFontTx/>
-                        <a:buNone/>
-                        <a:tabLst/>
-                        <a:defRPr/>
-                      </a:pPr>
-                      <a:r>
-                        <a:rPr lang="en-US" altLang="ja-JP" sz="1000" kern="100" dirty="0" smtClean="0">
-                          <a:effectLst/>
-                          <a:latin typeface="+mj-lt"/>
-                          <a:ea typeface="ＭＳ 明朝" panose="02020609040205080304" pitchFamily="17" charset="-128"/>
-                          <a:cs typeface="Times New Roman" panose="02020603050405020304" pitchFamily="18" charset="0"/>
-                        </a:rPr>
-                        <a:t>There are no libraries added in </a:t>
-                      </a:r>
-                      <a:r>
-                        <a:rPr lang="en-US" altLang="ja-JP" sz="1000" kern="100" dirty="0" smtClean="0">
-                          <a:effectLst/>
-                          <a:latin typeface="+mj-lt"/>
-                          <a:ea typeface="ＭＳ 明朝" panose="02020609040205080304" pitchFamily="17" charset="-128"/>
-                          <a:cs typeface="Times New Roman" panose="02020603050405020304" pitchFamily="18" charset="0"/>
-                        </a:rPr>
-                        <a:t>1.8.0</a:t>
-                      </a:r>
-                      <a:endParaRPr lang="ja-JP" altLang="ja-JP" sz="1000" kern="100" dirty="0" smtClean="0">
-                        <a:effectLst/>
-                        <a:latin typeface="+mj-lt"/>
-                        <a:ea typeface="ＭＳ 明朝" panose="02020609040205080304" pitchFamily="17" charset="-128"/>
-                        <a:cs typeface="Times New Roman" panose="02020603050405020304" pitchFamily="18" charset="0"/>
-                      </a:endParaRPr>
-                    </a:p>
-                  </a:txBody>
-                  <a:tcPr marL="68580" marR="68580" marT="0" marB="0" anchor="ctr">
-                    <a:solidFill>
-                      <a:srgbClr val="CBCDD3"/>
-                    </a:solidFill>
-                  </a:tcPr>
-                </a:tc>
-                <a:tc hMerge="1">
-                  <a:txBody>
-                    <a:bodyPr/>
-                    <a:lstStyle/>
-                    <a:p>
-                      <a:endParaRPr kumimoji="1" lang="ja-JP" altLang="en-US"/>
-                    </a:p>
-                  </a:txBody>
-                  <a:tcPr/>
-                </a:tc>
-                <a:tc hMerge="1">
-                  <a:txBody>
-                    <a:bodyPr/>
-                    <a:lstStyle/>
-                    <a:p>
-                      <a:endParaRPr kumimoji="1" lang="ja-JP" altLang="en-US"/>
-                    </a:p>
-                  </a:txBody>
-                  <a:tcPr/>
-                </a:tc>
-                <a:tc hMerge="1">
-                  <a:txBody>
-                    <a:bodyPr/>
-                    <a:lstStyle/>
-                    <a:p>
-                      <a:endParaRPr kumimoji="1" lang="ja-JP" altLang="en-US"/>
-                    </a:p>
-                  </a:txBody>
-                  <a:tcPr/>
-                </a:tc>
-                <a:tc hMerge="1">
-                  <a:txBody>
-                    <a:bodyPr/>
-                    <a:lstStyle/>
-                    <a:p>
-                      <a:endParaRPr kumimoji="1" lang="ja-JP" altLang="en-US"/>
-                    </a:p>
-                  </a:txBody>
-                  <a:tcPr/>
-                </a:tc>
-                <a:extLst>
-                  <a:ext uri="{0D108BD9-81ED-4DB2-BD59-A6C34878D82A}">
-                    <a16:rowId xmlns:a16="http://schemas.microsoft.com/office/drawing/2014/main" val="2508850259"/>
-                  </a:ext>
-                </a:extLst>
-              </a:tr>
-              <a:tr h="207626">
-                <a:tc>
-                  <a:txBody>
-                    <a:bodyPr/>
-                    <a:lstStyle/>
-                    <a:p>
-                      <a:pPr algn="just">
-                        <a:spcAft>
-                          <a:spcPts val="0"/>
-                        </a:spcAft>
-                      </a:pPr>
-                      <a:r>
-                        <a:rPr lang="en-US" altLang="ja-JP" sz="900" kern="100" dirty="0" smtClean="0">
-                          <a:effectLst/>
-                          <a:latin typeface="+mj-lt"/>
-                          <a:ea typeface="ＭＳ 明朝" panose="02020609040205080304" pitchFamily="17" charset="-128"/>
-                          <a:cs typeface="Times New Roman" panose="02020603050405020304" pitchFamily="18" charset="0"/>
-                        </a:rPr>
-                        <a:t>1.8.1</a:t>
-                      </a:r>
-                      <a:endParaRPr lang="ja-JP" sz="900" kern="100" dirty="0">
-                        <a:effectLst/>
-                        <a:latin typeface="+mj-lt"/>
-                        <a:ea typeface="ＭＳ 明朝" panose="02020609040205080304" pitchFamily="17" charset="-128"/>
-                        <a:cs typeface="Times New Roman" panose="02020603050405020304" pitchFamily="18" charset="0"/>
-                      </a:endParaRPr>
-                    </a:p>
-                  </a:txBody>
-                  <a:tcPr marL="68580" marR="68580" marT="0" marB="0" anchor="ctr">
-                    <a:solidFill>
-                      <a:srgbClr val="002B62"/>
-                    </a:solidFill>
-                  </a:tcPr>
-                </a:tc>
-                <a:tc gridSpan="5">
-                  <a:txBody>
-                    <a:bodyPr/>
-                    <a:lstStyle/>
-                    <a:p>
-                      <a:pPr marL="0" marR="0" lvl="0" indent="0" algn="ctr" defTabSz="914400" rtl="0" eaLnBrk="1" fontAlgn="auto" latinLnBrk="0" hangingPunct="1">
-                        <a:lnSpc>
-                          <a:spcPct val="100000"/>
-                        </a:lnSpc>
-                        <a:spcBef>
-                          <a:spcPts val="0"/>
-                        </a:spcBef>
-                        <a:spcAft>
-                          <a:spcPts val="0"/>
-                        </a:spcAft>
-                        <a:buClrTx/>
-                        <a:buSzTx/>
-                        <a:buFontTx/>
-                        <a:buNone/>
-                        <a:tabLst/>
-                        <a:defRPr/>
-                      </a:pPr>
-                      <a:r>
-                        <a:rPr lang="en-US" altLang="ja-JP" sz="1000" kern="100" dirty="0" smtClean="0">
-                          <a:effectLst/>
-                          <a:latin typeface="+mj-lt"/>
-                          <a:ea typeface="ＭＳ 明朝" panose="02020609040205080304" pitchFamily="17" charset="-128"/>
-                          <a:cs typeface="Times New Roman" panose="02020603050405020304" pitchFamily="18" charset="0"/>
-                        </a:rPr>
-                        <a:t>There are no libraries added in </a:t>
-                      </a:r>
-                      <a:r>
-                        <a:rPr lang="en-US" altLang="ja-JP" sz="1000" kern="100" dirty="0" smtClean="0">
-                          <a:effectLst/>
-                          <a:latin typeface="+mj-lt"/>
-                          <a:ea typeface="ＭＳ 明朝" panose="02020609040205080304" pitchFamily="17" charset="-128"/>
-                          <a:cs typeface="Times New Roman" panose="02020603050405020304" pitchFamily="18" charset="0"/>
-                        </a:rPr>
-                        <a:t>1.8.1</a:t>
-                      </a:r>
-                      <a:endParaRPr lang="ja-JP" altLang="ja-JP" sz="1000" kern="100" dirty="0" smtClean="0">
-                        <a:effectLst/>
-                        <a:latin typeface="+mj-lt"/>
-                        <a:ea typeface="ＭＳ 明朝" panose="02020609040205080304" pitchFamily="17" charset="-128"/>
-                        <a:cs typeface="Times New Roman" panose="02020603050405020304" pitchFamily="18" charset="0"/>
-                      </a:endParaRPr>
-                    </a:p>
-                  </a:txBody>
-                  <a:tcPr marL="68580" marR="68580" marT="0" marB="0" anchor="ctr">
-                    <a:solidFill>
-                      <a:srgbClr val="CBCDD3"/>
-                    </a:solidFill>
-                  </a:tcPr>
-                </a:tc>
-                <a:tc hMerge="1">
-                  <a:txBody>
-                    <a:bodyPr/>
-                    <a:lstStyle/>
-                    <a:p>
-                      <a:endParaRPr kumimoji="1" lang="ja-JP" altLang="en-US"/>
-                    </a:p>
-                  </a:txBody>
-                  <a:tcPr/>
-                </a:tc>
-                <a:tc hMerge="1">
-                  <a:txBody>
-                    <a:bodyPr/>
-                    <a:lstStyle/>
-                    <a:p>
-                      <a:endParaRPr kumimoji="1" lang="ja-JP" altLang="en-US"/>
-                    </a:p>
-                  </a:txBody>
-                  <a:tcPr/>
-                </a:tc>
-                <a:tc hMerge="1">
-                  <a:txBody>
-                    <a:bodyPr/>
-                    <a:lstStyle/>
-                    <a:p>
-                      <a:endParaRPr kumimoji="1" lang="ja-JP" altLang="en-US"/>
-                    </a:p>
-                  </a:txBody>
-                  <a:tcPr/>
-                </a:tc>
-                <a:tc hMerge="1">
-                  <a:txBody>
-                    <a:bodyPr/>
-                    <a:lstStyle/>
-                    <a:p>
-                      <a:endParaRPr kumimoji="1" lang="ja-JP" altLang="en-US"/>
-                    </a:p>
-                  </a:txBody>
-                  <a:tcPr/>
-                </a:tc>
-                <a:extLst>
-                  <a:ext uri="{0D108BD9-81ED-4DB2-BD59-A6C34878D82A}">
-                    <a16:rowId xmlns:a16="http://schemas.microsoft.com/office/drawing/2014/main" val="4183350099"/>
-                  </a:ext>
-                </a:extLst>
-              </a:tr>
             </a:tbl>
           </a:graphicData>
         </a:graphic>
@@ -17581,6 +17299,1001 @@
             <p:ph type="title"/>
           </p:nvPr>
         </p:nvSpPr>
+        <p:spPr/>
+        <p:txBody>
+          <a:bodyPr/>
+          <a:lstStyle/>
+          <a:p>
+            <a:r>
+              <a:rPr lang="en-US" altLang="ja-JP" dirty="0" smtClean="0"/>
+              <a:t>3.8</a:t>
+            </a:r>
+            <a:r>
+              <a:rPr lang="ja-JP" altLang="en-US" dirty="0"/>
+              <a:t>　</a:t>
+            </a:r>
+            <a:r>
+              <a:rPr lang="en-US" altLang="ja-JP" dirty="0" smtClean="0"/>
+              <a:t>Update</a:t>
+            </a:r>
+            <a:r>
+              <a:rPr lang="ja-JP" altLang="en-US" dirty="0" smtClean="0"/>
+              <a:t>（</a:t>
+            </a:r>
+            <a:r>
+              <a:rPr lang="en-US" altLang="ja-JP" dirty="0" smtClean="0"/>
+              <a:t>7/7</a:t>
+            </a:r>
+            <a:r>
+              <a:rPr lang="ja-JP" altLang="en-US" dirty="0" smtClean="0"/>
+              <a:t>）</a:t>
+            </a:r>
+            <a:endParaRPr kumimoji="1" lang="ja-JP" altLang="en-US" dirty="0"/>
+          </a:p>
+        </p:txBody>
+      </p:sp>
+      <p:graphicFrame>
+        <p:nvGraphicFramePr>
+          <p:cNvPr id="6" name="表 5"/>
+          <p:cNvGraphicFramePr>
+            <a:graphicFrameLocks noGrp="1"/>
+          </p:cNvGraphicFramePr>
+          <p:nvPr>
+            <p:extLst>
+              <p:ext uri="{D42A27DB-BD31-4B8C-83A1-F6EECF244321}">
+                <p14:modId xmlns:p14="http://schemas.microsoft.com/office/powerpoint/2010/main" val="1161333260"/>
+              </p:ext>
+            </p:extLst>
+          </p:nvPr>
+        </p:nvGraphicFramePr>
+        <p:xfrm>
+          <a:off x="179512" y="908650"/>
+          <a:ext cx="8819131" cy="1219966"/>
+        </p:xfrm>
+        <a:graphic>
+          <a:graphicData uri="http://schemas.openxmlformats.org/drawingml/2006/table">
+            <a:tbl>
+              <a:tblPr firstRow="1" firstCol="1" bandRow="1">
+                <a:tableStyleId>{93296810-A885-4BE3-A3E7-6D5BEEA58F35}</a:tableStyleId>
+              </a:tblPr>
+              <a:tblGrid>
+                <a:gridCol w="936130">
+                  <a:extLst>
+                    <a:ext uri="{9D8B030D-6E8A-4147-A177-3AD203B41FA5}">
+                      <a16:colId xmlns:a16="http://schemas.microsoft.com/office/drawing/2014/main" val="20000"/>
+                    </a:ext>
+                  </a:extLst>
+                </a:gridCol>
+                <a:gridCol w="1115060">
+                  <a:extLst>
+                    <a:ext uri="{9D8B030D-6E8A-4147-A177-3AD203B41FA5}">
+                      <a16:colId xmlns:a16="http://schemas.microsoft.com/office/drawing/2014/main" val="152993547"/>
+                    </a:ext>
+                  </a:extLst>
+                </a:gridCol>
+                <a:gridCol w="1035050">
+                  <a:extLst>
+                    <a:ext uri="{9D8B030D-6E8A-4147-A177-3AD203B41FA5}">
+                      <a16:colId xmlns:a16="http://schemas.microsoft.com/office/drawing/2014/main" val="20001"/>
+                    </a:ext>
+                  </a:extLst>
+                </a:gridCol>
+                <a:gridCol w="1798511">
+                  <a:extLst>
+                    <a:ext uri="{9D8B030D-6E8A-4147-A177-3AD203B41FA5}">
+                      <a16:colId xmlns:a16="http://schemas.microsoft.com/office/drawing/2014/main" val="20002"/>
+                    </a:ext>
+                  </a:extLst>
+                </a:gridCol>
+                <a:gridCol w="731907">
+                  <a:extLst>
+                    <a:ext uri="{9D8B030D-6E8A-4147-A177-3AD203B41FA5}">
+                      <a16:colId xmlns:a16="http://schemas.microsoft.com/office/drawing/2014/main" val="2782429275"/>
+                    </a:ext>
+                  </a:extLst>
+                </a:gridCol>
+                <a:gridCol w="3202473">
+                  <a:extLst>
+                    <a:ext uri="{9D8B030D-6E8A-4147-A177-3AD203B41FA5}">
+                      <a16:colId xmlns:a16="http://schemas.microsoft.com/office/drawing/2014/main" val="1389011001"/>
+                    </a:ext>
+                  </a:extLst>
+                </a:gridCol>
+              </a:tblGrid>
+              <a:tr h="410730">
+                <a:tc>
+                  <a:txBody>
+                    <a:bodyPr/>
+                    <a:lstStyle/>
+                    <a:p>
+                      <a:pPr algn="just">
+                        <a:spcAft>
+                          <a:spcPts val="0"/>
+                        </a:spcAft>
+                      </a:pPr>
+                      <a:r>
+                        <a:rPr lang="en-US" altLang="ja-JP" sz="1000" kern="100" smtClean="0">
+                          <a:effectLst/>
+                          <a:latin typeface="+mj-lt"/>
+                          <a:ea typeface="+mn-ea"/>
+                          <a:cs typeface="+mn-cs"/>
+                        </a:rPr>
+                        <a:t>Version</a:t>
+                      </a:r>
+                      <a:endParaRPr lang="ja-JP" sz="1000" kern="100" dirty="0">
+                        <a:effectLst/>
+                        <a:latin typeface="+mj-lt"/>
+                        <a:ea typeface="ＭＳ 明朝" panose="02020609040205080304" pitchFamily="17" charset="-128"/>
+                        <a:cs typeface="Times New Roman" panose="02020603050405020304" pitchFamily="18" charset="0"/>
+                      </a:endParaRPr>
+                    </a:p>
+                  </a:txBody>
+                  <a:tcPr marL="68580" marR="68580" marT="0" marB="0" anchor="ctr"/>
+                </a:tc>
+                <a:tc>
+                  <a:txBody>
+                    <a:bodyPr/>
+                    <a:lstStyle/>
+                    <a:p>
+                      <a:pPr algn="just">
+                        <a:spcAft>
+                          <a:spcPts val="0"/>
+                        </a:spcAft>
+                      </a:pPr>
+                      <a:r>
+                        <a:rPr lang="en-US" altLang="ja-JP" sz="1000" kern="0" smtClean="0">
+                          <a:effectLst/>
+                          <a:latin typeface="+mj-lt"/>
+                        </a:rPr>
+                        <a:t>Installed</a:t>
+                      </a:r>
+                      <a:r>
+                        <a:rPr lang="en-US" altLang="ja-JP" sz="1000" kern="0" baseline="0" smtClean="0">
+                          <a:effectLst/>
+                          <a:latin typeface="+mj-lt"/>
+                        </a:rPr>
+                        <a:t> driver</a:t>
+                      </a:r>
+                      <a:endParaRPr lang="ja-JP" sz="1000" kern="100" dirty="0">
+                        <a:effectLst/>
+                        <a:latin typeface="+mj-lt"/>
+                        <a:ea typeface="ＭＳ 明朝" panose="02020609040205080304" pitchFamily="17" charset="-128"/>
+                        <a:cs typeface="Times New Roman" panose="02020603050405020304" pitchFamily="18" charset="0"/>
+                      </a:endParaRPr>
+                    </a:p>
+                  </a:txBody>
+                  <a:tcPr marL="68580" marR="68580" marT="0" marB="0" anchor="ctr"/>
+                </a:tc>
+                <a:tc>
+                  <a:txBody>
+                    <a:bodyPr/>
+                    <a:lstStyle/>
+                    <a:p>
+                      <a:pPr algn="just">
+                        <a:spcAft>
+                          <a:spcPts val="0"/>
+                        </a:spcAft>
+                      </a:pPr>
+                      <a:r>
+                        <a:rPr lang="en-US" altLang="ja-JP" sz="1000" kern="0" smtClean="0">
+                          <a:effectLst/>
+                          <a:latin typeface="+mj-lt"/>
+                        </a:rPr>
+                        <a:t>Library name</a:t>
+                      </a:r>
+                      <a:endParaRPr lang="ja-JP" sz="1000" kern="100" dirty="0">
+                        <a:effectLst/>
+                        <a:latin typeface="+mj-lt"/>
+                        <a:ea typeface="ＭＳ 明朝" panose="02020609040205080304" pitchFamily="17" charset="-128"/>
+                        <a:cs typeface="Times New Roman" panose="02020603050405020304" pitchFamily="18" charset="0"/>
+                      </a:endParaRPr>
+                    </a:p>
+                  </a:txBody>
+                  <a:tcPr marL="68580" marR="68580" marT="0" marB="0" anchor="ctr"/>
+                </a:tc>
+                <a:tc>
+                  <a:txBody>
+                    <a:bodyPr/>
+                    <a:lstStyle/>
+                    <a:p>
+                      <a:pPr algn="just">
+                        <a:spcAft>
+                          <a:spcPts val="0"/>
+                        </a:spcAft>
+                      </a:pPr>
+                      <a:r>
+                        <a:rPr lang="en-US" altLang="ja-JP" sz="1000" kern="100" smtClean="0">
+                          <a:effectLst/>
+                          <a:latin typeface="+mj-lt"/>
+                        </a:rPr>
+                        <a:t>Install</a:t>
+                      </a:r>
+                      <a:r>
+                        <a:rPr lang="en-US" altLang="ja-JP" sz="1000" kern="100" baseline="0" smtClean="0">
+                          <a:effectLst/>
+                          <a:latin typeface="+mj-lt"/>
+                        </a:rPr>
+                        <a:t> command</a:t>
+                      </a:r>
+                      <a:endParaRPr lang="ja-JP" sz="1000" kern="100" dirty="0">
+                        <a:effectLst/>
+                        <a:latin typeface="+mj-lt"/>
+                        <a:ea typeface="ＭＳ 明朝" panose="02020609040205080304" pitchFamily="17" charset="-128"/>
+                        <a:cs typeface="Times New Roman" panose="02020603050405020304" pitchFamily="18" charset="0"/>
+                      </a:endParaRPr>
+                    </a:p>
+                  </a:txBody>
+                  <a:tcPr marL="68580" marR="68580" marT="0" marB="0" anchor="ctr"/>
+                </a:tc>
+                <a:tc>
+                  <a:txBody>
+                    <a:bodyPr/>
+                    <a:lstStyle/>
+                    <a:p>
+                      <a:pPr marL="0" algn="just" defTabSz="914400" rtl="0" eaLnBrk="1" latinLnBrk="0" hangingPunct="1">
+                        <a:spcAft>
+                          <a:spcPts val="0"/>
+                        </a:spcAft>
+                      </a:pPr>
+                      <a:r>
+                        <a:rPr kumimoji="1" lang="en-US" altLang="ja-JP" sz="700" b="1" kern="100" smtClean="0">
+                          <a:solidFill>
+                            <a:schemeClr val="lt1"/>
+                          </a:solidFill>
+                          <a:effectLst/>
+                          <a:latin typeface="+mj-lt"/>
+                          <a:ea typeface="+mn-ea"/>
+                          <a:cs typeface="+mn-cs"/>
+                        </a:rPr>
+                        <a:t>Required</a:t>
+                      </a:r>
+                      <a:endParaRPr kumimoji="1" lang="en-US" altLang="ja-JP" sz="700" b="1" kern="100" dirty="0" smtClean="0">
+                        <a:solidFill>
+                          <a:schemeClr val="lt1"/>
+                        </a:solidFill>
+                        <a:effectLst/>
+                        <a:latin typeface="+mj-lt"/>
+                        <a:ea typeface="+mn-ea"/>
+                        <a:cs typeface="+mn-cs"/>
+                      </a:endParaRPr>
+                    </a:p>
+                  </a:txBody>
+                  <a:tcPr marL="68580" marR="68580" marT="0" marB="0" anchor="ctr"/>
+                </a:tc>
+                <a:tc>
+                  <a:txBody>
+                    <a:bodyPr/>
+                    <a:lstStyle/>
+                    <a:p>
+                      <a:pPr algn="just">
+                        <a:spcAft>
+                          <a:spcPts val="0"/>
+                        </a:spcAft>
+                      </a:pPr>
+                      <a:r>
+                        <a:rPr lang="en-US" altLang="ja-JP" sz="1000" kern="100" smtClean="0">
+                          <a:effectLst/>
+                          <a:latin typeface="+mj-lt"/>
+                          <a:ea typeface="+mn-ea"/>
+                          <a:cs typeface="+mn-cs"/>
+                        </a:rPr>
+                        <a:t>Usage</a:t>
+                      </a:r>
+                      <a:endParaRPr lang="ja-JP" altLang="ja-JP" sz="1000" kern="100" dirty="0">
+                        <a:effectLst/>
+                        <a:latin typeface="+mj-lt"/>
+                        <a:ea typeface="ＭＳ 明朝" panose="02020609040205080304" pitchFamily="17" charset="-128"/>
+                        <a:cs typeface="Times New Roman" panose="02020603050405020304" pitchFamily="18" charset="0"/>
+                      </a:endParaRPr>
+                    </a:p>
+                  </a:txBody>
+                  <a:tcPr marL="68580" marR="68580" marT="0" marB="0" anchor="ctr"/>
+                </a:tc>
+                <a:extLst>
+                  <a:ext uri="{0D108BD9-81ED-4DB2-BD59-A6C34878D82A}">
+                    <a16:rowId xmlns:a16="http://schemas.microsoft.com/office/drawing/2014/main" val="10000"/>
+                  </a:ext>
+                </a:extLst>
+              </a:tr>
+              <a:tr h="202309">
+                <a:tc>
+                  <a:txBody>
+                    <a:bodyPr/>
+                    <a:lstStyle/>
+                    <a:p>
+                      <a:pPr marL="0" marR="0" lvl="0" indent="0" algn="just" defTabSz="914400" rtl="0" eaLnBrk="1" fontAlgn="auto" latinLnBrk="0" hangingPunct="1">
+                        <a:lnSpc>
+                          <a:spcPct val="100000"/>
+                        </a:lnSpc>
+                        <a:spcBef>
+                          <a:spcPts val="0"/>
+                        </a:spcBef>
+                        <a:spcAft>
+                          <a:spcPts val="0"/>
+                        </a:spcAft>
+                        <a:buClrTx/>
+                        <a:buSzTx/>
+                        <a:buFontTx/>
+                        <a:buNone/>
+                        <a:tabLst/>
+                        <a:defRPr/>
+                      </a:pPr>
+                      <a:r>
+                        <a:rPr lang="en-US" altLang="ja-JP" sz="1000" kern="0" smtClean="0">
+                          <a:effectLst/>
+                        </a:rPr>
+                        <a:t>1.8.0</a:t>
+                      </a:r>
+                      <a:endParaRPr lang="ja-JP" altLang="ja-JP" sz="1000" kern="100" dirty="0" smtClean="0">
+                        <a:effectLst/>
+                        <a:latin typeface="Century" panose="02040604050505020304" pitchFamily="18" charset="0"/>
+                        <a:ea typeface="ＭＳ 明朝" panose="02020609040205080304" pitchFamily="17" charset="-128"/>
+                        <a:cs typeface="Times New Roman" panose="02020603050405020304" pitchFamily="18" charset="0"/>
+                      </a:endParaRPr>
+                    </a:p>
+                  </a:txBody>
+                  <a:tcPr marL="68580" marR="68580" marT="0" marB="0" anchor="ctr"/>
+                </a:tc>
+                <a:tc gridSpan="5">
+                  <a:txBody>
+                    <a:bodyPr/>
+                    <a:lstStyle/>
+                    <a:p>
+                      <a:pPr marL="0" marR="0" lvl="0" indent="0" algn="ctr" defTabSz="914400" rtl="0" eaLnBrk="1" fontAlgn="auto" latinLnBrk="0" hangingPunct="1">
+                        <a:lnSpc>
+                          <a:spcPct val="100000"/>
+                        </a:lnSpc>
+                        <a:spcBef>
+                          <a:spcPts val="0"/>
+                        </a:spcBef>
+                        <a:spcAft>
+                          <a:spcPts val="0"/>
+                        </a:spcAft>
+                        <a:buClrTx/>
+                        <a:buSzTx/>
+                        <a:buFontTx/>
+                        <a:buNone/>
+                        <a:tabLst/>
+                        <a:defRPr/>
+                      </a:pPr>
+                      <a:r>
+                        <a:rPr kumimoji="1" lang="en-US" altLang="ja-JP" sz="1000" b="0" i="0" u="none" strike="noStrike" kern="100" cap="none" spc="0" normalizeH="0" baseline="0" noProof="0" dirty="0" smtClean="0">
+                          <a:ln>
+                            <a:noFill/>
+                          </a:ln>
+                          <a:solidFill>
+                            <a:srgbClr val="000000"/>
+                          </a:solidFill>
+                          <a:effectLst/>
+                          <a:uLnTx/>
+                          <a:uFillTx/>
+                          <a:latin typeface="メイリオ"/>
+                          <a:ea typeface="ＭＳ 明朝" panose="02020609040205080304" pitchFamily="17" charset="-128"/>
+                          <a:cs typeface="Times New Roman" panose="02020603050405020304" pitchFamily="18" charset="0"/>
+                        </a:rPr>
+                        <a:t>There are no libraries added in 1.8.0</a:t>
+                      </a:r>
+                      <a:endParaRPr kumimoji="1" lang="ja-JP" altLang="ja-JP" sz="1000" b="0" i="0" u="none" strike="noStrike" kern="100" cap="none" spc="0" normalizeH="0" baseline="0" noProof="0" dirty="0" smtClean="0">
+                        <a:ln>
+                          <a:noFill/>
+                        </a:ln>
+                        <a:solidFill>
+                          <a:srgbClr val="000000"/>
+                        </a:solidFill>
+                        <a:effectLst/>
+                        <a:uLnTx/>
+                        <a:uFillTx/>
+                        <a:latin typeface="メイリオ"/>
+                        <a:ea typeface="ＭＳ 明朝" panose="02020609040205080304" pitchFamily="17" charset="-128"/>
+                        <a:cs typeface="Times New Roman" panose="02020603050405020304" pitchFamily="18" charset="0"/>
+                      </a:endParaRPr>
+                    </a:p>
+                  </a:txBody>
+                  <a:tcPr marL="68580" marR="68580" marT="0" marB="0" anchor="ctr"/>
+                </a:tc>
+                <a:tc hMerge="1">
+                  <a:txBody>
+                    <a:bodyPr/>
+                    <a:lstStyle/>
+                    <a:p>
+                      <a:pPr algn="just">
+                        <a:spcAft>
+                          <a:spcPts val="0"/>
+                        </a:spcAft>
+                      </a:pPr>
+                      <a:endParaRPr lang="ja-JP" sz="1050" kern="100" dirty="0">
+                        <a:effectLst/>
+                        <a:latin typeface="Century" panose="02040604050505020304" pitchFamily="18" charset="0"/>
+                        <a:ea typeface="ＭＳ 明朝" panose="02020609040205080304" pitchFamily="17" charset="-128"/>
+                        <a:cs typeface="Times New Roman" panose="02020603050405020304" pitchFamily="18" charset="0"/>
+                      </a:endParaRPr>
+                    </a:p>
+                  </a:txBody>
+                  <a:tcPr marL="68580" marR="68580" marT="0" marB="0" anchor="ctr"/>
+                </a:tc>
+                <a:tc hMerge="1">
+                  <a:txBody>
+                    <a:bodyPr/>
+                    <a:lstStyle/>
+                    <a:p>
+                      <a:pPr algn="just">
+                        <a:spcAft>
+                          <a:spcPts val="0"/>
+                        </a:spcAft>
+                      </a:pPr>
+                      <a:endParaRPr lang="ja-JP" sz="1050" kern="100" dirty="0">
+                        <a:effectLst/>
+                        <a:latin typeface="Segoe UI" panose="020B0502040204020203" pitchFamily="34" charset="0"/>
+                        <a:ea typeface="ＭＳ 明朝" panose="02020609040205080304" pitchFamily="17" charset="-128"/>
+                        <a:cs typeface="Segoe UI" panose="020B0502040204020203" pitchFamily="34" charset="0"/>
+                      </a:endParaRPr>
+                    </a:p>
+                  </a:txBody>
+                  <a:tcPr marL="68580" marR="68580" marT="0" marB="0" anchor="ctr"/>
+                </a:tc>
+                <a:tc hMerge="1">
+                  <a:txBody>
+                    <a:bodyPr/>
+                    <a:lstStyle/>
+                    <a:p>
+                      <a:pPr algn="ctr">
+                        <a:spcAft>
+                          <a:spcPts val="0"/>
+                        </a:spcAft>
+                      </a:pPr>
+                      <a:endParaRPr lang="ja-JP" sz="1050" kern="100" dirty="0">
+                        <a:effectLst/>
+                        <a:latin typeface="+mn-lt"/>
+                        <a:ea typeface="ＭＳ 明朝" panose="02020609040205080304" pitchFamily="17" charset="-128"/>
+                        <a:cs typeface="Segoe UI" panose="020B0502040204020203" pitchFamily="34" charset="0"/>
+                      </a:endParaRPr>
+                    </a:p>
+                  </a:txBody>
+                  <a:tcPr marL="68580" marR="68580" marT="0" marB="0" anchor="ctr"/>
+                </a:tc>
+                <a:tc hMerge="1">
+                  <a:txBody>
+                    <a:bodyPr/>
+                    <a:lstStyle/>
+                    <a:p>
+                      <a:pPr algn="just">
+                        <a:spcAft>
+                          <a:spcPts val="0"/>
+                        </a:spcAft>
+                      </a:pPr>
+                      <a:endParaRPr lang="ja-JP" sz="1050" kern="100" dirty="0">
+                        <a:effectLst/>
+                        <a:latin typeface="+mn-ea"/>
+                        <a:ea typeface="+mn-ea"/>
+                        <a:cs typeface="Segoe UI" panose="020B0502040204020203" pitchFamily="34" charset="0"/>
+                      </a:endParaRPr>
+                    </a:p>
+                  </a:txBody>
+                  <a:tcPr marL="68580" marR="68580" marT="0" marB="0" anchor="ctr"/>
+                </a:tc>
+                <a:extLst>
+                  <a:ext uri="{0D108BD9-81ED-4DB2-BD59-A6C34878D82A}">
+                    <a16:rowId xmlns:a16="http://schemas.microsoft.com/office/drawing/2014/main" val="1204998051"/>
+                  </a:ext>
+                </a:extLst>
+              </a:tr>
+              <a:tr h="202309">
+                <a:tc>
+                  <a:txBody>
+                    <a:bodyPr/>
+                    <a:lstStyle/>
+                    <a:p>
+                      <a:pPr marL="0" marR="0" lvl="0" indent="0" algn="just" defTabSz="914400" rtl="0" eaLnBrk="1" fontAlgn="auto" latinLnBrk="0" hangingPunct="1">
+                        <a:lnSpc>
+                          <a:spcPct val="100000"/>
+                        </a:lnSpc>
+                        <a:spcBef>
+                          <a:spcPts val="0"/>
+                        </a:spcBef>
+                        <a:spcAft>
+                          <a:spcPts val="0"/>
+                        </a:spcAft>
+                        <a:buClrTx/>
+                        <a:buSzTx/>
+                        <a:buFontTx/>
+                        <a:buNone/>
+                        <a:tabLst/>
+                        <a:defRPr/>
+                      </a:pPr>
+                      <a:r>
+                        <a:rPr lang="en-US" altLang="ja-JP" sz="1000" kern="0" smtClean="0">
+                          <a:effectLst/>
+                        </a:rPr>
+                        <a:t>1.8.1</a:t>
+                      </a:r>
+                      <a:endParaRPr lang="ja-JP" altLang="ja-JP" sz="1000" kern="100" dirty="0" smtClean="0">
+                        <a:effectLst/>
+                        <a:latin typeface="Century" panose="02040604050505020304" pitchFamily="18" charset="0"/>
+                        <a:ea typeface="ＭＳ 明朝" panose="02020609040205080304" pitchFamily="17" charset="-128"/>
+                        <a:cs typeface="Times New Roman" panose="02020603050405020304" pitchFamily="18" charset="0"/>
+                      </a:endParaRPr>
+                    </a:p>
+                  </a:txBody>
+                  <a:tcPr marL="68580" marR="68580" marT="0" marB="0" anchor="ctr"/>
+                </a:tc>
+                <a:tc gridSpan="5">
+                  <a:txBody>
+                    <a:bodyPr/>
+                    <a:lstStyle/>
+                    <a:p>
+                      <a:pPr marL="0" marR="0" lvl="0" indent="0" algn="ctr" defTabSz="914400" rtl="0" eaLnBrk="1" fontAlgn="auto" latinLnBrk="0" hangingPunct="1">
+                        <a:lnSpc>
+                          <a:spcPct val="100000"/>
+                        </a:lnSpc>
+                        <a:spcBef>
+                          <a:spcPts val="0"/>
+                        </a:spcBef>
+                        <a:spcAft>
+                          <a:spcPts val="0"/>
+                        </a:spcAft>
+                        <a:buClrTx/>
+                        <a:buSzTx/>
+                        <a:buFontTx/>
+                        <a:buNone/>
+                        <a:tabLst/>
+                        <a:defRPr/>
+                      </a:pPr>
+                      <a:r>
+                        <a:rPr kumimoji="1" lang="en-US" altLang="ja-JP" sz="1000" b="0" i="0" u="none" strike="noStrike" kern="100" cap="none" spc="0" normalizeH="0" baseline="0" noProof="0" dirty="0" smtClean="0">
+                          <a:ln>
+                            <a:noFill/>
+                          </a:ln>
+                          <a:solidFill>
+                            <a:srgbClr val="000000"/>
+                          </a:solidFill>
+                          <a:effectLst/>
+                          <a:uLnTx/>
+                          <a:uFillTx/>
+                          <a:latin typeface="メイリオ"/>
+                          <a:ea typeface="ＭＳ 明朝" panose="02020609040205080304" pitchFamily="17" charset="-128"/>
+                          <a:cs typeface="Times New Roman" panose="02020603050405020304" pitchFamily="18" charset="0"/>
+                        </a:rPr>
+                        <a:t>There are no libraries added in 1.8.1</a:t>
+                      </a:r>
+                      <a:endParaRPr kumimoji="1" lang="ja-JP" altLang="ja-JP" sz="1000" b="0" i="0" u="none" strike="noStrike" kern="100" cap="none" spc="0" normalizeH="0" baseline="0" noProof="0" dirty="0" smtClean="0">
+                        <a:ln>
+                          <a:noFill/>
+                        </a:ln>
+                        <a:solidFill>
+                          <a:srgbClr val="000000"/>
+                        </a:solidFill>
+                        <a:effectLst/>
+                        <a:uLnTx/>
+                        <a:uFillTx/>
+                        <a:latin typeface="メイリオ"/>
+                        <a:ea typeface="ＭＳ 明朝" panose="02020609040205080304" pitchFamily="17" charset="-128"/>
+                        <a:cs typeface="Times New Roman" panose="02020603050405020304" pitchFamily="18" charset="0"/>
+                      </a:endParaRPr>
+                    </a:p>
+                  </a:txBody>
+                  <a:tcPr marL="68580" marR="68580" marT="0" marB="0" anchor="ctr"/>
+                </a:tc>
+                <a:tc hMerge="1">
+                  <a:txBody>
+                    <a:bodyPr/>
+                    <a:lstStyle/>
+                    <a:p>
+                      <a:pPr algn="just">
+                        <a:spcAft>
+                          <a:spcPts val="0"/>
+                        </a:spcAft>
+                      </a:pPr>
+                      <a:endParaRPr lang="ja-JP" sz="1050" kern="100" dirty="0">
+                        <a:effectLst/>
+                        <a:latin typeface="Century" panose="02040604050505020304" pitchFamily="18" charset="0"/>
+                        <a:ea typeface="ＭＳ 明朝" panose="02020609040205080304" pitchFamily="17" charset="-128"/>
+                        <a:cs typeface="Times New Roman" panose="02020603050405020304" pitchFamily="18" charset="0"/>
+                      </a:endParaRPr>
+                    </a:p>
+                  </a:txBody>
+                  <a:tcPr marL="68580" marR="68580" marT="0" marB="0" anchor="ctr"/>
+                </a:tc>
+                <a:tc hMerge="1">
+                  <a:txBody>
+                    <a:bodyPr/>
+                    <a:lstStyle/>
+                    <a:p>
+                      <a:pPr algn="just">
+                        <a:spcAft>
+                          <a:spcPts val="0"/>
+                        </a:spcAft>
+                      </a:pPr>
+                      <a:endParaRPr lang="ja-JP" sz="1050" kern="100" dirty="0">
+                        <a:effectLst/>
+                        <a:latin typeface="Segoe UI" panose="020B0502040204020203" pitchFamily="34" charset="0"/>
+                        <a:ea typeface="ＭＳ 明朝" panose="02020609040205080304" pitchFamily="17" charset="-128"/>
+                        <a:cs typeface="Segoe UI" panose="020B0502040204020203" pitchFamily="34" charset="0"/>
+                      </a:endParaRPr>
+                    </a:p>
+                  </a:txBody>
+                  <a:tcPr marL="68580" marR="68580" marT="0" marB="0" anchor="ctr"/>
+                </a:tc>
+                <a:tc hMerge="1">
+                  <a:txBody>
+                    <a:bodyPr/>
+                    <a:lstStyle/>
+                    <a:p>
+                      <a:pPr algn="ctr">
+                        <a:spcAft>
+                          <a:spcPts val="0"/>
+                        </a:spcAft>
+                      </a:pPr>
+                      <a:endParaRPr lang="ja-JP" sz="1050" kern="100" dirty="0">
+                        <a:effectLst/>
+                        <a:latin typeface="+mn-lt"/>
+                        <a:ea typeface="ＭＳ 明朝" panose="02020609040205080304" pitchFamily="17" charset="-128"/>
+                        <a:cs typeface="Segoe UI" panose="020B0502040204020203" pitchFamily="34" charset="0"/>
+                      </a:endParaRPr>
+                    </a:p>
+                  </a:txBody>
+                  <a:tcPr marL="68580" marR="68580" marT="0" marB="0" anchor="ctr"/>
+                </a:tc>
+                <a:tc hMerge="1">
+                  <a:txBody>
+                    <a:bodyPr/>
+                    <a:lstStyle/>
+                    <a:p>
+                      <a:pPr algn="just">
+                        <a:spcAft>
+                          <a:spcPts val="0"/>
+                        </a:spcAft>
+                      </a:pPr>
+                      <a:endParaRPr lang="ja-JP" sz="1050" kern="100" dirty="0">
+                        <a:effectLst/>
+                        <a:latin typeface="+mn-ea"/>
+                        <a:ea typeface="+mn-ea"/>
+                        <a:cs typeface="Segoe UI" panose="020B0502040204020203" pitchFamily="34" charset="0"/>
+                      </a:endParaRPr>
+                    </a:p>
+                  </a:txBody>
+                  <a:tcPr marL="68580" marR="68580" marT="0" marB="0" anchor="ctr"/>
+                </a:tc>
+                <a:extLst>
+                  <a:ext uri="{0D108BD9-81ED-4DB2-BD59-A6C34878D82A}">
+                    <a16:rowId xmlns:a16="http://schemas.microsoft.com/office/drawing/2014/main" val="3287663881"/>
+                  </a:ext>
+                </a:extLst>
+              </a:tr>
+              <a:tr h="202309">
+                <a:tc>
+                  <a:txBody>
+                    <a:bodyPr/>
+                    <a:lstStyle/>
+                    <a:p>
+                      <a:pPr marL="0" marR="0" lvl="0" indent="0" algn="just" defTabSz="914400" rtl="0" eaLnBrk="1" fontAlgn="auto" latinLnBrk="0" hangingPunct="1">
+                        <a:lnSpc>
+                          <a:spcPct val="100000"/>
+                        </a:lnSpc>
+                        <a:spcBef>
+                          <a:spcPts val="0"/>
+                        </a:spcBef>
+                        <a:spcAft>
+                          <a:spcPts val="0"/>
+                        </a:spcAft>
+                        <a:buClrTx/>
+                        <a:buSzTx/>
+                        <a:buFontTx/>
+                        <a:buNone/>
+                        <a:tabLst/>
+                        <a:defRPr/>
+                      </a:pPr>
+                      <a:r>
+                        <a:rPr lang="en-US" altLang="ja-JP" sz="1000" kern="0" smtClean="0">
+                          <a:effectLst/>
+                        </a:rPr>
+                        <a:t>1.8.2</a:t>
+                      </a:r>
+                      <a:endParaRPr lang="ja-JP" altLang="ja-JP" sz="1000" kern="100" dirty="0" smtClean="0">
+                        <a:effectLst/>
+                        <a:latin typeface="Century" panose="02040604050505020304" pitchFamily="18" charset="0"/>
+                        <a:ea typeface="ＭＳ 明朝" panose="02020609040205080304" pitchFamily="17" charset="-128"/>
+                        <a:cs typeface="Times New Roman" panose="02020603050405020304" pitchFamily="18" charset="0"/>
+                      </a:endParaRPr>
+                    </a:p>
+                  </a:txBody>
+                  <a:tcPr marL="68580" marR="68580" marT="0" marB="0" anchor="ctr"/>
+                </a:tc>
+                <a:tc gridSpan="5">
+                  <a:txBody>
+                    <a:bodyPr/>
+                    <a:lstStyle/>
+                    <a:p>
+                      <a:pPr marL="0" marR="0" lvl="0" indent="0" algn="ctr" defTabSz="914400" rtl="0" eaLnBrk="1" fontAlgn="auto" latinLnBrk="0" hangingPunct="1">
+                        <a:lnSpc>
+                          <a:spcPct val="100000"/>
+                        </a:lnSpc>
+                        <a:spcBef>
+                          <a:spcPts val="0"/>
+                        </a:spcBef>
+                        <a:spcAft>
+                          <a:spcPts val="0"/>
+                        </a:spcAft>
+                        <a:buClrTx/>
+                        <a:buSzTx/>
+                        <a:buFontTx/>
+                        <a:buNone/>
+                        <a:tabLst/>
+                        <a:defRPr/>
+                      </a:pPr>
+                      <a:r>
+                        <a:rPr kumimoji="1" lang="en-US" altLang="ja-JP" sz="1000" b="0" i="0" u="none" strike="noStrike" kern="100" cap="none" spc="0" normalizeH="0" baseline="0" noProof="0" dirty="0" smtClean="0">
+                          <a:ln>
+                            <a:noFill/>
+                          </a:ln>
+                          <a:solidFill>
+                            <a:srgbClr val="000000"/>
+                          </a:solidFill>
+                          <a:effectLst/>
+                          <a:uLnTx/>
+                          <a:uFillTx/>
+                          <a:latin typeface="メイリオ"/>
+                          <a:ea typeface="ＭＳ 明朝" panose="02020609040205080304" pitchFamily="17" charset="-128"/>
+                          <a:cs typeface="Times New Roman" panose="02020603050405020304" pitchFamily="18" charset="0"/>
+                        </a:rPr>
+                        <a:t>There are no libraries added in 1.8.2</a:t>
+                      </a:r>
+                      <a:endParaRPr kumimoji="1" lang="ja-JP" altLang="ja-JP" sz="1000" b="0" i="0" u="none" strike="noStrike" kern="100" cap="none" spc="0" normalizeH="0" baseline="0" noProof="0" dirty="0" smtClean="0">
+                        <a:ln>
+                          <a:noFill/>
+                        </a:ln>
+                        <a:solidFill>
+                          <a:srgbClr val="000000"/>
+                        </a:solidFill>
+                        <a:effectLst/>
+                        <a:uLnTx/>
+                        <a:uFillTx/>
+                        <a:latin typeface="メイリオ"/>
+                        <a:ea typeface="ＭＳ 明朝" panose="02020609040205080304" pitchFamily="17" charset="-128"/>
+                        <a:cs typeface="Times New Roman" panose="02020603050405020304" pitchFamily="18" charset="0"/>
+                      </a:endParaRPr>
+                    </a:p>
+                  </a:txBody>
+                  <a:tcPr marL="68580" marR="68580" marT="0" marB="0" anchor="ctr"/>
+                </a:tc>
+                <a:tc hMerge="1">
+                  <a:txBody>
+                    <a:bodyPr/>
+                    <a:lstStyle/>
+                    <a:p>
+                      <a:endParaRPr kumimoji="1" lang="ja-JP" altLang="en-US"/>
+                    </a:p>
+                  </a:txBody>
+                  <a:tcPr/>
+                </a:tc>
+                <a:tc hMerge="1">
+                  <a:txBody>
+                    <a:bodyPr/>
+                    <a:lstStyle/>
+                    <a:p>
+                      <a:endParaRPr kumimoji="1" lang="ja-JP" altLang="en-US"/>
+                    </a:p>
+                  </a:txBody>
+                  <a:tcPr/>
+                </a:tc>
+                <a:tc hMerge="1">
+                  <a:txBody>
+                    <a:bodyPr/>
+                    <a:lstStyle/>
+                    <a:p>
+                      <a:endParaRPr kumimoji="1" lang="ja-JP" altLang="en-US"/>
+                    </a:p>
+                  </a:txBody>
+                  <a:tcPr/>
+                </a:tc>
+                <a:tc hMerge="1">
+                  <a:txBody>
+                    <a:bodyPr/>
+                    <a:lstStyle/>
+                    <a:p>
+                      <a:endParaRPr kumimoji="1" lang="ja-JP" altLang="en-US"/>
+                    </a:p>
+                  </a:txBody>
+                  <a:tcPr/>
+                </a:tc>
+                <a:extLst>
+                  <a:ext uri="{0D108BD9-81ED-4DB2-BD59-A6C34878D82A}">
+                    <a16:rowId xmlns:a16="http://schemas.microsoft.com/office/drawing/2014/main" val="1023465845"/>
+                  </a:ext>
+                </a:extLst>
+              </a:tr>
+              <a:tr h="202309">
+                <a:tc>
+                  <a:txBody>
+                    <a:bodyPr/>
+                    <a:lstStyle/>
+                    <a:p>
+                      <a:pPr marL="0" marR="0" lvl="0" indent="0" algn="just" defTabSz="914400" rtl="0" eaLnBrk="1" fontAlgn="auto" latinLnBrk="0" hangingPunct="1">
+                        <a:lnSpc>
+                          <a:spcPct val="100000"/>
+                        </a:lnSpc>
+                        <a:spcBef>
+                          <a:spcPts val="0"/>
+                        </a:spcBef>
+                        <a:spcAft>
+                          <a:spcPts val="0"/>
+                        </a:spcAft>
+                        <a:buClrTx/>
+                        <a:buSzTx/>
+                        <a:buFontTx/>
+                        <a:buNone/>
+                        <a:tabLst/>
+                        <a:defRPr/>
+                      </a:pPr>
+                      <a:r>
+                        <a:rPr lang="en-US" altLang="ja-JP" sz="1000" kern="0" smtClean="0">
+                          <a:effectLst/>
+                        </a:rPr>
+                        <a:t>1.9.0</a:t>
+                      </a:r>
+                      <a:endParaRPr lang="ja-JP" altLang="ja-JP" sz="1000" kern="100" dirty="0" smtClean="0">
+                        <a:effectLst/>
+                        <a:latin typeface="Century" panose="02040604050505020304" pitchFamily="18" charset="0"/>
+                        <a:ea typeface="ＭＳ 明朝" panose="02020609040205080304" pitchFamily="17" charset="-128"/>
+                        <a:cs typeface="Times New Roman" panose="02020603050405020304" pitchFamily="18" charset="0"/>
+                      </a:endParaRPr>
+                    </a:p>
+                  </a:txBody>
+                  <a:tcPr marL="68580" marR="68580" marT="0" marB="0" anchor="ctr"/>
+                </a:tc>
+                <a:tc gridSpan="5">
+                  <a:txBody>
+                    <a:bodyPr/>
+                    <a:lstStyle/>
+                    <a:p>
+                      <a:pPr marL="0" marR="0" lvl="0" indent="0" algn="ctr" defTabSz="914400" rtl="0" eaLnBrk="1" fontAlgn="auto" latinLnBrk="0" hangingPunct="1">
+                        <a:lnSpc>
+                          <a:spcPct val="100000"/>
+                        </a:lnSpc>
+                        <a:spcBef>
+                          <a:spcPts val="0"/>
+                        </a:spcBef>
+                        <a:spcAft>
+                          <a:spcPts val="0"/>
+                        </a:spcAft>
+                        <a:buClrTx/>
+                        <a:buSzTx/>
+                        <a:buFontTx/>
+                        <a:buNone/>
+                        <a:tabLst/>
+                        <a:defRPr/>
+                      </a:pPr>
+                      <a:r>
+                        <a:rPr kumimoji="1" lang="en-US" altLang="ja-JP" sz="1000" b="0" i="0" u="none" strike="noStrike" kern="100" cap="none" spc="0" normalizeH="0" baseline="0" noProof="0" dirty="0" smtClean="0">
+                          <a:ln>
+                            <a:noFill/>
+                          </a:ln>
+                          <a:solidFill>
+                            <a:srgbClr val="000000"/>
+                          </a:solidFill>
+                          <a:effectLst/>
+                          <a:uLnTx/>
+                          <a:uFillTx/>
+                          <a:latin typeface="メイリオ"/>
+                          <a:ea typeface="ＭＳ 明朝" panose="02020609040205080304" pitchFamily="17" charset="-128"/>
+                          <a:cs typeface="Times New Roman" panose="02020603050405020304" pitchFamily="18" charset="0"/>
+                        </a:rPr>
+                        <a:t>There are no libraries added in 1.9.0</a:t>
+                      </a:r>
+                      <a:endParaRPr kumimoji="1" lang="ja-JP" altLang="ja-JP" sz="1000" b="0" i="0" u="none" strike="noStrike" kern="100" cap="none" spc="0" normalizeH="0" baseline="0" noProof="0" dirty="0" smtClean="0">
+                        <a:ln>
+                          <a:noFill/>
+                        </a:ln>
+                        <a:solidFill>
+                          <a:srgbClr val="000000"/>
+                        </a:solidFill>
+                        <a:effectLst/>
+                        <a:uLnTx/>
+                        <a:uFillTx/>
+                        <a:latin typeface="メイリオ"/>
+                        <a:ea typeface="ＭＳ 明朝" panose="02020609040205080304" pitchFamily="17" charset="-128"/>
+                        <a:cs typeface="Times New Roman" panose="02020603050405020304" pitchFamily="18" charset="0"/>
+                      </a:endParaRPr>
+                    </a:p>
+                  </a:txBody>
+                  <a:tcPr marL="68580" marR="68580" marT="0" marB="0" anchor="ctr"/>
+                </a:tc>
+                <a:tc hMerge="1">
+                  <a:txBody>
+                    <a:bodyPr/>
+                    <a:lstStyle/>
+                    <a:p>
+                      <a:endParaRPr kumimoji="1" lang="ja-JP" altLang="en-US"/>
+                    </a:p>
+                  </a:txBody>
+                  <a:tcPr/>
+                </a:tc>
+                <a:tc hMerge="1">
+                  <a:txBody>
+                    <a:bodyPr/>
+                    <a:lstStyle/>
+                    <a:p>
+                      <a:endParaRPr kumimoji="1" lang="ja-JP" altLang="en-US"/>
+                    </a:p>
+                  </a:txBody>
+                  <a:tcPr/>
+                </a:tc>
+                <a:tc hMerge="1">
+                  <a:txBody>
+                    <a:bodyPr/>
+                    <a:lstStyle/>
+                    <a:p>
+                      <a:endParaRPr kumimoji="1" lang="ja-JP" altLang="en-US"/>
+                    </a:p>
+                  </a:txBody>
+                  <a:tcPr/>
+                </a:tc>
+                <a:tc hMerge="1">
+                  <a:txBody>
+                    <a:bodyPr/>
+                    <a:lstStyle/>
+                    <a:p>
+                      <a:endParaRPr kumimoji="1" lang="ja-JP" altLang="en-US"/>
+                    </a:p>
+                  </a:txBody>
+                  <a:tcPr/>
+                </a:tc>
+                <a:extLst>
+                  <a:ext uri="{0D108BD9-81ED-4DB2-BD59-A6C34878D82A}">
+                    <a16:rowId xmlns:a16="http://schemas.microsoft.com/office/drawing/2014/main" val="3268538651"/>
+                  </a:ext>
+                </a:extLst>
+              </a:tr>
+            </a:tbl>
+          </a:graphicData>
+        </a:graphic>
+      </p:graphicFrame>
+    </p:spTree>
+    <p:extLst>
+      <p:ext uri="{BB962C8B-B14F-4D97-AF65-F5344CB8AC3E}">
+        <p14:creationId xmlns:p14="http://schemas.microsoft.com/office/powerpoint/2010/main" val="595074041"/>
+      </p:ext>
+    </p:extLst>
+  </p:cSld>
+  <p:clrMapOvr>
+    <a:masterClrMapping/>
+  </p:clrMapOvr>
+  <p:timing>
+    <p:tnLst>
+      <p:par>
+        <p:cTn id="1" dur="indefinite" restart="never" nodeType="tmRoot"/>
+      </p:par>
+    </p:tnLst>
+  </p:timing>
+</p:sld>
+</file>
+
+<file path=ppt/slides/slide17.xml><?xml version="1.0" encoding="utf-8"?>
+<p:sld xmlns:a="http://schemas.openxmlformats.org/drawingml/2006/main" xmlns:r="http://schemas.openxmlformats.org/officeDocument/2006/relationships" xmlns:p="http://schemas.openxmlformats.org/presentationml/2006/main">
+  <p:cSld>
+    <p:spTree>
+      <p:nvGrpSpPr>
+        <p:cNvPr id="1" name=""/>
+        <p:cNvGrpSpPr/>
+        <p:nvPr/>
+      </p:nvGrpSpPr>
+      <p:grpSpPr>
+        <a:xfrm>
+          <a:off x="0" y="0"/>
+          <a:ext cx="0" cy="0"/>
+          <a:chOff x="0" y="0"/>
+          <a:chExt cx="0" cy="0"/>
+        </a:xfrm>
+      </p:grpSpPr>
+      <p:sp>
+        <p:nvSpPr>
+          <p:cNvPr id="2" name="タイトル 1"/>
+          <p:cNvSpPr>
+            <a:spLocks noGrp="1"/>
+          </p:cNvSpPr>
+          <p:nvPr>
+            <p:ph type="title"/>
+          </p:nvPr>
+        </p:nvSpPr>
         <p:spPr>
           <a:xfrm>
             <a:off x="179388" y="3045072"/>
@@ -17631,7 +18344,7 @@
 </p:sld>
 </file>
 
-<file path=ppt/slides/slide17.xml><?xml version="1.0" encoding="utf-8"?>
+<file path=ppt/slides/slide18.xml><?xml version="1.0" encoding="utf-8"?>
 <p:sld xmlns:a="http://schemas.openxmlformats.org/drawingml/2006/main" xmlns:r="http://schemas.openxmlformats.org/officeDocument/2006/relationships" xmlns:p="http://schemas.openxmlformats.org/presentationml/2006/main">
   <p:cSld>
     <p:spTree>
@@ -17705,7 +18418,7 @@
             </a:r>
             <a:r>
               <a:rPr lang="en-US" altLang="ja-JP" dirty="0" smtClean="0"/>
-              <a:t>1/1</a:t>
+              <a:t>1/2</a:t>
             </a:r>
             <a:r>
               <a:rPr lang="ja-JP" altLang="en-US" dirty="0" smtClean="0"/>
@@ -17747,7 +18460,46 @@
             <a:pPr lvl="1"/>
             <a:r>
               <a:rPr lang="en-US" altLang="ja-JP" dirty="0" smtClean="0"/>
-              <a:t>After logging into ITA, check if the version is updated in “Management console” - “Version”.</a:t>
+              <a:t>After logging into ITA, check </a:t>
+            </a:r>
+            <a:r>
+              <a:rPr lang="en-US" altLang="ja-JP" dirty="0" smtClean="0"/>
+              <a:t>that</a:t>
+            </a:r>
+            <a:r>
+              <a:rPr lang="en-US" altLang="ja-JP" dirty="0" smtClean="0"/>
+              <a:t> </a:t>
+            </a:r>
+            <a:r>
+              <a:rPr lang="en-US" altLang="ja-JP" dirty="0" smtClean="0"/>
+              <a:t>the version </a:t>
+            </a:r>
+            <a:r>
+              <a:rPr lang="en-US" altLang="ja-JP" dirty="0" smtClean="0"/>
+              <a:t>has been</a:t>
+            </a:r>
+            <a:r>
+              <a:rPr lang="en-US" altLang="ja-JP" dirty="0" smtClean="0"/>
+              <a:t> </a:t>
+            </a:r>
+            <a:r>
+              <a:rPr lang="en-US" altLang="ja-JP" dirty="0" smtClean="0"/>
+              <a:t>updated in </a:t>
+            </a:r>
+            <a:r>
+              <a:rPr lang="en-US" altLang="ja-JP" dirty="0" smtClean="0"/>
+              <a:t/>
+            </a:r>
+            <a:br>
+              <a:rPr lang="en-US" altLang="ja-JP" dirty="0" smtClean="0"/>
+            </a:br>
+            <a:r>
+              <a:rPr lang="en-US" altLang="ja-JP" dirty="0" smtClean="0"/>
+              <a:t>“</a:t>
+            </a:r>
+            <a:r>
+              <a:rPr lang="en-US" altLang="ja-JP" dirty="0" smtClean="0"/>
+              <a:t>Management console” - “Version”.</a:t>
             </a:r>
             <a:endParaRPr lang="ja-JP" altLang="en-US" dirty="0"/>
           </a:p>
@@ -17881,7 +18633,7 @@
 </p:sld>
 </file>
 
-<file path=ppt/slides/slide18.xml><?xml version="1.0" encoding="utf-8"?>
+<file path=ppt/slides/slide19.xml><?xml version="1.0" encoding="utf-8"?>
 <p:sld xmlns:a="http://schemas.openxmlformats.org/drawingml/2006/main" xmlns:r="http://schemas.openxmlformats.org/officeDocument/2006/relationships" xmlns:p="http://schemas.openxmlformats.org/presentationml/2006/main">
   <p:cSld>
     <p:spTree>
@@ -17898,10 +18650,317 @@
           <a:chExt cx="0" cy="0"/>
         </a:xfrm>
       </p:grpSpPr>
+      <p:sp>
+        <p:nvSpPr>
+          <p:cNvPr id="2" name="タイトル 1"/>
+          <p:cNvSpPr>
+            <a:spLocks noGrp="1"/>
+          </p:cNvSpPr>
+          <p:nvPr>
+            <p:ph type="title"/>
+          </p:nvPr>
+        </p:nvSpPr>
+        <p:spPr/>
+        <p:txBody>
+          <a:bodyPr/>
+          <a:lstStyle/>
+          <a:p>
+            <a:r>
+              <a:rPr lang="en-US" altLang="ja-JP" dirty="0" smtClean="0"/>
+              <a:t>4.2</a:t>
+            </a:r>
+            <a:r>
+              <a:rPr lang="ja-JP" altLang="en-US" dirty="0"/>
+              <a:t>　</a:t>
+            </a:r>
+            <a:r>
+              <a:rPr lang="en-US" altLang="ja-JP" dirty="0" smtClean="0"/>
+              <a:t>Operation check</a:t>
+            </a:r>
+            <a:r>
+              <a:rPr lang="ja-JP" altLang="en-US" dirty="0" smtClean="0"/>
+              <a:t>（</a:t>
+            </a:r>
+            <a:r>
+              <a:rPr lang="en-US" altLang="ja-JP" dirty="0" smtClean="0"/>
+              <a:t>2/2</a:t>
+            </a:r>
+            <a:r>
+              <a:rPr lang="ja-JP" altLang="en-US" dirty="0" smtClean="0"/>
+              <a:t>）</a:t>
+            </a:r>
+            <a:endParaRPr kumimoji="1" lang="ja-JP" altLang="en-US" dirty="0"/>
+          </a:p>
+        </p:txBody>
+      </p:sp>
+      <p:sp>
+        <p:nvSpPr>
+          <p:cNvPr id="3" name="コンテンツ プレースホルダー 2"/>
+          <p:cNvSpPr>
+            <a:spLocks noGrp="1"/>
+          </p:cNvSpPr>
+          <p:nvPr>
+            <p:ph sz="quarter" idx="10"/>
+          </p:nvPr>
+        </p:nvSpPr>
+        <p:spPr>
+          <a:xfrm>
+            <a:off x="179512" y="836712"/>
+            <a:ext cx="8784976" cy="2016208"/>
+          </a:xfrm>
+        </p:spPr>
+        <p:txBody>
+          <a:bodyPr>
+            <a:normAutofit/>
+          </a:bodyPr>
+          <a:lstStyle/>
+          <a:p>
+            <a:r>
+              <a:rPr lang="en-US" altLang="ja-JP" dirty="0" smtClean="0"/>
+              <a:t>Deleted functions</a:t>
+            </a:r>
+            <a:endParaRPr lang="en-US" altLang="ja-JP" dirty="0" smtClean="0"/>
+          </a:p>
+          <a:p>
+            <a:pPr marL="0" indent="0">
+              <a:buNone/>
+            </a:pPr>
+            <a:endParaRPr lang="en-US" altLang="ja-JP" dirty="0"/>
+          </a:p>
+          <a:p>
+            <a:pPr marL="0" indent="0">
+              <a:buNone/>
+            </a:pPr>
+            <a:r>
+              <a:rPr lang="en-US" altLang="ja-JP" dirty="0"/>
+              <a:t>Following functions were deleted on listed versions. </a:t>
+            </a:r>
+          </a:p>
+          <a:p>
+            <a:pPr marL="0" indent="0">
+              <a:buNone/>
+            </a:pPr>
+            <a:r>
+              <a:rPr lang="en-US" altLang="ja-JP" dirty="0" smtClean="0"/>
+              <a:t>Functions </a:t>
+            </a:r>
+            <a:r>
+              <a:rPr lang="en-US" altLang="ja-JP" dirty="0"/>
+              <a:t>installed beforehand will remain, but </a:t>
+            </a:r>
+            <a:r>
+              <a:rPr lang="en-US" altLang="ja-JP" dirty="0" smtClean="0"/>
+              <a:t>they </a:t>
+            </a:r>
+            <a:r>
+              <a:rPr lang="en-US" altLang="ja-JP" dirty="0"/>
+              <a:t>may not work properly </a:t>
+            </a:r>
+            <a:r>
+              <a:rPr lang="en-US" altLang="ja-JP" dirty="0" smtClean="0"/>
+              <a:t>after the </a:t>
+            </a:r>
+            <a:r>
+              <a:rPr lang="en-US" altLang="ja-JP" dirty="0"/>
+              <a:t>listed version.</a:t>
+            </a:r>
+          </a:p>
+        </p:txBody>
+      </p:sp>
+      <p:graphicFrame>
+        <p:nvGraphicFramePr>
+          <p:cNvPr id="4" name="表 3"/>
+          <p:cNvGraphicFramePr>
+            <a:graphicFrameLocks noGrp="1"/>
+          </p:cNvGraphicFramePr>
+          <p:nvPr>
+            <p:extLst>
+              <p:ext uri="{D42A27DB-BD31-4B8C-83A1-F6EECF244321}">
+                <p14:modId xmlns:p14="http://schemas.microsoft.com/office/powerpoint/2010/main" val="3514487963"/>
+              </p:ext>
+            </p:extLst>
+          </p:nvPr>
+        </p:nvGraphicFramePr>
+        <p:xfrm>
+          <a:off x="1691600" y="2996940"/>
+          <a:ext cx="5040700" cy="1691640"/>
+        </p:xfrm>
+        <a:graphic>
+          <a:graphicData uri="http://schemas.openxmlformats.org/drawingml/2006/table">
+            <a:tbl>
+              <a:tblPr firstRow="1" bandRow="1">
+                <a:tableStyleId>{93296810-A885-4BE3-A3E7-6D5BEEA58F35}</a:tableStyleId>
+              </a:tblPr>
+              <a:tblGrid>
+                <a:gridCol w="2520350">
+                  <a:extLst>
+                    <a:ext uri="{9D8B030D-6E8A-4147-A177-3AD203B41FA5}">
+                      <a16:colId xmlns:a16="http://schemas.microsoft.com/office/drawing/2014/main" val="3287607087"/>
+                    </a:ext>
+                  </a:extLst>
+                </a:gridCol>
+                <a:gridCol w="2520350">
+                  <a:extLst>
+                    <a:ext uri="{9D8B030D-6E8A-4147-A177-3AD203B41FA5}">
+                      <a16:colId xmlns:a16="http://schemas.microsoft.com/office/drawing/2014/main" val="3286387620"/>
+                    </a:ext>
+                  </a:extLst>
+                </a:gridCol>
+              </a:tblGrid>
+              <a:tr h="370840">
+                <a:tc>
+                  <a:txBody>
+                    <a:bodyPr/>
+                    <a:lstStyle/>
+                    <a:p>
+                      <a:pPr algn="ctr"/>
+                      <a:r>
+                        <a:rPr kumimoji="1" lang="en-US" altLang="ja-JP" sz="1600" dirty="0" smtClean="0"/>
+                        <a:t>Function</a:t>
+                      </a:r>
+                      <a:endParaRPr kumimoji="1" lang="ja-JP" altLang="en-US" sz="1600" dirty="0"/>
+                    </a:p>
+                  </a:txBody>
+                  <a:tcPr anchor="ctr"/>
+                </a:tc>
+                <a:tc>
+                  <a:txBody>
+                    <a:bodyPr/>
+                    <a:lstStyle/>
+                    <a:p>
+                      <a:pPr algn="ctr"/>
+                      <a:r>
+                        <a:rPr kumimoji="1" lang="en-US" altLang="ja-JP" sz="1600" dirty="0" smtClean="0"/>
+                        <a:t>Version</a:t>
+                      </a:r>
+                      <a:endParaRPr kumimoji="1" lang="ja-JP" altLang="en-US" sz="1600" dirty="0"/>
+                    </a:p>
+                  </a:txBody>
+                  <a:tcPr anchor="ctr"/>
+                </a:tc>
+                <a:extLst>
+                  <a:ext uri="{0D108BD9-81ED-4DB2-BD59-A6C34878D82A}">
+                    <a16:rowId xmlns:a16="http://schemas.microsoft.com/office/drawing/2014/main" val="3804090706"/>
+                  </a:ext>
+                </a:extLst>
+              </a:tr>
+              <a:tr h="370840">
+                <a:tc>
+                  <a:txBody>
+                    <a:bodyPr/>
+                    <a:lstStyle/>
+                    <a:p>
+                      <a:r>
+                        <a:rPr kumimoji="1" lang="en-US" altLang="ja-JP" sz="1600" dirty="0" smtClean="0"/>
+                        <a:t>DSC-Driver</a:t>
+                      </a:r>
+                      <a:endParaRPr kumimoji="1" lang="ja-JP" altLang="en-US" sz="1600" dirty="0"/>
+                    </a:p>
+                  </a:txBody>
+                  <a:tcPr/>
+                </a:tc>
+                <a:tc>
+                  <a:txBody>
+                    <a:bodyPr/>
+                    <a:lstStyle/>
+                    <a:p>
+                      <a:r>
+                        <a:rPr kumimoji="1" lang="en-US" altLang="ja-JP" sz="1600" dirty="0" smtClean="0"/>
+                        <a:t>v1.5.0</a:t>
+                      </a:r>
+                      <a:endParaRPr kumimoji="1" lang="ja-JP" altLang="en-US" sz="1600" dirty="0"/>
+                    </a:p>
+                  </a:txBody>
+                  <a:tcPr/>
+                </a:tc>
+                <a:extLst>
+                  <a:ext uri="{0D108BD9-81ED-4DB2-BD59-A6C34878D82A}">
+                    <a16:rowId xmlns:a16="http://schemas.microsoft.com/office/drawing/2014/main" val="2228172427"/>
+                  </a:ext>
+                </a:extLst>
+              </a:tr>
+              <a:tr h="370840">
+                <a:tc>
+                  <a:txBody>
+                    <a:bodyPr/>
+                    <a:lstStyle/>
+                    <a:p>
+                      <a:r>
+                        <a:rPr kumimoji="1" lang="en-US" altLang="ja-JP" sz="1600" dirty="0" smtClean="0"/>
+                        <a:t>OpenStack-Driver</a:t>
+                      </a:r>
+                      <a:endParaRPr kumimoji="1" lang="ja-JP" altLang="en-US" sz="1600" dirty="0"/>
+                    </a:p>
+                  </a:txBody>
+                  <a:tcPr/>
+                </a:tc>
+                <a:tc>
+                  <a:txBody>
+                    <a:bodyPr/>
+                    <a:lstStyle/>
+                    <a:p>
+                      <a:r>
+                        <a:rPr kumimoji="1" lang="en-US" altLang="ja-JP" sz="1600" dirty="0" smtClean="0"/>
+                        <a:t>v1.6.1</a:t>
+                      </a:r>
+                      <a:endParaRPr kumimoji="1" lang="ja-JP" altLang="en-US" sz="1600" dirty="0"/>
+                    </a:p>
+                  </a:txBody>
+                  <a:tcPr/>
+                </a:tc>
+                <a:extLst>
+                  <a:ext uri="{0D108BD9-81ED-4DB2-BD59-A6C34878D82A}">
+                    <a16:rowId xmlns:a16="http://schemas.microsoft.com/office/drawing/2014/main" val="3872625748"/>
+                  </a:ext>
+                </a:extLst>
+              </a:tr>
+              <a:tr h="370840">
+                <a:tc>
+                  <a:txBody>
+                    <a:bodyPr/>
+                    <a:lstStyle/>
+                    <a:p>
+                      <a:r>
+                        <a:rPr kumimoji="1" lang="en-US" altLang="ja-JP" sz="1600" dirty="0" smtClean="0"/>
+                        <a:t>Construction</a:t>
+                      </a:r>
+                      <a:r>
+                        <a:rPr kumimoji="1" lang="en-US" altLang="ja-JP" sz="1600" baseline="0" dirty="0" smtClean="0"/>
+                        <a:t> file management function</a:t>
+                      </a:r>
+                      <a:endParaRPr kumimoji="1" lang="ja-JP" altLang="en-US" sz="1600" dirty="0"/>
+                    </a:p>
+                  </a:txBody>
+                  <a:tcPr/>
+                </a:tc>
+                <a:tc>
+                  <a:txBody>
+                    <a:bodyPr/>
+                    <a:lstStyle/>
+                    <a:p>
+                      <a:r>
+                        <a:rPr kumimoji="1" lang="en-US" altLang="ja-JP" sz="1600" dirty="0" smtClean="0"/>
+                        <a:t>v1.8.0</a:t>
+                      </a:r>
+                      <a:endParaRPr kumimoji="1" lang="ja-JP" altLang="en-US" sz="1600" dirty="0"/>
+                    </a:p>
+                  </a:txBody>
+                  <a:tcPr/>
+                </a:tc>
+                <a:extLst>
+                  <a:ext uri="{0D108BD9-81ED-4DB2-BD59-A6C34878D82A}">
+                    <a16:rowId xmlns:a16="http://schemas.microsoft.com/office/drawing/2014/main" val="3168334662"/>
+                  </a:ext>
+                </a:extLst>
+              </a:tr>
+            </a:tbl>
+          </a:graphicData>
+        </a:graphic>
+      </p:graphicFrame>
     </p:spTree>
     <p:extLst>
       <p:ext uri="{BB962C8B-B14F-4D97-AF65-F5344CB8AC3E}">
-        <p14:creationId xmlns:p14="http://schemas.microsoft.com/office/powerpoint/2010/main" val="3218686016"/>
+        <p14:creationId xmlns:p14="http://schemas.microsoft.com/office/powerpoint/2010/main" val="3327719080"/>
       </p:ext>
     </p:extLst>
   </p:cSld>
@@ -18536,6 +19595,43 @@
     <p:extLst>
       <p:ext uri="{BB962C8B-B14F-4D97-AF65-F5344CB8AC3E}">
         <p14:creationId xmlns:p14="http://schemas.microsoft.com/office/powerpoint/2010/main" val="497929968"/>
+      </p:ext>
+    </p:extLst>
+  </p:cSld>
+  <p:clrMapOvr>
+    <a:masterClrMapping/>
+  </p:clrMapOvr>
+  <p:timing>
+    <p:tnLst>
+      <p:par>
+        <p:cTn id="1" dur="indefinite" restart="never" nodeType="tmRoot"/>
+      </p:par>
+    </p:tnLst>
+  </p:timing>
+</p:sld>
+</file>
+
+<file path=ppt/slides/slide20.xml><?xml version="1.0" encoding="utf-8"?>
+<p:sld xmlns:a="http://schemas.openxmlformats.org/drawingml/2006/main" xmlns:r="http://schemas.openxmlformats.org/officeDocument/2006/relationships" xmlns:p="http://schemas.openxmlformats.org/presentationml/2006/main">
+  <p:cSld>
+    <p:spTree>
+      <p:nvGrpSpPr>
+        <p:cNvPr id="1" name=""/>
+        <p:cNvGrpSpPr/>
+        <p:nvPr/>
+      </p:nvGrpSpPr>
+      <p:grpSpPr>
+        <a:xfrm>
+          <a:off x="0" y="0"/>
+          <a:ext cx="0" cy="0"/>
+          <a:chOff x="0" y="0"/>
+          <a:chExt cx="0" cy="0"/>
+        </a:xfrm>
+      </p:grpSpPr>
+    </p:spTree>
+    <p:extLst>
+      <p:ext uri="{BB962C8B-B14F-4D97-AF65-F5344CB8AC3E}">
+        <p14:creationId xmlns:p14="http://schemas.microsoft.com/office/powerpoint/2010/main" val="3218686016"/>
       </p:ext>
     </p:extLst>
   </p:cSld>
@@ -18919,7 +20015,11 @@
             </a:br>
             <a:r>
               <a:rPr lang="en-US" altLang="ja-JP" dirty="0" smtClean="0"/>
-              <a:t>Environments of ITA 1.4.0 or later can be updated by following the procedure in this document.</a:t>
+              <a:t>ITA environments running on version 1.4.0 </a:t>
+            </a:r>
+            <a:r>
+              <a:rPr lang="en-US" altLang="ja-JP" dirty="0" smtClean="0"/>
+              <a:t>or later can be updated by following the procedure in this document.</a:t>
             </a:r>
           </a:p>
         </p:txBody>
@@ -20401,14 +21501,14 @@
               <a:t>Download file from </a:t>
             </a:r>
             <a:r>
-              <a:rPr kumimoji="0" lang="en-US" altLang="ja-JP" sz="1200" dirty="0" err="1" smtClean="0">
+              <a:rPr kumimoji="0" lang="en-US" altLang="ja-JP" sz="1200" dirty="0" smtClean="0">
                 <a:solidFill>
                   <a:srgbClr val="000000"/>
                 </a:solidFill>
                 <a:latin typeface="+mn-ea"/>
                 <a:cs typeface="Times New Roman" panose="02020603050405020304" pitchFamily="18" charset="0"/>
               </a:rPr>
-              <a:t>Github</a:t>
+              <a:t>GitHub</a:t>
             </a:r>
             <a:endParaRPr kumimoji="0" lang="ja-JP" altLang="en-US" sz="1200" dirty="0">
               <a:solidFill>
